--- a/docs/aws/aws-自社開発システム構成図.pptx
+++ b/docs/aws/aws-自社開発システム構成図.pptx
@@ -20,7 +20,6 @@
     <p:sldId id="265" r:id="rId16"/>
     <p:sldId id="266" r:id="rId17"/>
     <p:sldId id="267" r:id="rId18"/>
-    <p:sldId id="268" r:id="rId19"/>
   </p:sldIdLst>
   <p:sldSz cy="5143500" cx="9144000"/>
   <p:notesSz cx="6858000" cy="9144000"/>
@@ -269,7 +268,7 @@
       </p15:sldGuideLst>
     </p:ext>
     <p:ext uri="http://customooxmlschemas.google.com/">
-      <go:slidesCustomData xmlns:go="http://customooxmlschemas.google.com/" r:id="rId20" roundtripDataSignature="AMtx7mhhwuHy64t+Zoyu/TQdzq2o6pTh9w=="/>
+      <go:slidesCustomData xmlns:go="http://customooxmlschemas.google.com/" r:id="rId19" roundtripDataSignature="AMtx7mhx4d4QdSxSE2/+MCuPAwXsoZh1Pg=="/>
     </p:ext>
   </p:extLst>
 </p:presentation>
@@ -965,7 +964,7 @@
   <p:cSld>
     <p:spTree>
       <p:nvGrpSpPr>
-        <p:cNvPr id="242" name="Shape 242"/>
+        <p:cNvPr id="256" name="Shape 256"/>
         <p:cNvGrpSpPr/>
         <p:nvPr/>
       </p:nvGrpSpPr>
@@ -979,7 +978,7 @@
       </p:grpSpPr>
       <p:sp>
         <p:nvSpPr>
-          <p:cNvPr id="243" name="Google Shape;243;g7cf6fd3894_0_70:notes"/>
+          <p:cNvPr id="257" name="Google Shape;257;g7d2aecd8d7_0_9:notes"/>
           <p:cNvSpPr txBox="1"/>
           <p:nvPr>
             <p:ph idx="1" type="body"/>
@@ -1026,7 +1025,7 @@
       </p:sp>
       <p:sp>
         <p:nvSpPr>
-          <p:cNvPr id="244" name="Google Shape;244;g7cf6fd3894_0_70:notes"/>
+          <p:cNvPr id="258" name="Google Shape;258;g7d2aecd8d7_0_9:notes"/>
           <p:cNvSpPr/>
           <p:nvPr>
             <p:ph idx="2" type="sldImg"/>
@@ -1082,7 +1081,7 @@
   <p:cSld>
     <p:spTree>
       <p:nvGrpSpPr>
-        <p:cNvPr id="278" name="Shape 278"/>
+        <p:cNvPr id="281" name="Shape 281"/>
         <p:cNvGrpSpPr/>
         <p:nvPr/>
       </p:nvGrpSpPr>
@@ -1096,7 +1095,7 @@
       </p:grpSpPr>
       <p:sp>
         <p:nvSpPr>
-          <p:cNvPr id="279" name="Google Shape;279;g7d2aecd8d7_0_9:notes"/>
+          <p:cNvPr id="282" name="Google Shape;282;g7cf6fd3894_0_136:notes"/>
           <p:cNvSpPr txBox="1"/>
           <p:nvPr>
             <p:ph idx="1" type="body"/>
@@ -1143,7 +1142,7 @@
       </p:sp>
       <p:sp>
         <p:nvSpPr>
-          <p:cNvPr id="280" name="Google Shape;280;g7d2aecd8d7_0_9:notes"/>
+          <p:cNvPr id="283" name="Google Shape;283;g7cf6fd3894_0_136:notes"/>
           <p:cNvSpPr/>
           <p:nvPr>
             <p:ph idx="2" type="sldImg"/>
@@ -1213,7 +1212,7 @@
       </p:grpSpPr>
       <p:sp>
         <p:nvSpPr>
-          <p:cNvPr id="304" name="Google Shape;304;g7cf6fd3894_0_136:notes"/>
+          <p:cNvPr id="304" name="Google Shape;304;g7cf6fd3894_0_285:notes"/>
           <p:cNvSpPr txBox="1"/>
           <p:nvPr>
             <p:ph idx="1" type="body"/>
@@ -1260,124 +1259,7 @@
       </p:sp>
       <p:sp>
         <p:nvSpPr>
-          <p:cNvPr id="305" name="Google Shape;305;g7cf6fd3894_0_136:notes"/>
-          <p:cNvSpPr/>
-          <p:nvPr>
-            <p:ph idx="2" type="sldImg"/>
-          </p:nvPr>
-        </p:nvSpPr>
-        <p:spPr>
-          <a:xfrm>
-            <a:off x="381000" y="685800"/>
-            <a:ext cx="6096000" cy="3429000"/>
-          </a:xfrm>
-          <a:custGeom>
-            <a:rect b="b" l="l" r="r" t="t"/>
-            <a:pathLst>
-              <a:path extrusionOk="0" h="120000" w="120000">
-                <a:moveTo>
-                  <a:pt x="0" y="0"/>
-                </a:moveTo>
-                <a:lnTo>
-                  <a:pt x="120000" y="0"/>
-                </a:lnTo>
-                <a:lnTo>
-                  <a:pt x="120000" y="120000"/>
-                </a:lnTo>
-                <a:lnTo>
-                  <a:pt x="0" y="120000"/>
-                </a:lnTo>
-                <a:close/>
-              </a:path>
-            </a:pathLst>
-          </a:custGeom>
-          <a:noFill/>
-          <a:ln cap="flat" cmpd="sng" w="9525">
-            <a:solidFill>
-              <a:srgbClr val="000000"/>
-            </a:solidFill>
-            <a:prstDash val="solid"/>
-            <a:round/>
-            <a:headEnd len="sm" w="sm" type="none"/>
-            <a:tailEnd len="sm" w="sm" type="none"/>
-          </a:ln>
-        </p:spPr>
-      </p:sp>
-    </p:spTree>
-  </p:cSld>
-  <p:clrMapOvr>
-    <a:masterClrMapping/>
-  </p:clrMapOvr>
-</p:notes>
-</file>
-
-<file path=ppt/notesSlides/notesSlide13.xml><?xml version="1.0" encoding="utf-8"?>
-<p:notes xmlns:a="http://schemas.openxmlformats.org/drawingml/2006/main" xmlns:r="http://schemas.openxmlformats.org/officeDocument/2006/relationships" xmlns:mc="http://schemas.openxmlformats.org/markup-compatibility/2006" xmlns:mv="urn:schemas-microsoft-com:mac:vml" xmlns:p="http://schemas.openxmlformats.org/presentationml/2006/main" xmlns:c="http://schemas.openxmlformats.org/drawingml/2006/chart" xmlns:dgm="http://schemas.openxmlformats.org/drawingml/2006/diagram" xmlns:o="urn:schemas-microsoft-com:office:office" xmlns:v="urn:schemas-microsoft-com:vml" xmlns:pvml="urn:schemas-microsoft-com:office:powerpoint" xmlns:com="http://schemas.openxmlformats.org/drawingml/2006/compatibility" xmlns:p14="http://schemas.microsoft.com/office/powerpoint/2010/main" xmlns:p15="http://schemas.microsoft.com/office/powerpoint/2012/main" showMasterPhAnim="0" showMasterSp="0">
-  <p:cSld>
-    <p:spTree>
-      <p:nvGrpSpPr>
-        <p:cNvPr id="325" name="Shape 325"/>
-        <p:cNvGrpSpPr/>
-        <p:nvPr/>
-      </p:nvGrpSpPr>
-      <p:grpSpPr>
-        <a:xfrm>
-          <a:off x="0" y="0"/>
-          <a:ext cx="0" cy="0"/>
-          <a:chOff x="0" y="0"/>
-          <a:chExt cx="0" cy="0"/>
-        </a:xfrm>
-      </p:grpSpPr>
-      <p:sp>
-        <p:nvSpPr>
-          <p:cNvPr id="326" name="Google Shape;326;g7cf6fd3894_0_285:notes"/>
-          <p:cNvSpPr txBox="1"/>
-          <p:nvPr>
-            <p:ph idx="1" type="body"/>
-          </p:nvPr>
-        </p:nvSpPr>
-        <p:spPr>
-          <a:xfrm>
-            <a:off x="685800" y="4343400"/>
-            <a:ext cx="5486400" cy="4114800"/>
-          </a:xfrm>
-          <a:prstGeom prst="rect">
-            <a:avLst/>
-          </a:prstGeom>
-          <a:noFill/>
-          <a:ln>
-            <a:noFill/>
-          </a:ln>
-        </p:spPr>
-        <p:txBody>
-          <a:bodyPr anchorCtr="0" anchor="t" bIns="91425" lIns="91425" spcFirstLastPara="1" rIns="91425" wrap="square" tIns="91425">
-            <a:noAutofit/>
-          </a:bodyPr>
-          <a:lstStyle/>
-          <a:p>
-            <a:pPr indent="0" lvl="0" marL="0" rtl="0" algn="l">
-              <a:lnSpc>
-                <a:spcPct val="100000"/>
-              </a:lnSpc>
-              <a:spcBef>
-                <a:spcPts val="0"/>
-              </a:spcBef>
-              <a:spcAft>
-                <a:spcPts val="0"/>
-              </a:spcAft>
-              <a:buSzPts val="1100"/>
-              <a:buNone/>
-            </a:pPr>
-            <a:r>
-              <a:t/>
-            </a:r>
-            <a:endParaRPr/>
-          </a:p>
-        </p:txBody>
-      </p:sp>
-      <p:sp>
-        <p:nvSpPr>
-          <p:cNvPr id="327" name="Google Shape;327;g7cf6fd3894_0_285:notes"/>
+          <p:cNvPr id="305" name="Google Shape;305;g7cf6fd3894_0_285:notes"/>
           <p:cNvSpPr/>
           <p:nvPr>
             <p:ph idx="2" type="sldImg"/>
@@ -2266,7 +2148,7 @@
       </p:grpSpPr>
       <p:sp>
         <p:nvSpPr>
-          <p:cNvPr id="221" name="Google Shape;221;g7cf6fd3894_0_50:notes"/>
+          <p:cNvPr id="221" name="Google Shape;221;g7cf6fd3894_0_70:notes"/>
           <p:cNvSpPr txBox="1"/>
           <p:nvPr>
             <p:ph idx="1" type="body"/>
@@ -2313,7 +2195,7 @@
       </p:sp>
       <p:sp>
         <p:nvSpPr>
-          <p:cNvPr id="222" name="Google Shape;222;g7cf6fd3894_0_50:notes"/>
+          <p:cNvPr id="222" name="Google Shape;222;g7cf6fd3894_0_70:notes"/>
           <p:cNvSpPr/>
           <p:nvPr>
             <p:ph idx="2" type="sldImg"/>
@@ -10121,7 +10003,7 @@
             </a:pPr>
             <a:r>
               <a:rPr lang="ja" sz="1200"/>
-              <a:t>2020年3月11日現在</a:t>
+              <a:t>2020年6月12日現在</a:t>
             </a:r>
             <a:endParaRPr sz="1200"/>
           </a:p>
@@ -10167,7 +10049,7 @@
   <p:cSld>
     <p:spTree>
       <p:nvGrpSpPr>
-        <p:cNvPr id="245" name="Shape 245"/>
+        <p:cNvPr id="259" name="Shape 259"/>
         <p:cNvGrpSpPr/>
         <p:nvPr/>
       </p:nvGrpSpPr>
@@ -10181,7 +10063,7 @@
       </p:grpSpPr>
       <p:sp>
         <p:nvSpPr>
-          <p:cNvPr id="246" name="Google Shape;246;g7cf6fd3894_0_70"/>
+          <p:cNvPr id="260" name="Google Shape;260;g7d2aecd8d7_0_9"/>
           <p:cNvSpPr txBox="1"/>
           <p:nvPr>
             <p:ph type="title"/>
@@ -10221,7 +10103,7 @@
             </a:pPr>
             <a:r>
               <a:rPr lang="ja" sz="1800"/>
-              <a:t>Marketoメール配信履歴データ生成ツール</a:t>
+              <a:t>SmartNewsレポート生成ツール</a:t>
             </a:r>
             <a:endParaRPr sz="1800"/>
           </a:p>
@@ -10229,2749 +10111,7 @@
       </p:sp>
       <p:sp>
         <p:nvSpPr>
-          <p:cNvPr id="247" name="Google Shape;247;g7cf6fd3894_0_70"/>
-          <p:cNvSpPr txBox="1"/>
-          <p:nvPr/>
-        </p:nvSpPr>
-        <p:spPr>
-          <a:xfrm>
-            <a:off x="355249" y="879532"/>
-            <a:ext cx="8259900" cy="441900"/>
-          </a:xfrm>
-          <a:prstGeom prst="rect">
-            <a:avLst/>
-          </a:prstGeom>
-          <a:noFill/>
-          <a:ln>
-            <a:noFill/>
-          </a:ln>
-        </p:spPr>
-        <p:txBody>
-          <a:bodyPr anchorCtr="0" anchor="ctr" bIns="91425" lIns="91425" spcFirstLastPara="1" rIns="91425" wrap="square" tIns="91425">
-            <a:noAutofit/>
-          </a:bodyPr>
-          <a:lstStyle/>
-          <a:p>
-            <a:pPr indent="0" lvl="0" marL="0" marR="0" rtl="0" algn="l">
-              <a:lnSpc>
-                <a:spcPct val="100000"/>
-              </a:lnSpc>
-              <a:spcBef>
-                <a:spcPts val="0"/>
-              </a:spcBef>
-              <a:spcAft>
-                <a:spcPts val="0"/>
-              </a:spcAft>
-              <a:buClr>
-                <a:srgbClr val="000000"/>
-              </a:buClr>
-              <a:buSzPts val="1400"/>
-              <a:buFont typeface="Arial"/>
-              <a:buNone/>
-            </a:pPr>
-            <a:r>
-              <a:rPr b="0" i="0" lang="ja" sz="1200" u="none" cap="none" strike="noStrike">
-                <a:solidFill>
-                  <a:srgbClr val="666666"/>
-                </a:solidFill>
-                <a:latin typeface="Arial"/>
-                <a:ea typeface="Arial"/>
-                <a:cs typeface="Arial"/>
-                <a:sym typeface="Arial"/>
-              </a:rPr>
-              <a:t>1日に1回指定時間に、MarketoのAPIを用いてメール配信履歴のデータを取得し、データベースに蓄積します。</a:t>
-            </a:r>
-            <a:endParaRPr b="0" i="0" sz="1200" u="none" cap="none" strike="noStrike">
-              <a:solidFill>
-                <a:srgbClr val="666666"/>
-              </a:solidFill>
-              <a:latin typeface="Arial"/>
-              <a:ea typeface="Arial"/>
-              <a:cs typeface="Arial"/>
-              <a:sym typeface="Arial"/>
-            </a:endParaRPr>
-          </a:p>
-          <a:p>
-            <a:pPr indent="0" lvl="0" marL="0" marR="0" rtl="0" algn="l">
-              <a:lnSpc>
-                <a:spcPct val="100000"/>
-              </a:lnSpc>
-              <a:spcBef>
-                <a:spcPts val="0"/>
-              </a:spcBef>
-              <a:spcAft>
-                <a:spcPts val="0"/>
-              </a:spcAft>
-              <a:buClr>
-                <a:srgbClr val="000000"/>
-              </a:buClr>
-              <a:buSzPts val="1400"/>
-              <a:buFont typeface="Arial"/>
-              <a:buNone/>
-            </a:pPr>
-            <a:r>
-              <a:rPr b="0" i="0" lang="ja" sz="1200" u="none" cap="none" strike="noStrike">
-                <a:solidFill>
-                  <a:srgbClr val="666666"/>
-                </a:solidFill>
-                <a:latin typeface="Arial"/>
-                <a:ea typeface="Arial"/>
-                <a:cs typeface="Arial"/>
-                <a:sym typeface="Arial"/>
-              </a:rPr>
-              <a:t>毎週金曜日に蓄積データを加工し、加工データをExcelに変換してEC2(画面)上でダウンロードします。</a:t>
-            </a:r>
-            <a:endParaRPr b="0" i="0" sz="1200" u="none" cap="none" strike="noStrike">
-              <a:solidFill>
-                <a:srgbClr val="666666"/>
-              </a:solidFill>
-              <a:latin typeface="Arial"/>
-              <a:ea typeface="Arial"/>
-              <a:cs typeface="Arial"/>
-              <a:sym typeface="Arial"/>
-            </a:endParaRPr>
-          </a:p>
-          <a:p>
-            <a:pPr indent="0" lvl="0" marL="0" marR="0" rtl="0" algn="l">
-              <a:lnSpc>
-                <a:spcPct val="100000"/>
-              </a:lnSpc>
-              <a:spcBef>
-                <a:spcPts val="0"/>
-              </a:spcBef>
-              <a:spcAft>
-                <a:spcPts val="0"/>
-              </a:spcAft>
-              <a:buClr>
-                <a:schemeClr val="dk1"/>
-              </a:buClr>
-              <a:buSzPts val="1400"/>
-              <a:buFont typeface="Arial"/>
-              <a:buNone/>
-            </a:pPr>
-            <a:r>
-              <a:rPr b="0" i="0" lang="ja" sz="1200" u="none" cap="none" strike="noStrike">
-                <a:solidFill>
-                  <a:srgbClr val="666666"/>
-                </a:solidFill>
-                <a:latin typeface="Arial"/>
-                <a:ea typeface="Arial"/>
-                <a:cs typeface="Arial"/>
-                <a:sym typeface="Arial"/>
-              </a:rPr>
-              <a:t>ダウンロードデータはメール配信履歴確認用として利用します。</a:t>
-            </a:r>
-            <a:endParaRPr b="0" i="0" sz="1200" u="none" cap="none" strike="noStrike">
-              <a:solidFill>
-                <a:srgbClr val="666666"/>
-              </a:solidFill>
-              <a:latin typeface="Arial"/>
-              <a:ea typeface="Arial"/>
-              <a:cs typeface="Arial"/>
-              <a:sym typeface="Arial"/>
-            </a:endParaRPr>
-          </a:p>
-          <a:p>
-            <a:pPr indent="0" lvl="0" marL="0" marR="0" rtl="0" algn="l">
-              <a:lnSpc>
-                <a:spcPct val="100000"/>
-              </a:lnSpc>
-              <a:spcBef>
-                <a:spcPts val="0"/>
-              </a:spcBef>
-              <a:spcAft>
-                <a:spcPts val="0"/>
-              </a:spcAft>
-              <a:buClr>
-                <a:schemeClr val="dk1"/>
-              </a:buClr>
-              <a:buSzPts val="1400"/>
-              <a:buFont typeface="Arial"/>
-              <a:buNone/>
-            </a:pPr>
-            <a:r>
-              <a:rPr b="0" i="0" lang="ja" sz="1200" u="none" cap="none" strike="noStrike">
-                <a:solidFill>
-                  <a:srgbClr val="666666"/>
-                </a:solidFill>
-                <a:latin typeface="Arial"/>
-                <a:ea typeface="Arial"/>
-                <a:cs typeface="Arial"/>
-                <a:sym typeface="Arial"/>
-              </a:rPr>
-              <a:t>※ツールにBasic認証(パスワード複雑化)、IP制限設定済み。</a:t>
-            </a:r>
-            <a:endParaRPr b="0" i="0" sz="1200" u="none" cap="none" strike="noStrike">
-              <a:solidFill>
-                <a:srgbClr val="666666"/>
-              </a:solidFill>
-              <a:latin typeface="Arial"/>
-              <a:ea typeface="Arial"/>
-              <a:cs typeface="Arial"/>
-              <a:sym typeface="Arial"/>
-            </a:endParaRPr>
-          </a:p>
-        </p:txBody>
-      </p:sp>
-      <p:graphicFrame>
-        <p:nvGraphicFramePr>
-          <p:cNvPr id="248" name="Google Shape;248;g7cf6fd3894_0_70"/>
-          <p:cNvGraphicFramePr/>
-          <p:nvPr/>
-        </p:nvGraphicFramePr>
-        <p:xfrm>
-          <a:off x="471984" y="1612367"/>
-          <a:ext cx="3000000" cy="3000000"/>
-        </p:xfrm>
-        <a:graphic>
-          <a:graphicData uri="http://schemas.openxmlformats.org/drawingml/2006/table">
-            <a:tbl>
-              <a:tblPr bandRow="1" firstRow="1">
-                <a:noFill/>
-                <a:tableStyleId>{480A4CA3-39E3-40D8-ADC2-51BE01CABE9C}</a:tableStyleId>
-              </a:tblPr>
-              <a:tblGrid>
-                <a:gridCol w="786425"/>
-                <a:gridCol w="1085850"/>
-              </a:tblGrid>
-              <a:tr h="204900">
-                <a:tc>
-                  <a:txBody>
-                    <a:bodyPr/>
-                    <a:lstStyle/>
-                    <a:p>
-                      <a:pPr indent="0" lvl="0" marL="0" marR="0" rtl="0" algn="l">
-                        <a:lnSpc>
-                          <a:spcPct val="100000"/>
-                        </a:lnSpc>
-                        <a:spcBef>
-                          <a:spcPts val="0"/>
-                        </a:spcBef>
-                        <a:spcAft>
-                          <a:spcPts val="0"/>
-                        </a:spcAft>
-                        <a:buClr>
-                          <a:srgbClr val="000000"/>
-                        </a:buClr>
-                        <a:buSzPts val="1000"/>
-                        <a:buFont typeface="Arial"/>
-                        <a:buNone/>
-                      </a:pPr>
-                      <a:r>
-                        <a:rPr lang="ja" sz="1000" u="none" cap="none" strike="noStrike"/>
-                        <a:t>個人情報</a:t>
-                      </a:r>
-                      <a:endParaRPr sz="1000" u="none" cap="none" strike="noStrike"/>
-                    </a:p>
-                  </a:txBody>
-                  <a:tcPr marT="45725" marB="45725" marR="91450" marL="91450">
-                    <a:lnL cap="flat" cmpd="sng" w="9525">
-                      <a:solidFill>
-                        <a:schemeClr val="dk1"/>
-                      </a:solidFill>
-                      <a:prstDash val="solid"/>
-                      <a:round/>
-                      <a:headEnd len="sm" w="sm" type="none"/>
-                      <a:tailEnd len="sm" w="sm" type="none"/>
-                    </a:lnL>
-                    <a:lnR cap="flat" cmpd="sng" w="9525">
-                      <a:solidFill>
-                        <a:schemeClr val="dk1"/>
-                      </a:solidFill>
-                      <a:prstDash val="solid"/>
-                      <a:round/>
-                      <a:headEnd len="sm" w="sm" type="none"/>
-                      <a:tailEnd len="sm" w="sm" type="none"/>
-                    </a:lnR>
-                    <a:lnT cap="flat" cmpd="sng" w="9525">
-                      <a:solidFill>
-                        <a:schemeClr val="dk1"/>
-                      </a:solidFill>
-                      <a:prstDash val="solid"/>
-                      <a:round/>
-                      <a:headEnd len="sm" w="sm" type="none"/>
-                      <a:tailEnd len="sm" w="sm" type="none"/>
-                    </a:lnT>
-                    <a:lnB cap="flat" cmpd="sng" w="9525">
-                      <a:solidFill>
-                        <a:schemeClr val="dk1"/>
-                      </a:solidFill>
-                      <a:prstDash val="solid"/>
-                      <a:round/>
-                      <a:headEnd len="sm" w="sm" type="none"/>
-                      <a:tailEnd len="sm" w="sm" type="none"/>
-                    </a:lnB>
-                  </a:tcPr>
-                </a:tc>
-                <a:tc>
-                  <a:txBody>
-                    <a:bodyPr/>
-                    <a:lstStyle/>
-                    <a:p>
-                      <a:pPr indent="0" lvl="0" marL="0" marR="0" rtl="0" algn="l">
-                        <a:lnSpc>
-                          <a:spcPct val="100000"/>
-                        </a:lnSpc>
-                        <a:spcBef>
-                          <a:spcPts val="0"/>
-                        </a:spcBef>
-                        <a:spcAft>
-                          <a:spcPts val="0"/>
-                        </a:spcAft>
-                        <a:buClr>
-                          <a:srgbClr val="000000"/>
-                        </a:buClr>
-                        <a:buSzPts val="1000"/>
-                        <a:buFont typeface="Arial"/>
-                        <a:buNone/>
-                      </a:pPr>
-                      <a:r>
-                        <a:rPr lang="ja" sz="1000" u="none" cap="none" strike="noStrike"/>
-                        <a:t>あり</a:t>
-                      </a:r>
-                      <a:endParaRPr sz="1000" u="none" cap="none" strike="noStrike"/>
-                    </a:p>
-                  </a:txBody>
-                  <a:tcPr marT="45725" marB="45725" marR="91450" marL="91450">
-                    <a:lnL cap="flat" cmpd="sng" w="9525">
-                      <a:solidFill>
-                        <a:schemeClr val="dk1"/>
-                      </a:solidFill>
-                      <a:prstDash val="solid"/>
-                      <a:round/>
-                      <a:headEnd len="sm" w="sm" type="none"/>
-                      <a:tailEnd len="sm" w="sm" type="none"/>
-                    </a:lnL>
-                    <a:lnR cap="flat" cmpd="sng" w="9525">
-                      <a:solidFill>
-                        <a:schemeClr val="dk1"/>
-                      </a:solidFill>
-                      <a:prstDash val="solid"/>
-                      <a:round/>
-                      <a:headEnd len="sm" w="sm" type="none"/>
-                      <a:tailEnd len="sm" w="sm" type="none"/>
-                    </a:lnR>
-                    <a:lnT cap="flat" cmpd="sng" w="9525">
-                      <a:solidFill>
-                        <a:schemeClr val="dk1"/>
-                      </a:solidFill>
-                      <a:prstDash val="solid"/>
-                      <a:round/>
-                      <a:headEnd len="sm" w="sm" type="none"/>
-                      <a:tailEnd len="sm" w="sm" type="none"/>
-                    </a:lnT>
-                    <a:lnB cap="flat" cmpd="sng" w="9525">
-                      <a:solidFill>
-                        <a:schemeClr val="dk1"/>
-                      </a:solidFill>
-                      <a:prstDash val="solid"/>
-                      <a:round/>
-                      <a:headEnd len="sm" w="sm" type="none"/>
-                      <a:tailEnd len="sm" w="sm" type="none"/>
-                    </a:lnB>
-                  </a:tcPr>
-                </a:tc>
-              </a:tr>
-              <a:tr h="211950">
-                <a:tc>
-                  <a:txBody>
-                    <a:bodyPr/>
-                    <a:lstStyle/>
-                    <a:p>
-                      <a:pPr indent="0" lvl="0" marL="0" marR="0" rtl="0" algn="l">
-                        <a:lnSpc>
-                          <a:spcPct val="100000"/>
-                        </a:lnSpc>
-                        <a:spcBef>
-                          <a:spcPts val="0"/>
-                        </a:spcBef>
-                        <a:spcAft>
-                          <a:spcPts val="0"/>
-                        </a:spcAft>
-                        <a:buClr>
-                          <a:srgbClr val="000000"/>
-                        </a:buClr>
-                        <a:buSzPts val="1000"/>
-                        <a:buFont typeface="Arial"/>
-                        <a:buNone/>
-                      </a:pPr>
-                      <a:r>
-                        <a:rPr lang="ja" sz="1000" u="none" cap="none" strike="noStrike"/>
-                        <a:t>重要情報</a:t>
-                      </a:r>
-                      <a:endParaRPr sz="1000" u="none" cap="none" strike="noStrike"/>
-                    </a:p>
-                  </a:txBody>
-                  <a:tcPr marT="45725" marB="45725" marR="91450" marL="91450">
-                    <a:lnL cap="flat" cmpd="sng" w="9525">
-                      <a:solidFill>
-                        <a:schemeClr val="dk1"/>
-                      </a:solidFill>
-                      <a:prstDash val="solid"/>
-                      <a:round/>
-                      <a:headEnd len="sm" w="sm" type="none"/>
-                      <a:tailEnd len="sm" w="sm" type="none"/>
-                    </a:lnL>
-                    <a:lnR cap="flat" cmpd="sng" w="9525">
-                      <a:solidFill>
-                        <a:schemeClr val="dk1"/>
-                      </a:solidFill>
-                      <a:prstDash val="solid"/>
-                      <a:round/>
-                      <a:headEnd len="sm" w="sm" type="none"/>
-                      <a:tailEnd len="sm" w="sm" type="none"/>
-                    </a:lnR>
-                    <a:lnT cap="flat" cmpd="sng" w="9525">
-                      <a:solidFill>
-                        <a:schemeClr val="dk1"/>
-                      </a:solidFill>
-                      <a:prstDash val="solid"/>
-                      <a:round/>
-                      <a:headEnd len="sm" w="sm" type="none"/>
-                      <a:tailEnd len="sm" w="sm" type="none"/>
-                    </a:lnT>
-                    <a:lnB cap="flat" cmpd="sng" w="9525">
-                      <a:solidFill>
-                        <a:schemeClr val="dk1"/>
-                      </a:solidFill>
-                      <a:prstDash val="solid"/>
-                      <a:round/>
-                      <a:headEnd len="sm" w="sm" type="none"/>
-                      <a:tailEnd len="sm" w="sm" type="none"/>
-                    </a:lnB>
-                  </a:tcPr>
-                </a:tc>
-                <a:tc>
-                  <a:txBody>
-                    <a:bodyPr/>
-                    <a:lstStyle/>
-                    <a:p>
-                      <a:pPr indent="0" lvl="0" marL="0" marR="0" rtl="0" algn="l">
-                        <a:lnSpc>
-                          <a:spcPct val="100000"/>
-                        </a:lnSpc>
-                        <a:spcBef>
-                          <a:spcPts val="0"/>
-                        </a:spcBef>
-                        <a:spcAft>
-                          <a:spcPts val="0"/>
-                        </a:spcAft>
-                        <a:buClr>
-                          <a:srgbClr val="000000"/>
-                        </a:buClr>
-                        <a:buSzPts val="1000"/>
-                        <a:buFont typeface="Arial"/>
-                        <a:buNone/>
-                      </a:pPr>
-                      <a:r>
-                        <a:rPr lang="ja" sz="1000" u="none" cap="none" strike="noStrike"/>
-                        <a:t>なし</a:t>
-                      </a:r>
-                      <a:endParaRPr sz="1000" u="none" cap="none" strike="noStrike"/>
-                    </a:p>
-                  </a:txBody>
-                  <a:tcPr marT="45725" marB="45725" marR="91450" marL="91450">
-                    <a:lnL cap="flat" cmpd="sng" w="9525">
-                      <a:solidFill>
-                        <a:schemeClr val="dk1"/>
-                      </a:solidFill>
-                      <a:prstDash val="solid"/>
-                      <a:round/>
-                      <a:headEnd len="sm" w="sm" type="none"/>
-                      <a:tailEnd len="sm" w="sm" type="none"/>
-                    </a:lnL>
-                    <a:lnR cap="flat" cmpd="sng" w="9525">
-                      <a:solidFill>
-                        <a:schemeClr val="dk1"/>
-                      </a:solidFill>
-                      <a:prstDash val="solid"/>
-                      <a:round/>
-                      <a:headEnd len="sm" w="sm" type="none"/>
-                      <a:tailEnd len="sm" w="sm" type="none"/>
-                    </a:lnR>
-                    <a:lnT cap="flat" cmpd="sng" w="9525">
-                      <a:solidFill>
-                        <a:schemeClr val="dk1"/>
-                      </a:solidFill>
-                      <a:prstDash val="solid"/>
-                      <a:round/>
-                      <a:headEnd len="sm" w="sm" type="none"/>
-                      <a:tailEnd len="sm" w="sm" type="none"/>
-                    </a:lnT>
-                    <a:lnB cap="flat" cmpd="sng" w="9525">
-                      <a:solidFill>
-                        <a:schemeClr val="dk1"/>
-                      </a:solidFill>
-                      <a:prstDash val="solid"/>
-                      <a:round/>
-                      <a:headEnd len="sm" w="sm" type="none"/>
-                      <a:tailEnd len="sm" w="sm" type="none"/>
-                    </a:lnB>
-                  </a:tcPr>
-                </a:tc>
-              </a:tr>
-            </a:tbl>
-          </a:graphicData>
-        </a:graphic>
-      </p:graphicFrame>
-      <p:sp>
-        <p:nvSpPr>
-          <p:cNvPr id="249" name="Google Shape;249;g7cf6fd3894_0_70"/>
-          <p:cNvSpPr txBox="1"/>
-          <p:nvPr/>
-        </p:nvSpPr>
-        <p:spPr>
-          <a:xfrm>
-            <a:off x="407329" y="2240274"/>
-            <a:ext cx="2806500" cy="1674000"/>
-          </a:xfrm>
-          <a:prstGeom prst="rect">
-            <a:avLst/>
-          </a:prstGeom>
-          <a:noFill/>
-          <a:ln>
-            <a:noFill/>
-          </a:ln>
-        </p:spPr>
-        <p:txBody>
-          <a:bodyPr anchorCtr="0" anchor="t" bIns="91425" lIns="91425" spcFirstLastPara="1" rIns="91425" wrap="square" tIns="91425">
-            <a:noAutofit/>
-          </a:bodyPr>
-          <a:lstStyle/>
-          <a:p>
-            <a:pPr indent="0" lvl="0" marL="0" marR="0" rtl="0" algn="l">
-              <a:lnSpc>
-                <a:spcPct val="100000"/>
-              </a:lnSpc>
-              <a:spcBef>
-                <a:spcPts val="0"/>
-              </a:spcBef>
-              <a:spcAft>
-                <a:spcPts val="0"/>
-              </a:spcAft>
-              <a:buClr>
-                <a:schemeClr val="dk1"/>
-              </a:buClr>
-              <a:buSzPts val="1100"/>
-              <a:buFont typeface="Arial"/>
-              <a:buNone/>
-            </a:pPr>
-            <a:r>
-              <a:rPr b="0" i="0" lang="ja" sz="1000" u="none" cap="none" strike="noStrike">
-                <a:solidFill>
-                  <a:schemeClr val="dk1"/>
-                </a:solidFill>
-                <a:latin typeface="Arial"/>
-                <a:ea typeface="Arial"/>
-                <a:cs typeface="Arial"/>
-                <a:sym typeface="Arial"/>
-              </a:rPr>
-              <a:t>Marketoから取得するデータ</a:t>
-            </a:r>
-            <a:endParaRPr b="0" i="0" sz="1000" u="none" cap="none" strike="noStrike">
-              <a:solidFill>
-                <a:schemeClr val="dk1"/>
-              </a:solidFill>
-              <a:latin typeface="Arial"/>
-              <a:ea typeface="Arial"/>
-              <a:cs typeface="Arial"/>
-              <a:sym typeface="Arial"/>
-            </a:endParaRPr>
-          </a:p>
-          <a:p>
-            <a:pPr indent="0" lvl="0" marL="0" marR="0" rtl="0" algn="l">
-              <a:lnSpc>
-                <a:spcPct val="100000"/>
-              </a:lnSpc>
-              <a:spcBef>
-                <a:spcPts val="0"/>
-              </a:spcBef>
-              <a:spcAft>
-                <a:spcPts val="0"/>
-              </a:spcAft>
-              <a:buClr>
-                <a:schemeClr val="dk1"/>
-              </a:buClr>
-              <a:buSzPts val="1100"/>
-              <a:buFont typeface="Arial"/>
-              <a:buNone/>
-            </a:pPr>
-            <a:r>
-              <a:rPr b="0" i="0" lang="ja" sz="1000" u="none" cap="none" strike="noStrike">
-                <a:solidFill>
-                  <a:schemeClr val="dk1"/>
-                </a:solidFill>
-                <a:latin typeface="Arial"/>
-                <a:ea typeface="Arial"/>
-                <a:cs typeface="Arial"/>
-                <a:sym typeface="Arial"/>
-              </a:rPr>
-              <a:t>Excelに出力するデータ</a:t>
-            </a:r>
-            <a:endParaRPr b="0" i="0" sz="1000" u="none" cap="none" strike="noStrike">
-              <a:solidFill>
-                <a:schemeClr val="dk1"/>
-              </a:solidFill>
-              <a:latin typeface="Arial"/>
-              <a:ea typeface="Arial"/>
-              <a:cs typeface="Arial"/>
-              <a:sym typeface="Arial"/>
-            </a:endParaRPr>
-          </a:p>
-          <a:p>
-            <a:pPr indent="0" lvl="0" marL="0" marR="0" rtl="0" algn="l">
-              <a:lnSpc>
-                <a:spcPct val="100000"/>
-              </a:lnSpc>
-              <a:spcBef>
-                <a:spcPts val="0"/>
-              </a:spcBef>
-              <a:spcAft>
-                <a:spcPts val="0"/>
-              </a:spcAft>
-              <a:buClr>
-                <a:schemeClr val="dk1"/>
-              </a:buClr>
-              <a:buSzPts val="1100"/>
-              <a:buFont typeface="Arial"/>
-              <a:buNone/>
-            </a:pPr>
-            <a:r>
-              <a:rPr b="0" i="0" lang="ja" sz="1000" u="none" cap="none" strike="noStrike">
-                <a:solidFill>
-                  <a:schemeClr val="dk1"/>
-                </a:solidFill>
-                <a:latin typeface="Arial"/>
-                <a:ea typeface="Arial"/>
-                <a:cs typeface="Arial"/>
-                <a:sym typeface="Arial"/>
-              </a:rPr>
-              <a:t>・物件コード</a:t>
-            </a:r>
-            <a:endParaRPr b="0" i="0" sz="1000" u="none" cap="none" strike="noStrike">
-              <a:solidFill>
-                <a:schemeClr val="dk1"/>
-              </a:solidFill>
-              <a:latin typeface="Arial"/>
-              <a:ea typeface="Arial"/>
-              <a:cs typeface="Arial"/>
-              <a:sym typeface="Arial"/>
-            </a:endParaRPr>
-          </a:p>
-          <a:p>
-            <a:pPr indent="0" lvl="0" marL="0" marR="0" rtl="0" algn="l">
-              <a:lnSpc>
-                <a:spcPct val="100000"/>
-              </a:lnSpc>
-              <a:spcBef>
-                <a:spcPts val="0"/>
-              </a:spcBef>
-              <a:spcAft>
-                <a:spcPts val="0"/>
-              </a:spcAft>
-              <a:buClr>
-                <a:schemeClr val="dk1"/>
-              </a:buClr>
-              <a:buSzPts val="1100"/>
-              <a:buFont typeface="Arial"/>
-              <a:buNone/>
-            </a:pPr>
-            <a:r>
-              <a:rPr b="0" i="0" lang="ja" sz="1000" u="none" cap="none" strike="noStrike">
-                <a:solidFill>
-                  <a:schemeClr val="dk1"/>
-                </a:solidFill>
-                <a:latin typeface="Arial"/>
-                <a:ea typeface="Arial"/>
-                <a:cs typeface="Arial"/>
-                <a:sym typeface="Arial"/>
-              </a:rPr>
-              <a:t>・物件名</a:t>
-            </a:r>
-            <a:endParaRPr b="0" i="0" sz="1000" u="none" cap="none" strike="noStrike">
-              <a:solidFill>
-                <a:schemeClr val="dk1"/>
-              </a:solidFill>
-              <a:latin typeface="Arial"/>
-              <a:ea typeface="Arial"/>
-              <a:cs typeface="Arial"/>
-              <a:sym typeface="Arial"/>
-            </a:endParaRPr>
-          </a:p>
-          <a:p>
-            <a:pPr indent="0" lvl="0" marL="0" marR="0" rtl="0" algn="l">
-              <a:lnSpc>
-                <a:spcPct val="100000"/>
-              </a:lnSpc>
-              <a:spcBef>
-                <a:spcPts val="0"/>
-              </a:spcBef>
-              <a:spcAft>
-                <a:spcPts val="0"/>
-              </a:spcAft>
-              <a:buClr>
-                <a:schemeClr val="dk1"/>
-              </a:buClr>
-              <a:buSzPts val="1100"/>
-              <a:buFont typeface="Arial"/>
-              <a:buNone/>
-            </a:pPr>
-            <a:r>
-              <a:rPr b="0" i="0" lang="ja" sz="1000" u="none" cap="none" strike="noStrike">
-                <a:solidFill>
-                  <a:schemeClr val="dk1"/>
-                </a:solidFill>
-                <a:latin typeface="Arial"/>
-                <a:ea typeface="Arial"/>
-                <a:cs typeface="Arial"/>
-                <a:sym typeface="Arial"/>
-              </a:rPr>
-              <a:t>・顧客メールアドレス</a:t>
-            </a:r>
-            <a:endParaRPr b="0" i="0" sz="1000" u="none" cap="none" strike="noStrike">
-              <a:solidFill>
-                <a:srgbClr val="FF0000"/>
-              </a:solidFill>
-              <a:latin typeface="Arial"/>
-              <a:ea typeface="Arial"/>
-              <a:cs typeface="Arial"/>
-              <a:sym typeface="Arial"/>
-            </a:endParaRPr>
-          </a:p>
-          <a:p>
-            <a:pPr indent="0" lvl="0" marL="0" marR="0" rtl="0" algn="l">
-              <a:lnSpc>
-                <a:spcPct val="100000"/>
-              </a:lnSpc>
-              <a:spcBef>
-                <a:spcPts val="0"/>
-              </a:spcBef>
-              <a:spcAft>
-                <a:spcPts val="0"/>
-              </a:spcAft>
-              <a:buClr>
-                <a:schemeClr val="dk1"/>
-              </a:buClr>
-              <a:buSzPts val="1100"/>
-              <a:buFont typeface="Arial"/>
-              <a:buNone/>
-            </a:pPr>
-            <a:r>
-              <a:rPr b="0" i="0" lang="ja" sz="1000" u="none" cap="none" strike="noStrike">
-                <a:solidFill>
-                  <a:schemeClr val="dk1"/>
-                </a:solidFill>
-                <a:latin typeface="Arial"/>
-                <a:ea typeface="Arial"/>
-                <a:cs typeface="Arial"/>
-                <a:sym typeface="Arial"/>
-              </a:rPr>
-              <a:t>・メール配信日</a:t>
-            </a:r>
-            <a:endParaRPr b="0" i="0" sz="1000" u="none" cap="none" strike="noStrike">
-              <a:solidFill>
-                <a:schemeClr val="dk1"/>
-              </a:solidFill>
-              <a:latin typeface="Arial"/>
-              <a:ea typeface="Arial"/>
-              <a:cs typeface="Arial"/>
-              <a:sym typeface="Arial"/>
-            </a:endParaRPr>
-          </a:p>
-          <a:p>
-            <a:pPr indent="0" lvl="0" marL="0" marR="0" rtl="0" algn="l">
-              <a:lnSpc>
-                <a:spcPct val="100000"/>
-              </a:lnSpc>
-              <a:spcBef>
-                <a:spcPts val="0"/>
-              </a:spcBef>
-              <a:spcAft>
-                <a:spcPts val="0"/>
-              </a:spcAft>
-              <a:buClr>
-                <a:schemeClr val="dk1"/>
-              </a:buClr>
-              <a:buSzPts val="1100"/>
-              <a:buFont typeface="Arial"/>
-              <a:buNone/>
-            </a:pPr>
-            <a:r>
-              <a:rPr b="0" i="0" lang="ja" sz="1000" u="none" cap="none" strike="noStrike">
-                <a:solidFill>
-                  <a:schemeClr val="dk1"/>
-                </a:solidFill>
-                <a:latin typeface="Arial"/>
-                <a:ea typeface="Arial"/>
-                <a:cs typeface="Arial"/>
-                <a:sym typeface="Arial"/>
-              </a:rPr>
-              <a:t>・履歴タイトル</a:t>
-            </a:r>
-            <a:endParaRPr b="0" i="0" sz="1000" u="none" cap="none" strike="noStrike">
-              <a:solidFill>
-                <a:schemeClr val="dk1"/>
-              </a:solidFill>
-              <a:latin typeface="Arial"/>
-              <a:ea typeface="Arial"/>
-              <a:cs typeface="Arial"/>
-              <a:sym typeface="Arial"/>
-            </a:endParaRPr>
-          </a:p>
-          <a:p>
-            <a:pPr indent="0" lvl="0" marL="0" marR="0" rtl="0" algn="l">
-              <a:lnSpc>
-                <a:spcPct val="100000"/>
-              </a:lnSpc>
-              <a:spcBef>
-                <a:spcPts val="0"/>
-              </a:spcBef>
-              <a:spcAft>
-                <a:spcPts val="0"/>
-              </a:spcAft>
-              <a:buClr>
-                <a:schemeClr val="dk1"/>
-              </a:buClr>
-              <a:buSzPts val="1100"/>
-              <a:buFont typeface="Arial"/>
-              <a:buNone/>
-            </a:pPr>
-            <a:r>
-              <a:t/>
-            </a:r>
-            <a:endParaRPr b="0" i="0" sz="1000" u="none" cap="none" strike="noStrike">
-              <a:solidFill>
-                <a:schemeClr val="dk1"/>
-              </a:solidFill>
-              <a:latin typeface="Arial"/>
-              <a:ea typeface="Arial"/>
-              <a:cs typeface="Arial"/>
-              <a:sym typeface="Arial"/>
-            </a:endParaRPr>
-          </a:p>
-          <a:p>
-            <a:pPr indent="0" lvl="0" marL="0" marR="0" rtl="0" algn="l">
-              <a:lnSpc>
-                <a:spcPct val="100000"/>
-              </a:lnSpc>
-              <a:spcBef>
-                <a:spcPts val="0"/>
-              </a:spcBef>
-              <a:spcAft>
-                <a:spcPts val="0"/>
-              </a:spcAft>
-              <a:buClr>
-                <a:schemeClr val="dk1"/>
-              </a:buClr>
-              <a:buSzPts val="1100"/>
-              <a:buFont typeface="Arial"/>
-              <a:buNone/>
-            </a:pPr>
-            <a:r>
-              <a:rPr b="0" i="0" lang="ja" sz="1000" u="none" cap="none" strike="noStrike">
-                <a:solidFill>
-                  <a:schemeClr val="dk1"/>
-                </a:solidFill>
-                <a:latin typeface="Arial"/>
-                <a:ea typeface="Arial"/>
-                <a:cs typeface="Arial"/>
-                <a:sym typeface="Arial"/>
-              </a:rPr>
-              <a:t>個人情報：</a:t>
-            </a:r>
-            <a:r>
-              <a:rPr b="0" i="0" lang="ja" sz="1000" u="none" cap="none" strike="noStrike">
-                <a:solidFill>
-                  <a:srgbClr val="FF0000"/>
-                </a:solidFill>
-                <a:latin typeface="Arial"/>
-                <a:ea typeface="Arial"/>
-                <a:cs typeface="Arial"/>
-                <a:sym typeface="Arial"/>
-              </a:rPr>
-              <a:t>顧客メールアドレス</a:t>
-            </a:r>
-            <a:endParaRPr b="0" i="0" sz="1000" u="none" cap="none" strike="noStrike">
-              <a:solidFill>
-                <a:srgbClr val="FF0000"/>
-              </a:solidFill>
-              <a:latin typeface="Arial"/>
-              <a:ea typeface="Arial"/>
-              <a:cs typeface="Arial"/>
-              <a:sym typeface="Arial"/>
-            </a:endParaRPr>
-          </a:p>
-        </p:txBody>
-      </p:sp>
-      <p:cxnSp>
-        <p:nvCxnSpPr>
-          <p:cNvPr id="250" name="Google Shape;250;g7cf6fd3894_0_70"/>
-          <p:cNvCxnSpPr/>
-          <p:nvPr/>
-        </p:nvCxnSpPr>
-        <p:spPr>
-          <a:xfrm>
-            <a:off x="228600" y="690234"/>
-            <a:ext cx="8647200" cy="0"/>
-          </a:xfrm>
-          <a:prstGeom prst="straightConnector1">
-            <a:avLst/>
-          </a:prstGeom>
-          <a:noFill/>
-          <a:ln cap="flat" cmpd="sng" w="9525">
-            <a:solidFill>
-              <a:srgbClr val="7F7F7F"/>
-            </a:solidFill>
-            <a:prstDash val="solid"/>
-            <a:round/>
-            <a:headEnd len="sm" w="sm" type="none"/>
-            <a:tailEnd len="sm" w="sm" type="none"/>
-          </a:ln>
-        </p:spPr>
-      </p:cxnSp>
-      <p:cxnSp>
-        <p:nvCxnSpPr>
-          <p:cNvPr id="251" name="Google Shape;251;g7cf6fd3894_0_70"/>
-          <p:cNvCxnSpPr/>
-          <p:nvPr/>
-        </p:nvCxnSpPr>
-        <p:spPr>
-          <a:xfrm>
-            <a:off x="5649624" y="2200425"/>
-            <a:ext cx="6300" cy="622800"/>
-          </a:xfrm>
-          <a:prstGeom prst="straightConnector1">
-            <a:avLst/>
-          </a:prstGeom>
-          <a:noFill/>
-          <a:ln cap="flat" cmpd="sng" w="9525">
-            <a:solidFill>
-              <a:schemeClr val="dk2"/>
-            </a:solidFill>
-            <a:prstDash val="solid"/>
-            <a:round/>
-            <a:headEnd len="sm" w="sm" type="none"/>
-            <a:tailEnd len="med" w="med" type="triangle"/>
-          </a:ln>
-        </p:spPr>
-      </p:cxnSp>
-      <p:sp>
-        <p:nvSpPr>
-          <p:cNvPr id="252" name="Google Shape;252;g7cf6fd3894_0_70"/>
-          <p:cNvSpPr/>
-          <p:nvPr/>
-        </p:nvSpPr>
-        <p:spPr>
-          <a:xfrm>
-            <a:off x="4851152" y="1584248"/>
-            <a:ext cx="1326300" cy="626700"/>
-          </a:xfrm>
-          <a:prstGeom prst="roundRect">
-            <a:avLst>
-              <a:gd fmla="val 16667" name="adj"/>
-            </a:avLst>
-          </a:prstGeom>
-          <a:solidFill>
-            <a:schemeClr val="lt2"/>
-          </a:solidFill>
-          <a:ln cap="flat" cmpd="sng" w="9525">
-            <a:solidFill>
-              <a:schemeClr val="dk2"/>
-            </a:solidFill>
-            <a:prstDash val="solid"/>
-            <a:round/>
-            <a:headEnd len="sm" w="sm" type="none"/>
-            <a:tailEnd len="sm" w="sm" type="none"/>
-          </a:ln>
-        </p:spPr>
-        <p:txBody>
-          <a:bodyPr anchorCtr="0" anchor="ctr" bIns="91425" lIns="91425" spcFirstLastPara="1" rIns="91425" wrap="square" tIns="91425">
-            <a:noAutofit/>
-          </a:bodyPr>
-          <a:lstStyle/>
-          <a:p>
-            <a:pPr indent="0" lvl="0" marL="0" marR="0" rtl="0" algn="ctr">
-              <a:lnSpc>
-                <a:spcPct val="100000"/>
-              </a:lnSpc>
-              <a:spcBef>
-                <a:spcPts val="0"/>
-              </a:spcBef>
-              <a:spcAft>
-                <a:spcPts val="0"/>
-              </a:spcAft>
-              <a:buClr>
-                <a:srgbClr val="000000"/>
-              </a:buClr>
-              <a:buSzPts val="1400"/>
-              <a:buFont typeface="Arial"/>
-              <a:buNone/>
-            </a:pPr>
-            <a:r>
-              <a:rPr b="0" i="0" lang="ja" sz="1200" u="none" cap="none" strike="noStrike">
-                <a:solidFill>
-                  <a:schemeClr val="dk1"/>
-                </a:solidFill>
-                <a:latin typeface="Arial"/>
-                <a:ea typeface="Arial"/>
-                <a:cs typeface="Arial"/>
-                <a:sym typeface="Arial"/>
-              </a:rPr>
-              <a:t>Marketo</a:t>
-            </a:r>
-            <a:endParaRPr b="0" i="0" sz="1200" u="none" cap="none" strike="noStrike">
-              <a:solidFill>
-                <a:srgbClr val="000000"/>
-              </a:solidFill>
-              <a:latin typeface="Arial"/>
-              <a:ea typeface="Arial"/>
-              <a:cs typeface="Arial"/>
-              <a:sym typeface="Arial"/>
-            </a:endParaRPr>
-          </a:p>
-        </p:txBody>
-      </p:sp>
-      <p:sp>
-        <p:nvSpPr>
-          <p:cNvPr id="253" name="Google Shape;253;g7cf6fd3894_0_70"/>
-          <p:cNvSpPr/>
-          <p:nvPr/>
-        </p:nvSpPr>
-        <p:spPr>
-          <a:xfrm>
-            <a:off x="4851053" y="2809598"/>
-            <a:ext cx="1326300" cy="626700"/>
-          </a:xfrm>
-          <a:prstGeom prst="roundRect">
-            <a:avLst>
-              <a:gd fmla="val 16667" name="adj"/>
-            </a:avLst>
-          </a:prstGeom>
-          <a:solidFill>
-            <a:schemeClr val="lt2"/>
-          </a:solidFill>
-          <a:ln cap="flat" cmpd="sng" w="9525">
-            <a:solidFill>
-              <a:schemeClr val="dk2"/>
-            </a:solidFill>
-            <a:prstDash val="solid"/>
-            <a:round/>
-            <a:headEnd len="sm" w="sm" type="none"/>
-            <a:tailEnd len="sm" w="sm" type="none"/>
-          </a:ln>
-        </p:spPr>
-        <p:txBody>
-          <a:bodyPr anchorCtr="0" anchor="ctr" bIns="91425" lIns="91425" spcFirstLastPara="1" rIns="91425" wrap="square" tIns="91425">
-            <a:noAutofit/>
-          </a:bodyPr>
-          <a:lstStyle/>
-          <a:p>
-            <a:pPr indent="0" lvl="0" marL="0" marR="0" rtl="0" algn="ctr">
-              <a:lnSpc>
-                <a:spcPct val="100000"/>
-              </a:lnSpc>
-              <a:spcBef>
-                <a:spcPts val="0"/>
-              </a:spcBef>
-              <a:spcAft>
-                <a:spcPts val="0"/>
-              </a:spcAft>
-              <a:buClr>
-                <a:srgbClr val="000000"/>
-              </a:buClr>
-              <a:buSzPts val="1400"/>
-              <a:buFont typeface="Arial"/>
-              <a:buNone/>
-            </a:pPr>
-            <a:r>
-              <a:rPr b="0" i="0" lang="ja" sz="1200" u="none" cap="none" strike="noStrike">
-                <a:solidFill>
-                  <a:schemeClr val="dk1"/>
-                </a:solidFill>
-                <a:latin typeface="Arial"/>
-                <a:ea typeface="Arial"/>
-                <a:cs typeface="Arial"/>
-                <a:sym typeface="Arial"/>
-              </a:rPr>
-              <a:t>EC2</a:t>
-            </a:r>
-            <a:endParaRPr b="0" i="0" sz="1200" u="none" cap="none" strike="noStrike">
-              <a:solidFill>
-                <a:schemeClr val="dk1"/>
-              </a:solidFill>
-              <a:latin typeface="Arial"/>
-              <a:ea typeface="Arial"/>
-              <a:cs typeface="Arial"/>
-              <a:sym typeface="Arial"/>
-            </a:endParaRPr>
-          </a:p>
-          <a:p>
-            <a:pPr indent="0" lvl="0" marL="0" marR="0" rtl="0" algn="ctr">
-              <a:lnSpc>
-                <a:spcPct val="100000"/>
-              </a:lnSpc>
-              <a:spcBef>
-                <a:spcPts val="0"/>
-              </a:spcBef>
-              <a:spcAft>
-                <a:spcPts val="0"/>
-              </a:spcAft>
-              <a:buClr>
-                <a:srgbClr val="000000"/>
-              </a:buClr>
-              <a:buSzPts val="1400"/>
-              <a:buFont typeface="Arial"/>
-              <a:buNone/>
-            </a:pPr>
-            <a:r>
-              <a:rPr b="0" i="0" lang="ja" sz="1200" u="none" cap="none" strike="noStrike">
-                <a:solidFill>
-                  <a:schemeClr val="dk1"/>
-                </a:solidFill>
-                <a:latin typeface="Arial"/>
-                <a:ea typeface="Arial"/>
-                <a:cs typeface="Arial"/>
-                <a:sym typeface="Arial"/>
-              </a:rPr>
-              <a:t>(AWS)</a:t>
-            </a:r>
-            <a:endParaRPr b="0" i="0" sz="1200" u="none" cap="none" strike="noStrike">
-              <a:solidFill>
-                <a:srgbClr val="000000"/>
-              </a:solidFill>
-              <a:latin typeface="Arial"/>
-              <a:ea typeface="Arial"/>
-              <a:cs typeface="Arial"/>
-              <a:sym typeface="Arial"/>
-            </a:endParaRPr>
-          </a:p>
-        </p:txBody>
-      </p:sp>
-      <p:sp>
-        <p:nvSpPr>
-          <p:cNvPr id="254" name="Google Shape;254;g7cf6fd3894_0_70"/>
-          <p:cNvSpPr/>
-          <p:nvPr/>
-        </p:nvSpPr>
-        <p:spPr>
-          <a:xfrm>
-            <a:off x="5524173" y="2394926"/>
-            <a:ext cx="252000" cy="250800"/>
-          </a:xfrm>
-          <a:prstGeom prst="ellipse">
-            <a:avLst/>
-          </a:prstGeom>
-          <a:solidFill>
-            <a:srgbClr val="9FC5E8"/>
-          </a:solidFill>
-          <a:ln cap="flat" cmpd="sng" w="9525">
-            <a:solidFill>
-              <a:schemeClr val="dk2"/>
-            </a:solidFill>
-            <a:prstDash val="solid"/>
-            <a:round/>
-            <a:headEnd len="sm" w="sm" type="none"/>
-            <a:tailEnd len="sm" w="sm" type="none"/>
-          </a:ln>
-        </p:spPr>
-        <p:txBody>
-          <a:bodyPr anchorCtr="0" anchor="ctr" bIns="91425" lIns="91425" spcFirstLastPara="1" rIns="91425" wrap="square" tIns="91425">
-            <a:noAutofit/>
-          </a:bodyPr>
-          <a:lstStyle/>
-          <a:p>
-            <a:pPr indent="0" lvl="0" marL="0" marR="0" rtl="0" algn="ctr">
-              <a:lnSpc>
-                <a:spcPct val="100000"/>
-              </a:lnSpc>
-              <a:spcBef>
-                <a:spcPts val="0"/>
-              </a:spcBef>
-              <a:spcAft>
-                <a:spcPts val="0"/>
-              </a:spcAft>
-              <a:buClr>
-                <a:srgbClr val="000000"/>
-              </a:buClr>
-              <a:buSzPts val="1400"/>
-              <a:buFont typeface="Arial"/>
-              <a:buNone/>
-            </a:pPr>
-            <a:r>
-              <a:rPr b="0" i="0" lang="ja" sz="800" u="none" cap="none" strike="noStrike">
-                <a:solidFill>
-                  <a:srgbClr val="000000"/>
-                </a:solidFill>
-                <a:latin typeface="Arial"/>
-                <a:ea typeface="Arial"/>
-                <a:cs typeface="Arial"/>
-                <a:sym typeface="Arial"/>
-              </a:rPr>
-              <a:t>3</a:t>
-            </a:r>
-            <a:endParaRPr b="0" i="0" sz="800" u="none" cap="none" strike="noStrike">
-              <a:solidFill>
-                <a:srgbClr val="000000"/>
-              </a:solidFill>
-              <a:latin typeface="Arial"/>
-              <a:ea typeface="Arial"/>
-              <a:cs typeface="Arial"/>
-              <a:sym typeface="Arial"/>
-            </a:endParaRPr>
-          </a:p>
-        </p:txBody>
-      </p:sp>
-      <p:sp>
-        <p:nvSpPr>
-          <p:cNvPr id="255" name="Google Shape;255;g7cf6fd3894_0_70"/>
-          <p:cNvSpPr txBox="1"/>
-          <p:nvPr/>
-        </p:nvSpPr>
-        <p:spPr>
-          <a:xfrm>
-            <a:off x="4458330" y="2297162"/>
-            <a:ext cx="1030500" cy="248751"/>
-          </a:xfrm>
-          <a:prstGeom prst="rect">
-            <a:avLst/>
-          </a:prstGeom>
-          <a:noFill/>
-          <a:ln>
-            <a:noFill/>
-          </a:ln>
-        </p:spPr>
-        <p:txBody>
-          <a:bodyPr anchorCtr="0" anchor="t" bIns="91425" lIns="91425" spcFirstLastPara="1" rIns="91425" wrap="square" tIns="91425">
-            <a:noAutofit/>
-          </a:bodyPr>
-          <a:lstStyle/>
-          <a:p>
-            <a:pPr indent="0" lvl="0" marL="0" marR="0" rtl="0" algn="ctr">
-              <a:lnSpc>
-                <a:spcPct val="100000"/>
-              </a:lnSpc>
-              <a:spcBef>
-                <a:spcPts val="0"/>
-              </a:spcBef>
-              <a:spcAft>
-                <a:spcPts val="0"/>
-              </a:spcAft>
-              <a:buClr>
-                <a:srgbClr val="000000"/>
-              </a:buClr>
-              <a:buSzPts val="1100"/>
-              <a:buFont typeface="Arial"/>
-              <a:buNone/>
-            </a:pPr>
-            <a:r>
-              <a:rPr b="0" i="0" lang="ja" sz="700" u="none" cap="none" strike="noStrike">
-                <a:solidFill>
-                  <a:schemeClr val="dk1"/>
-                </a:solidFill>
-                <a:latin typeface="Arial"/>
-                <a:ea typeface="Arial"/>
-                <a:cs typeface="Arial"/>
-                <a:sym typeface="Arial"/>
-              </a:rPr>
-              <a:t>リクエスト</a:t>
-            </a:r>
-            <a:endParaRPr b="0" i="0" sz="700" u="none" cap="none" strike="noStrike">
-              <a:solidFill>
-                <a:srgbClr val="000000"/>
-              </a:solidFill>
-              <a:latin typeface="Arial"/>
-              <a:ea typeface="Arial"/>
-              <a:cs typeface="Arial"/>
-              <a:sym typeface="Arial"/>
-            </a:endParaRPr>
-          </a:p>
-        </p:txBody>
-      </p:sp>
-      <p:sp>
-        <p:nvSpPr>
-          <p:cNvPr id="256" name="Google Shape;256;g7cf6fd3894_0_70"/>
-          <p:cNvSpPr/>
-          <p:nvPr/>
-        </p:nvSpPr>
-        <p:spPr>
-          <a:xfrm>
-            <a:off x="2818178" y="2809648"/>
-            <a:ext cx="1149600" cy="626700"/>
-          </a:xfrm>
-          <a:prstGeom prst="roundRect">
-            <a:avLst>
-              <a:gd fmla="val 16667" name="adj"/>
-            </a:avLst>
-          </a:prstGeom>
-          <a:solidFill>
-            <a:schemeClr val="lt2"/>
-          </a:solidFill>
-          <a:ln cap="flat" cmpd="sng" w="9525">
-            <a:solidFill>
-              <a:schemeClr val="dk2"/>
-            </a:solidFill>
-            <a:prstDash val="solid"/>
-            <a:round/>
-            <a:headEnd len="sm" w="sm" type="none"/>
-            <a:tailEnd len="sm" w="sm" type="none"/>
-          </a:ln>
-        </p:spPr>
-        <p:txBody>
-          <a:bodyPr anchorCtr="0" anchor="ctr" bIns="91425" lIns="91425" spcFirstLastPara="1" rIns="91425" wrap="square" tIns="91425">
-            <a:noAutofit/>
-          </a:bodyPr>
-          <a:lstStyle/>
-          <a:p>
-            <a:pPr indent="0" lvl="0" marL="0" marR="0" rtl="0" algn="ctr">
-              <a:lnSpc>
-                <a:spcPct val="100000"/>
-              </a:lnSpc>
-              <a:spcBef>
-                <a:spcPts val="0"/>
-              </a:spcBef>
-              <a:spcAft>
-                <a:spcPts val="0"/>
-              </a:spcAft>
-              <a:buClr>
-                <a:srgbClr val="000000"/>
-              </a:buClr>
-              <a:buSzPts val="1400"/>
-              <a:buFont typeface="Arial"/>
-              <a:buNone/>
-            </a:pPr>
-            <a:r>
-              <a:rPr b="0" i="0" lang="ja" sz="1200" u="none" cap="none" strike="noStrike">
-                <a:solidFill>
-                  <a:schemeClr val="dk1"/>
-                </a:solidFill>
-                <a:latin typeface="Arial"/>
-                <a:ea typeface="Arial"/>
-                <a:cs typeface="Arial"/>
-                <a:sym typeface="Arial"/>
-              </a:rPr>
-              <a:t>RDS</a:t>
-            </a:r>
-            <a:endParaRPr b="0" i="0" sz="1200" u="none" cap="none" strike="noStrike">
-              <a:solidFill>
-                <a:schemeClr val="dk1"/>
-              </a:solidFill>
-              <a:latin typeface="Arial"/>
-              <a:ea typeface="Arial"/>
-              <a:cs typeface="Arial"/>
-              <a:sym typeface="Arial"/>
-            </a:endParaRPr>
-          </a:p>
-          <a:p>
-            <a:pPr indent="0" lvl="0" marL="0" marR="0" rtl="0" algn="ctr">
-              <a:lnSpc>
-                <a:spcPct val="100000"/>
-              </a:lnSpc>
-              <a:spcBef>
-                <a:spcPts val="0"/>
-              </a:spcBef>
-              <a:spcAft>
-                <a:spcPts val="0"/>
-              </a:spcAft>
-              <a:buClr>
-                <a:srgbClr val="000000"/>
-              </a:buClr>
-              <a:buSzPts val="1400"/>
-              <a:buFont typeface="Arial"/>
-              <a:buNone/>
-            </a:pPr>
-            <a:r>
-              <a:rPr b="0" i="0" lang="ja" sz="1200" u="none" cap="none" strike="noStrike">
-                <a:solidFill>
-                  <a:schemeClr val="dk1"/>
-                </a:solidFill>
-                <a:latin typeface="Arial"/>
-                <a:ea typeface="Arial"/>
-                <a:cs typeface="Arial"/>
-                <a:sym typeface="Arial"/>
-              </a:rPr>
-              <a:t>(AWS)</a:t>
-            </a:r>
-            <a:endParaRPr b="0" i="0" sz="1200" u="none" cap="none" strike="noStrike">
-              <a:solidFill>
-                <a:srgbClr val="000000"/>
-              </a:solidFill>
-              <a:latin typeface="Arial"/>
-              <a:ea typeface="Arial"/>
-              <a:cs typeface="Arial"/>
-              <a:sym typeface="Arial"/>
-            </a:endParaRPr>
-          </a:p>
-        </p:txBody>
-      </p:sp>
-      <p:sp>
-        <p:nvSpPr>
-          <p:cNvPr id="257" name="Google Shape;257;g7cf6fd3894_0_70"/>
-          <p:cNvSpPr/>
-          <p:nvPr/>
-        </p:nvSpPr>
-        <p:spPr>
-          <a:xfrm>
-            <a:off x="5073600" y="4028125"/>
-            <a:ext cx="943800" cy="441900"/>
-          </a:xfrm>
-          <a:prstGeom prst="rect">
-            <a:avLst/>
-          </a:prstGeom>
-          <a:noFill/>
-          <a:ln cap="flat" cmpd="sng" w="9525">
-            <a:solidFill>
-              <a:schemeClr val="dk2"/>
-            </a:solidFill>
-            <a:prstDash val="solid"/>
-            <a:round/>
-            <a:headEnd len="sm" w="sm" type="none"/>
-            <a:tailEnd len="sm" w="sm" type="none"/>
-          </a:ln>
-        </p:spPr>
-        <p:txBody>
-          <a:bodyPr anchorCtr="0" anchor="ctr" bIns="91425" lIns="91425" spcFirstLastPara="1" rIns="91425" wrap="square" tIns="91425">
-            <a:noAutofit/>
-          </a:bodyPr>
-          <a:lstStyle/>
-          <a:p>
-            <a:pPr indent="0" lvl="0" marL="0" marR="0" rtl="0" algn="ctr">
-              <a:lnSpc>
-                <a:spcPct val="100000"/>
-              </a:lnSpc>
-              <a:spcBef>
-                <a:spcPts val="0"/>
-              </a:spcBef>
-              <a:spcAft>
-                <a:spcPts val="0"/>
-              </a:spcAft>
-              <a:buClr>
-                <a:srgbClr val="000000"/>
-              </a:buClr>
-              <a:buSzPts val="1200"/>
-              <a:buFont typeface="Arial"/>
-              <a:buNone/>
-            </a:pPr>
-            <a:r>
-              <a:rPr b="0" i="0" lang="ja" sz="900" u="none" cap="none" strike="noStrike">
-                <a:solidFill>
-                  <a:schemeClr val="dk1"/>
-                </a:solidFill>
-                <a:latin typeface="Arial"/>
-                <a:ea typeface="Arial"/>
-                <a:cs typeface="Arial"/>
-                <a:sym typeface="Arial"/>
-              </a:rPr>
-              <a:t>クライアント</a:t>
-            </a:r>
-            <a:endParaRPr b="0" i="0" sz="900" u="none" cap="none" strike="noStrike">
-              <a:solidFill>
-                <a:schemeClr val="dk1"/>
-              </a:solidFill>
-              <a:latin typeface="Arial"/>
-              <a:ea typeface="Arial"/>
-              <a:cs typeface="Arial"/>
-              <a:sym typeface="Arial"/>
-            </a:endParaRPr>
-          </a:p>
-          <a:p>
-            <a:pPr indent="0" lvl="0" marL="0" marR="0" rtl="0" algn="ctr">
-              <a:lnSpc>
-                <a:spcPct val="100000"/>
-              </a:lnSpc>
-              <a:spcBef>
-                <a:spcPts val="0"/>
-              </a:spcBef>
-              <a:spcAft>
-                <a:spcPts val="0"/>
-              </a:spcAft>
-              <a:buClr>
-                <a:srgbClr val="000000"/>
-              </a:buClr>
-              <a:buSzPts val="1200"/>
-              <a:buFont typeface="Arial"/>
-              <a:buNone/>
-            </a:pPr>
-            <a:r>
-              <a:rPr b="0" i="0" lang="ja" sz="900" u="none" cap="none" strike="noStrike">
-                <a:solidFill>
-                  <a:schemeClr val="dk1"/>
-                </a:solidFill>
-                <a:latin typeface="Arial"/>
-                <a:ea typeface="Arial"/>
-                <a:cs typeface="Arial"/>
-                <a:sym typeface="Arial"/>
-              </a:rPr>
-              <a:t>PC</a:t>
-            </a:r>
-            <a:endParaRPr b="0" i="0" sz="900" u="none" cap="none" strike="noStrike">
-              <a:solidFill>
-                <a:schemeClr val="dk1"/>
-              </a:solidFill>
-              <a:latin typeface="Arial"/>
-              <a:ea typeface="Arial"/>
-              <a:cs typeface="Arial"/>
-              <a:sym typeface="Arial"/>
-            </a:endParaRPr>
-          </a:p>
-        </p:txBody>
-      </p:sp>
-      <p:cxnSp>
-        <p:nvCxnSpPr>
-          <p:cNvPr id="258" name="Google Shape;258;g7cf6fd3894_0_70"/>
-          <p:cNvCxnSpPr/>
-          <p:nvPr/>
-        </p:nvCxnSpPr>
-        <p:spPr>
-          <a:xfrm rot="10800000">
-            <a:off x="3967660" y="2970350"/>
-            <a:ext cx="880276" cy="938"/>
-          </a:xfrm>
-          <a:prstGeom prst="straightConnector1">
-            <a:avLst/>
-          </a:prstGeom>
-          <a:noFill/>
-          <a:ln cap="flat" cmpd="sng" w="9525">
-            <a:solidFill>
-              <a:schemeClr val="dk2"/>
-            </a:solidFill>
-            <a:prstDash val="solid"/>
-            <a:round/>
-            <a:headEnd len="sm" w="sm" type="none"/>
-            <a:tailEnd len="med" w="med" type="triangle"/>
-          </a:ln>
-        </p:spPr>
-      </p:cxnSp>
-      <p:cxnSp>
-        <p:nvCxnSpPr>
-          <p:cNvPr id="259" name="Google Shape;259;g7cf6fd3894_0_70"/>
-          <p:cNvCxnSpPr/>
-          <p:nvPr/>
-        </p:nvCxnSpPr>
-        <p:spPr>
-          <a:xfrm flipH="1" rot="10800000">
-            <a:off x="3967660" y="3251665"/>
-            <a:ext cx="883393" cy="9785"/>
-          </a:xfrm>
-          <a:prstGeom prst="straightConnector1">
-            <a:avLst/>
-          </a:prstGeom>
-          <a:noFill/>
-          <a:ln cap="flat" cmpd="sng" w="9525">
-            <a:solidFill>
-              <a:schemeClr val="dk2"/>
-            </a:solidFill>
-            <a:prstDash val="solid"/>
-            <a:round/>
-            <a:headEnd len="sm" w="sm" type="none"/>
-            <a:tailEnd len="med" w="med" type="triangle"/>
-          </a:ln>
-        </p:spPr>
-      </p:cxnSp>
-      <p:cxnSp>
-        <p:nvCxnSpPr>
-          <p:cNvPr id="260" name="Google Shape;260;g7cf6fd3894_0_70"/>
-          <p:cNvCxnSpPr>
-            <a:stCxn id="257" idx="3"/>
-            <a:endCxn id="261" idx="1"/>
-          </p:cNvCxnSpPr>
-          <p:nvPr/>
-        </p:nvCxnSpPr>
-        <p:spPr>
-          <a:xfrm flipH="1" rot="10800000">
-            <a:off x="6017400" y="4241575"/>
-            <a:ext cx="1138500" cy="7500"/>
-          </a:xfrm>
-          <a:prstGeom prst="straightConnector1">
-            <a:avLst/>
-          </a:prstGeom>
-          <a:noFill/>
-          <a:ln cap="flat" cmpd="sng" w="9525">
-            <a:solidFill>
-              <a:schemeClr val="dk2"/>
-            </a:solidFill>
-            <a:prstDash val="solid"/>
-            <a:round/>
-            <a:headEnd len="sm" w="sm" type="none"/>
-            <a:tailEnd len="med" w="med" type="triangle"/>
-          </a:ln>
-        </p:spPr>
-      </p:cxnSp>
-      <p:sp>
-        <p:nvSpPr>
-          <p:cNvPr id="261" name="Google Shape;261;g7cf6fd3894_0_70"/>
-          <p:cNvSpPr/>
-          <p:nvPr/>
-        </p:nvSpPr>
-        <p:spPr>
-          <a:xfrm>
-            <a:off x="7155750" y="3955193"/>
-            <a:ext cx="1271400" cy="572700"/>
-          </a:xfrm>
-          <a:prstGeom prst="roundRect">
-            <a:avLst>
-              <a:gd fmla="val 16667" name="adj"/>
-            </a:avLst>
-          </a:prstGeom>
-          <a:solidFill>
-            <a:schemeClr val="lt2"/>
-          </a:solidFill>
-          <a:ln cap="flat" cmpd="sng" w="9525">
-            <a:solidFill>
-              <a:schemeClr val="dk2"/>
-            </a:solidFill>
-            <a:prstDash val="solid"/>
-            <a:round/>
-            <a:headEnd len="sm" w="sm" type="none"/>
-            <a:tailEnd len="sm" w="sm" type="none"/>
-          </a:ln>
-        </p:spPr>
-        <p:txBody>
-          <a:bodyPr anchorCtr="0" anchor="ctr" bIns="91425" lIns="91425" spcFirstLastPara="1" rIns="91425" wrap="square" tIns="91425">
-            <a:noAutofit/>
-          </a:bodyPr>
-          <a:lstStyle/>
-          <a:p>
-            <a:pPr indent="0" lvl="0" marL="0" marR="0" rtl="0" algn="l">
-              <a:lnSpc>
-                <a:spcPct val="100000"/>
-              </a:lnSpc>
-              <a:spcBef>
-                <a:spcPts val="0"/>
-              </a:spcBef>
-              <a:spcAft>
-                <a:spcPts val="0"/>
-              </a:spcAft>
-              <a:buClr>
-                <a:srgbClr val="000000"/>
-              </a:buClr>
-              <a:buSzPts val="1400"/>
-              <a:buFont typeface="Arial"/>
-              <a:buNone/>
-            </a:pPr>
-            <a:r>
-              <a:rPr b="0" i="0" lang="ja" sz="800" u="none" cap="none" strike="noStrike">
-                <a:solidFill>
-                  <a:schemeClr val="dk1"/>
-                </a:solidFill>
-                <a:latin typeface="Arial"/>
-                <a:ea typeface="Arial"/>
-                <a:cs typeface="Arial"/>
-                <a:sym typeface="Arial"/>
-              </a:rPr>
-              <a:t>\\nfg\dfs\ssd\プライムクロスデータ受渡し用\マルケト配信履歴</a:t>
-            </a:r>
-            <a:endParaRPr b="0" i="0" sz="800" u="none" cap="none" strike="noStrike">
-              <a:solidFill>
-                <a:schemeClr val="dk1"/>
-              </a:solidFill>
-              <a:latin typeface="Arial"/>
-              <a:ea typeface="Arial"/>
-              <a:cs typeface="Arial"/>
-              <a:sym typeface="Arial"/>
-            </a:endParaRPr>
-          </a:p>
-        </p:txBody>
-      </p:sp>
-      <p:sp>
-        <p:nvSpPr>
-          <p:cNvPr id="262" name="Google Shape;262;g7cf6fd3894_0_70"/>
-          <p:cNvSpPr txBox="1"/>
-          <p:nvPr/>
-        </p:nvSpPr>
-        <p:spPr>
-          <a:xfrm>
-            <a:off x="5977547" y="4344925"/>
-            <a:ext cx="1178203" cy="375600"/>
-          </a:xfrm>
-          <a:prstGeom prst="rect">
-            <a:avLst/>
-          </a:prstGeom>
-          <a:noFill/>
-          <a:ln>
-            <a:noFill/>
-          </a:ln>
-        </p:spPr>
-        <p:txBody>
-          <a:bodyPr anchorCtr="0" anchor="t" bIns="91425" lIns="91425" spcFirstLastPara="1" rIns="91425" wrap="square" tIns="91425">
-            <a:noAutofit/>
-          </a:bodyPr>
-          <a:lstStyle/>
-          <a:p>
-            <a:pPr indent="0" lvl="0" marL="0" marR="0" rtl="0" algn="ctr">
-              <a:lnSpc>
-                <a:spcPct val="100000"/>
-              </a:lnSpc>
-              <a:spcBef>
-                <a:spcPts val="0"/>
-              </a:spcBef>
-              <a:spcAft>
-                <a:spcPts val="0"/>
-              </a:spcAft>
-              <a:buClr>
-                <a:srgbClr val="000000"/>
-              </a:buClr>
-              <a:buSzPts val="700"/>
-              <a:buFont typeface="Arial"/>
-              <a:buNone/>
-            </a:pPr>
-            <a:r>
-              <a:rPr b="0" i="0" lang="ja" sz="700" u="none" cap="none" strike="noStrike">
-                <a:solidFill>
-                  <a:schemeClr val="dk1"/>
-                </a:solidFill>
-                <a:latin typeface="Arial"/>
-                <a:ea typeface="Arial"/>
-                <a:cs typeface="Arial"/>
-                <a:sym typeface="Arial"/>
-              </a:rPr>
-              <a:t>野村不動産指定フォルダに手動でデータ格納</a:t>
-            </a:r>
-            <a:endParaRPr b="0" i="0" sz="1200" u="none" cap="none" strike="noStrike">
-              <a:solidFill>
-                <a:schemeClr val="dk1"/>
-              </a:solidFill>
-              <a:latin typeface="Arial"/>
-              <a:ea typeface="Arial"/>
-              <a:cs typeface="Arial"/>
-              <a:sym typeface="Arial"/>
-            </a:endParaRPr>
-          </a:p>
-        </p:txBody>
-      </p:sp>
-      <p:sp>
-        <p:nvSpPr>
-          <p:cNvPr id="263" name="Google Shape;263;g7cf6fd3894_0_70"/>
-          <p:cNvSpPr/>
-          <p:nvPr/>
-        </p:nvSpPr>
-        <p:spPr>
-          <a:xfrm>
-            <a:off x="4311599" y="2852126"/>
-            <a:ext cx="252000" cy="250800"/>
-          </a:xfrm>
-          <a:prstGeom prst="ellipse">
-            <a:avLst/>
-          </a:prstGeom>
-          <a:solidFill>
-            <a:srgbClr val="9FC5E8"/>
-          </a:solidFill>
-          <a:ln cap="flat" cmpd="sng" w="9525">
-            <a:solidFill>
-              <a:schemeClr val="dk2"/>
-            </a:solidFill>
-            <a:prstDash val="solid"/>
-            <a:round/>
-            <a:headEnd len="sm" w="sm" type="none"/>
-            <a:tailEnd len="sm" w="sm" type="none"/>
-          </a:ln>
-        </p:spPr>
-        <p:txBody>
-          <a:bodyPr anchorCtr="0" anchor="ctr" bIns="91425" lIns="91425" spcFirstLastPara="1" rIns="91425" wrap="square" tIns="91425">
-            <a:noAutofit/>
-          </a:bodyPr>
-          <a:lstStyle/>
-          <a:p>
-            <a:pPr indent="0" lvl="0" marL="0" marR="0" rtl="0" algn="ctr">
-              <a:lnSpc>
-                <a:spcPct val="100000"/>
-              </a:lnSpc>
-              <a:spcBef>
-                <a:spcPts val="0"/>
-              </a:spcBef>
-              <a:spcAft>
-                <a:spcPts val="0"/>
-              </a:spcAft>
-              <a:buClr>
-                <a:srgbClr val="000000"/>
-              </a:buClr>
-              <a:buSzPts val="1400"/>
-              <a:buFont typeface="Arial"/>
-              <a:buNone/>
-            </a:pPr>
-            <a:r>
-              <a:rPr b="0" i="0" lang="ja" sz="800" u="none" cap="none" strike="noStrike">
-                <a:solidFill>
-                  <a:srgbClr val="000000"/>
-                </a:solidFill>
-                <a:latin typeface="Arial"/>
-                <a:ea typeface="Arial"/>
-                <a:cs typeface="Arial"/>
-                <a:sym typeface="Arial"/>
-              </a:rPr>
-              <a:t>4</a:t>
-            </a:r>
-            <a:endParaRPr b="0" i="0" sz="800" u="none" cap="none" strike="noStrike">
-              <a:solidFill>
-                <a:srgbClr val="000000"/>
-              </a:solidFill>
-              <a:latin typeface="Arial"/>
-              <a:ea typeface="Arial"/>
-              <a:cs typeface="Arial"/>
-              <a:sym typeface="Arial"/>
-            </a:endParaRPr>
-          </a:p>
-        </p:txBody>
-      </p:sp>
-      <p:cxnSp>
-        <p:nvCxnSpPr>
-          <p:cNvPr id="264" name="Google Shape;264;g7cf6fd3894_0_70"/>
-          <p:cNvCxnSpPr/>
-          <p:nvPr/>
-        </p:nvCxnSpPr>
-        <p:spPr>
-          <a:xfrm rot="10800000">
-            <a:off x="5361124" y="2200425"/>
-            <a:ext cx="0" cy="622801"/>
-          </a:xfrm>
-          <a:prstGeom prst="straightConnector1">
-            <a:avLst/>
-          </a:prstGeom>
-          <a:noFill/>
-          <a:ln cap="flat" cmpd="sng" w="9525">
-            <a:solidFill>
-              <a:schemeClr val="dk2"/>
-            </a:solidFill>
-            <a:prstDash val="solid"/>
-            <a:round/>
-            <a:headEnd len="sm" w="sm" type="none"/>
-            <a:tailEnd len="med" w="med" type="triangle"/>
-          </a:ln>
-        </p:spPr>
-      </p:cxnSp>
-      <p:sp>
-        <p:nvSpPr>
-          <p:cNvPr id="265" name="Google Shape;265;g7cf6fd3894_0_70"/>
-          <p:cNvSpPr/>
-          <p:nvPr/>
-        </p:nvSpPr>
-        <p:spPr>
-          <a:xfrm>
-            <a:off x="5225999" y="2394926"/>
-            <a:ext cx="252000" cy="250800"/>
-          </a:xfrm>
-          <a:prstGeom prst="ellipse">
-            <a:avLst/>
-          </a:prstGeom>
-          <a:solidFill>
-            <a:srgbClr val="9FC5E8"/>
-          </a:solidFill>
-          <a:ln cap="flat" cmpd="sng" w="9525">
-            <a:solidFill>
-              <a:schemeClr val="dk2"/>
-            </a:solidFill>
-            <a:prstDash val="solid"/>
-            <a:round/>
-            <a:headEnd len="sm" w="sm" type="none"/>
-            <a:tailEnd len="sm" w="sm" type="none"/>
-          </a:ln>
-        </p:spPr>
-        <p:txBody>
-          <a:bodyPr anchorCtr="0" anchor="ctr" bIns="91425" lIns="91425" spcFirstLastPara="1" rIns="91425" wrap="square" tIns="91425">
-            <a:noAutofit/>
-          </a:bodyPr>
-          <a:lstStyle/>
-          <a:p>
-            <a:pPr indent="0" lvl="0" marL="0" marR="0" rtl="0" algn="ctr">
-              <a:lnSpc>
-                <a:spcPct val="100000"/>
-              </a:lnSpc>
-              <a:spcBef>
-                <a:spcPts val="0"/>
-              </a:spcBef>
-              <a:spcAft>
-                <a:spcPts val="0"/>
-              </a:spcAft>
-              <a:buClr>
-                <a:srgbClr val="000000"/>
-              </a:buClr>
-              <a:buSzPts val="1400"/>
-              <a:buFont typeface="Arial"/>
-              <a:buNone/>
-            </a:pPr>
-            <a:r>
-              <a:rPr b="0" i="0" lang="ja" sz="800" u="none" cap="none" strike="noStrike">
-                <a:solidFill>
-                  <a:srgbClr val="000000"/>
-                </a:solidFill>
-                <a:latin typeface="Arial"/>
-                <a:ea typeface="Arial"/>
-                <a:cs typeface="Arial"/>
-                <a:sym typeface="Arial"/>
-              </a:rPr>
-              <a:t>2</a:t>
-            </a:r>
-            <a:endParaRPr b="0" i="0" sz="800" u="none" cap="none" strike="noStrike">
-              <a:solidFill>
-                <a:srgbClr val="000000"/>
-              </a:solidFill>
-              <a:latin typeface="Arial"/>
-              <a:ea typeface="Arial"/>
-              <a:cs typeface="Arial"/>
-              <a:sym typeface="Arial"/>
-            </a:endParaRPr>
-          </a:p>
-        </p:txBody>
-      </p:sp>
-      <p:sp>
-        <p:nvSpPr>
-          <p:cNvPr id="266" name="Google Shape;266;g7cf6fd3894_0_70"/>
-          <p:cNvSpPr/>
-          <p:nvPr/>
-        </p:nvSpPr>
-        <p:spPr>
-          <a:xfrm>
-            <a:off x="4311599" y="3133734"/>
-            <a:ext cx="252000" cy="250800"/>
-          </a:xfrm>
-          <a:prstGeom prst="ellipse">
-            <a:avLst/>
-          </a:prstGeom>
-          <a:solidFill>
-            <a:srgbClr val="9FC5E8"/>
-          </a:solidFill>
-          <a:ln cap="flat" cmpd="sng" w="9525">
-            <a:solidFill>
-              <a:schemeClr val="dk2"/>
-            </a:solidFill>
-            <a:prstDash val="solid"/>
-            <a:round/>
-            <a:headEnd len="sm" w="sm" type="none"/>
-            <a:tailEnd len="sm" w="sm" type="none"/>
-          </a:ln>
-        </p:spPr>
-        <p:txBody>
-          <a:bodyPr anchorCtr="0" anchor="ctr" bIns="91425" lIns="91425" spcFirstLastPara="1" rIns="91425" wrap="square" tIns="91425">
-            <a:noAutofit/>
-          </a:bodyPr>
-          <a:lstStyle/>
-          <a:p>
-            <a:pPr indent="0" lvl="0" marL="0" marR="0" rtl="0" algn="ctr">
-              <a:lnSpc>
-                <a:spcPct val="100000"/>
-              </a:lnSpc>
-              <a:spcBef>
-                <a:spcPts val="0"/>
-              </a:spcBef>
-              <a:spcAft>
-                <a:spcPts val="0"/>
-              </a:spcAft>
-              <a:buClr>
-                <a:srgbClr val="000000"/>
-              </a:buClr>
-              <a:buSzPts val="1400"/>
-              <a:buFont typeface="Arial"/>
-              <a:buNone/>
-            </a:pPr>
-            <a:r>
-              <a:rPr b="0" i="0" lang="ja" sz="800" u="none" cap="none" strike="noStrike">
-                <a:solidFill>
-                  <a:srgbClr val="000000"/>
-                </a:solidFill>
-                <a:latin typeface="Arial"/>
-                <a:ea typeface="Arial"/>
-                <a:cs typeface="Arial"/>
-                <a:sym typeface="Arial"/>
-              </a:rPr>
-              <a:t>5</a:t>
-            </a:r>
-            <a:endParaRPr b="0" i="0" sz="800" u="none" cap="none" strike="noStrike">
-              <a:solidFill>
-                <a:srgbClr val="000000"/>
-              </a:solidFill>
-              <a:latin typeface="Arial"/>
-              <a:ea typeface="Arial"/>
-              <a:cs typeface="Arial"/>
-              <a:sym typeface="Arial"/>
-            </a:endParaRPr>
-          </a:p>
-        </p:txBody>
-      </p:sp>
-      <p:sp>
-        <p:nvSpPr>
-          <p:cNvPr id="267" name="Google Shape;267;g7cf6fd3894_0_70"/>
-          <p:cNvSpPr/>
-          <p:nvPr/>
-        </p:nvSpPr>
-        <p:spPr>
-          <a:xfrm>
-            <a:off x="6456722" y="4116143"/>
-            <a:ext cx="252000" cy="250800"/>
-          </a:xfrm>
-          <a:prstGeom prst="ellipse">
-            <a:avLst/>
-          </a:prstGeom>
-          <a:solidFill>
-            <a:srgbClr val="9FC5E8"/>
-          </a:solidFill>
-          <a:ln cap="flat" cmpd="sng" w="9525">
-            <a:solidFill>
-              <a:schemeClr val="dk2"/>
-            </a:solidFill>
-            <a:prstDash val="solid"/>
-            <a:round/>
-            <a:headEnd len="sm" w="sm" type="none"/>
-            <a:tailEnd len="sm" w="sm" type="none"/>
-          </a:ln>
-        </p:spPr>
-        <p:txBody>
-          <a:bodyPr anchorCtr="0" anchor="ctr" bIns="91425" lIns="91425" spcFirstLastPara="1" rIns="91425" wrap="square" tIns="91425">
-            <a:noAutofit/>
-          </a:bodyPr>
-          <a:lstStyle/>
-          <a:p>
-            <a:pPr indent="0" lvl="0" marL="0" marR="0" rtl="0" algn="ctr">
-              <a:lnSpc>
-                <a:spcPct val="100000"/>
-              </a:lnSpc>
-              <a:spcBef>
-                <a:spcPts val="0"/>
-              </a:spcBef>
-              <a:spcAft>
-                <a:spcPts val="0"/>
-              </a:spcAft>
-              <a:buClr>
-                <a:srgbClr val="000000"/>
-              </a:buClr>
-              <a:buSzPts val="1400"/>
-              <a:buFont typeface="Arial"/>
-              <a:buNone/>
-            </a:pPr>
-            <a:r>
-              <a:rPr b="0" i="0" lang="ja" sz="700" u="none" cap="none" strike="noStrike">
-                <a:solidFill>
-                  <a:srgbClr val="000000"/>
-                </a:solidFill>
-                <a:latin typeface="Arial"/>
-                <a:ea typeface="Arial"/>
-                <a:cs typeface="Arial"/>
-                <a:sym typeface="Arial"/>
-              </a:rPr>
-              <a:t>7</a:t>
-            </a:r>
-            <a:endParaRPr b="0" i="0" sz="700" u="none" cap="none" strike="noStrike">
-              <a:solidFill>
-                <a:srgbClr val="000000"/>
-              </a:solidFill>
-              <a:latin typeface="Arial"/>
-              <a:ea typeface="Arial"/>
-              <a:cs typeface="Arial"/>
-              <a:sym typeface="Arial"/>
-            </a:endParaRPr>
-          </a:p>
-        </p:txBody>
-      </p:sp>
-      <p:sp>
-        <p:nvSpPr>
-          <p:cNvPr id="268" name="Google Shape;268;g7cf6fd3894_0_70"/>
-          <p:cNvSpPr txBox="1"/>
-          <p:nvPr/>
-        </p:nvSpPr>
-        <p:spPr>
-          <a:xfrm>
-            <a:off x="5745776" y="2303221"/>
-            <a:ext cx="1141500" cy="248751"/>
-          </a:xfrm>
-          <a:prstGeom prst="rect">
-            <a:avLst/>
-          </a:prstGeom>
-          <a:noFill/>
-          <a:ln>
-            <a:noFill/>
-          </a:ln>
-        </p:spPr>
-        <p:txBody>
-          <a:bodyPr anchorCtr="0" anchor="t" bIns="91425" lIns="91425" spcFirstLastPara="1" rIns="91425" wrap="square" tIns="91425">
-            <a:noAutofit/>
-          </a:bodyPr>
-          <a:lstStyle/>
-          <a:p>
-            <a:pPr indent="0" lvl="0" marL="0" marR="0" rtl="0" algn="l">
-              <a:lnSpc>
-                <a:spcPct val="100000"/>
-              </a:lnSpc>
-              <a:spcBef>
-                <a:spcPts val="0"/>
-              </a:spcBef>
-              <a:spcAft>
-                <a:spcPts val="0"/>
-              </a:spcAft>
-              <a:buClr>
-                <a:srgbClr val="000000"/>
-              </a:buClr>
-              <a:buSzPts val="1100"/>
-              <a:buFont typeface="Arial"/>
-              <a:buNone/>
-            </a:pPr>
-            <a:r>
-              <a:rPr b="0" i="0" lang="ja" sz="700" u="none" cap="none" strike="noStrike">
-                <a:solidFill>
-                  <a:schemeClr val="dk1"/>
-                </a:solidFill>
-                <a:latin typeface="Arial"/>
-                <a:ea typeface="Arial"/>
-                <a:cs typeface="Arial"/>
-                <a:sym typeface="Arial"/>
-              </a:rPr>
-              <a:t>データ取得</a:t>
-            </a:r>
-            <a:endParaRPr b="0" i="0" sz="700" u="none" cap="none" strike="noStrike">
-              <a:solidFill>
-                <a:schemeClr val="dk1"/>
-              </a:solidFill>
-              <a:latin typeface="Arial"/>
-              <a:ea typeface="Arial"/>
-              <a:cs typeface="Arial"/>
-              <a:sym typeface="Arial"/>
-            </a:endParaRPr>
-          </a:p>
-        </p:txBody>
-      </p:sp>
-      <p:sp>
-        <p:nvSpPr>
-          <p:cNvPr id="269" name="Google Shape;269;g7cf6fd3894_0_70"/>
-          <p:cNvSpPr txBox="1"/>
-          <p:nvPr/>
-        </p:nvSpPr>
-        <p:spPr>
-          <a:xfrm>
-            <a:off x="3848600" y="3318001"/>
-            <a:ext cx="1141500" cy="226532"/>
-          </a:xfrm>
-          <a:prstGeom prst="rect">
-            <a:avLst/>
-          </a:prstGeom>
-          <a:noFill/>
-          <a:ln>
-            <a:noFill/>
-          </a:ln>
-        </p:spPr>
-        <p:txBody>
-          <a:bodyPr anchorCtr="0" anchor="t" bIns="91425" lIns="91425" spcFirstLastPara="1" rIns="91425" wrap="square" tIns="91425">
-            <a:noAutofit/>
-          </a:bodyPr>
-          <a:lstStyle/>
-          <a:p>
-            <a:pPr indent="0" lvl="0" marL="0" marR="0" rtl="0" algn="ctr">
-              <a:lnSpc>
-                <a:spcPct val="100000"/>
-              </a:lnSpc>
-              <a:spcBef>
-                <a:spcPts val="0"/>
-              </a:spcBef>
-              <a:spcAft>
-                <a:spcPts val="0"/>
-              </a:spcAft>
-              <a:buClr>
-                <a:srgbClr val="000000"/>
-              </a:buClr>
-              <a:buSzPts val="1100"/>
-              <a:buFont typeface="Arial"/>
-              <a:buNone/>
-            </a:pPr>
-            <a:r>
-              <a:rPr b="0" i="0" lang="ja" sz="700" u="none" cap="none" strike="noStrike">
-                <a:solidFill>
-                  <a:schemeClr val="dk1"/>
-                </a:solidFill>
-                <a:latin typeface="Arial"/>
-                <a:ea typeface="Arial"/>
-                <a:cs typeface="Arial"/>
-                <a:sym typeface="Arial"/>
-              </a:rPr>
-              <a:t>データ取得・Excel変換</a:t>
-            </a:r>
-            <a:endParaRPr b="0" i="0" sz="700" u="none" cap="none" strike="noStrike">
-              <a:solidFill>
-                <a:schemeClr val="dk1"/>
-              </a:solidFill>
-              <a:latin typeface="Arial"/>
-              <a:ea typeface="Arial"/>
-              <a:cs typeface="Arial"/>
-              <a:sym typeface="Arial"/>
-            </a:endParaRPr>
-          </a:p>
-        </p:txBody>
-      </p:sp>
-      <p:sp>
-        <p:nvSpPr>
-          <p:cNvPr id="270" name="Google Shape;270;g7cf6fd3894_0_70"/>
-          <p:cNvSpPr txBox="1"/>
-          <p:nvPr/>
-        </p:nvSpPr>
-        <p:spPr>
-          <a:xfrm>
-            <a:off x="3773574" y="2551972"/>
-            <a:ext cx="1326300" cy="231028"/>
-          </a:xfrm>
-          <a:prstGeom prst="rect">
-            <a:avLst/>
-          </a:prstGeom>
-          <a:noFill/>
-          <a:ln>
-            <a:noFill/>
-          </a:ln>
-        </p:spPr>
-        <p:txBody>
-          <a:bodyPr anchorCtr="0" anchor="t" bIns="91425" lIns="91425" spcFirstLastPara="1" rIns="91425" wrap="square" tIns="91425">
-            <a:noAutofit/>
-          </a:bodyPr>
-          <a:lstStyle/>
-          <a:p>
-            <a:pPr indent="0" lvl="0" marL="0" marR="0" rtl="0" algn="ctr">
-              <a:lnSpc>
-                <a:spcPct val="100000"/>
-              </a:lnSpc>
-              <a:spcBef>
-                <a:spcPts val="0"/>
-              </a:spcBef>
-              <a:spcAft>
-                <a:spcPts val="0"/>
-              </a:spcAft>
-              <a:buClr>
-                <a:schemeClr val="dk1"/>
-              </a:buClr>
-              <a:buSzPts val="600"/>
-              <a:buFont typeface="Arial"/>
-              <a:buNone/>
-            </a:pPr>
-            <a:r>
-              <a:rPr b="0" i="0" lang="ja" sz="700" u="none" cap="none" strike="noStrike">
-                <a:solidFill>
-                  <a:srgbClr val="000000"/>
-                </a:solidFill>
-                <a:latin typeface="Arial"/>
-                <a:ea typeface="Arial"/>
-                <a:cs typeface="Arial"/>
-                <a:sym typeface="Arial"/>
-              </a:rPr>
-              <a:t>取得データ蓄積</a:t>
-            </a:r>
-            <a:endParaRPr b="0" i="0" sz="700" u="none" cap="none" strike="noStrike">
-              <a:solidFill>
-                <a:srgbClr val="000000"/>
-              </a:solidFill>
-              <a:latin typeface="Arial"/>
-              <a:ea typeface="Arial"/>
-              <a:cs typeface="Arial"/>
-              <a:sym typeface="Arial"/>
-            </a:endParaRPr>
-          </a:p>
-        </p:txBody>
-      </p:sp>
-      <p:cxnSp>
-        <p:nvCxnSpPr>
-          <p:cNvPr id="271" name="Google Shape;271;g7cf6fd3894_0_70"/>
-          <p:cNvCxnSpPr/>
-          <p:nvPr/>
-        </p:nvCxnSpPr>
-        <p:spPr>
-          <a:xfrm>
-            <a:off x="5655924" y="3439402"/>
-            <a:ext cx="0" cy="603023"/>
-          </a:xfrm>
-          <a:prstGeom prst="straightConnector1">
-            <a:avLst/>
-          </a:prstGeom>
-          <a:noFill/>
-          <a:ln cap="flat" cmpd="sng" w="9525">
-            <a:solidFill>
-              <a:schemeClr val="dk2"/>
-            </a:solidFill>
-            <a:prstDash val="solid"/>
-            <a:round/>
-            <a:headEnd len="sm" w="sm" type="none"/>
-            <a:tailEnd len="med" w="med" type="triangle"/>
-          </a:ln>
-        </p:spPr>
-      </p:cxnSp>
-      <p:sp>
-        <p:nvSpPr>
-          <p:cNvPr id="272" name="Google Shape;272;g7cf6fd3894_0_70"/>
-          <p:cNvSpPr/>
-          <p:nvPr/>
-        </p:nvSpPr>
-        <p:spPr>
-          <a:xfrm>
-            <a:off x="5530799" y="3614126"/>
-            <a:ext cx="252000" cy="250800"/>
-          </a:xfrm>
-          <a:prstGeom prst="ellipse">
-            <a:avLst/>
-          </a:prstGeom>
-          <a:solidFill>
-            <a:srgbClr val="9FC5E8"/>
-          </a:solidFill>
-          <a:ln cap="flat" cmpd="sng" w="9525">
-            <a:solidFill>
-              <a:schemeClr val="dk2"/>
-            </a:solidFill>
-            <a:prstDash val="solid"/>
-            <a:round/>
-            <a:headEnd len="sm" w="sm" type="none"/>
-            <a:tailEnd len="sm" w="sm" type="none"/>
-          </a:ln>
-        </p:spPr>
-        <p:txBody>
-          <a:bodyPr anchorCtr="0" anchor="ctr" bIns="91425" lIns="91425" spcFirstLastPara="1" rIns="91425" wrap="square" tIns="91425">
-            <a:noAutofit/>
-          </a:bodyPr>
-          <a:lstStyle/>
-          <a:p>
-            <a:pPr indent="0" lvl="0" marL="0" marR="0" rtl="0" algn="ctr">
-              <a:lnSpc>
-                <a:spcPct val="100000"/>
-              </a:lnSpc>
-              <a:spcBef>
-                <a:spcPts val="0"/>
-              </a:spcBef>
-              <a:spcAft>
-                <a:spcPts val="0"/>
-              </a:spcAft>
-              <a:buClr>
-                <a:srgbClr val="000000"/>
-              </a:buClr>
-              <a:buSzPts val="1400"/>
-              <a:buFont typeface="Arial"/>
-              <a:buNone/>
-            </a:pPr>
-            <a:r>
-              <a:rPr b="0" i="0" lang="ja" sz="700" u="none" cap="none" strike="noStrike">
-                <a:solidFill>
-                  <a:srgbClr val="000000"/>
-                </a:solidFill>
-                <a:latin typeface="Arial"/>
-                <a:ea typeface="Arial"/>
-                <a:cs typeface="Arial"/>
-                <a:sym typeface="Arial"/>
-              </a:rPr>
-              <a:t>6</a:t>
-            </a:r>
-            <a:endParaRPr b="0" i="0" sz="700" u="none" cap="none" strike="noStrike">
-              <a:solidFill>
-                <a:srgbClr val="000000"/>
-              </a:solidFill>
-              <a:latin typeface="Arial"/>
-              <a:ea typeface="Arial"/>
-              <a:cs typeface="Arial"/>
-              <a:sym typeface="Arial"/>
-            </a:endParaRPr>
-          </a:p>
-        </p:txBody>
-      </p:sp>
-      <p:sp>
-        <p:nvSpPr>
-          <p:cNvPr id="273" name="Google Shape;273;g7cf6fd3894_0_70"/>
-          <p:cNvSpPr txBox="1"/>
-          <p:nvPr/>
-        </p:nvSpPr>
-        <p:spPr>
-          <a:xfrm>
-            <a:off x="4392032" y="3616175"/>
-            <a:ext cx="847068" cy="262756"/>
-          </a:xfrm>
-          <a:prstGeom prst="rect">
-            <a:avLst/>
-          </a:prstGeom>
-          <a:noFill/>
-          <a:ln>
-            <a:noFill/>
-          </a:ln>
-        </p:spPr>
-        <p:txBody>
-          <a:bodyPr anchorCtr="0" anchor="t" bIns="91425" lIns="91425" spcFirstLastPara="1" rIns="91425" wrap="square" tIns="91425">
-            <a:noAutofit/>
-          </a:bodyPr>
-          <a:lstStyle/>
-          <a:p>
-            <a:pPr indent="0" lvl="0" marL="0" marR="0" rtl="0" algn="ctr">
-              <a:lnSpc>
-                <a:spcPct val="100000"/>
-              </a:lnSpc>
-              <a:spcBef>
-                <a:spcPts val="0"/>
-              </a:spcBef>
-              <a:spcAft>
-                <a:spcPts val="0"/>
-              </a:spcAft>
-              <a:buClr>
-                <a:srgbClr val="000000"/>
-              </a:buClr>
-              <a:buSzPts val="1100"/>
-              <a:buFont typeface="Arial"/>
-              <a:buNone/>
-            </a:pPr>
-            <a:r>
-              <a:rPr b="0" i="0" lang="ja" sz="700" u="none" cap="none" strike="noStrike">
-                <a:solidFill>
-                  <a:schemeClr val="dk1"/>
-                </a:solidFill>
-                <a:latin typeface="Arial"/>
-                <a:ea typeface="Arial"/>
-                <a:cs typeface="Arial"/>
-                <a:sym typeface="Arial"/>
-              </a:rPr>
-              <a:t>画面にアクセス</a:t>
-            </a:r>
-            <a:endParaRPr b="0" i="0" sz="700" u="none" cap="none" strike="noStrike">
-              <a:solidFill>
-                <a:srgbClr val="000000"/>
-              </a:solidFill>
-              <a:latin typeface="Arial"/>
-              <a:ea typeface="Arial"/>
-              <a:cs typeface="Arial"/>
-              <a:sym typeface="Arial"/>
-            </a:endParaRPr>
-          </a:p>
-        </p:txBody>
-      </p:sp>
-      <p:cxnSp>
-        <p:nvCxnSpPr>
-          <p:cNvPr id="274" name="Google Shape;274;g7cf6fd3894_0_70"/>
-          <p:cNvCxnSpPr/>
-          <p:nvPr/>
-        </p:nvCxnSpPr>
-        <p:spPr>
-          <a:xfrm rot="10800000">
-            <a:off x="5360478" y="3431273"/>
-            <a:ext cx="0" cy="603675"/>
-          </a:xfrm>
-          <a:prstGeom prst="straightConnector1">
-            <a:avLst/>
-          </a:prstGeom>
-          <a:noFill/>
-          <a:ln cap="flat" cmpd="sng" w="9525">
-            <a:solidFill>
-              <a:schemeClr val="dk2"/>
-            </a:solidFill>
-            <a:prstDash val="solid"/>
-            <a:round/>
-            <a:headEnd len="sm" w="sm" type="none"/>
-            <a:tailEnd len="med" w="med" type="triangle"/>
-          </a:ln>
-        </p:spPr>
-      </p:cxnSp>
-      <p:sp>
-        <p:nvSpPr>
-          <p:cNvPr id="275" name="Google Shape;275;g7cf6fd3894_0_70"/>
-          <p:cNvSpPr/>
-          <p:nvPr/>
-        </p:nvSpPr>
-        <p:spPr>
-          <a:xfrm>
-            <a:off x="5232625" y="3614126"/>
-            <a:ext cx="252000" cy="250800"/>
-          </a:xfrm>
-          <a:prstGeom prst="ellipse">
-            <a:avLst/>
-          </a:prstGeom>
-          <a:solidFill>
-            <a:srgbClr val="9FC5E8"/>
-          </a:solidFill>
-          <a:ln cap="flat" cmpd="sng" w="9525">
-            <a:solidFill>
-              <a:schemeClr val="dk2"/>
-            </a:solidFill>
-            <a:prstDash val="solid"/>
-            <a:round/>
-            <a:headEnd len="sm" w="sm" type="none"/>
-            <a:tailEnd len="sm" w="sm" type="none"/>
-          </a:ln>
-        </p:spPr>
-        <p:txBody>
-          <a:bodyPr anchorCtr="0" anchor="ctr" bIns="91425" lIns="91425" spcFirstLastPara="1" rIns="91425" wrap="square" tIns="91425">
-            <a:noAutofit/>
-          </a:bodyPr>
-          <a:lstStyle/>
-          <a:p>
-            <a:pPr indent="0" lvl="0" marL="0" marR="0" rtl="0" algn="ctr">
-              <a:lnSpc>
-                <a:spcPct val="100000"/>
-              </a:lnSpc>
-              <a:spcBef>
-                <a:spcPts val="0"/>
-              </a:spcBef>
-              <a:spcAft>
-                <a:spcPts val="0"/>
-              </a:spcAft>
-              <a:buClr>
-                <a:srgbClr val="000000"/>
-              </a:buClr>
-              <a:buSzPts val="1400"/>
-              <a:buFont typeface="Arial"/>
-              <a:buNone/>
-            </a:pPr>
-            <a:r>
-              <a:rPr b="0" i="0" lang="ja" sz="700" u="none" cap="none" strike="noStrike">
-                <a:solidFill>
-                  <a:srgbClr val="000000"/>
-                </a:solidFill>
-                <a:latin typeface="Arial"/>
-                <a:ea typeface="Arial"/>
-                <a:cs typeface="Arial"/>
-                <a:sym typeface="Arial"/>
-              </a:rPr>
-              <a:t>1</a:t>
-            </a:r>
-            <a:endParaRPr b="0" i="0" sz="700" u="none" cap="none" strike="noStrike">
-              <a:solidFill>
-                <a:srgbClr val="000000"/>
-              </a:solidFill>
-              <a:latin typeface="Arial"/>
-              <a:ea typeface="Arial"/>
-              <a:cs typeface="Arial"/>
-              <a:sym typeface="Arial"/>
-            </a:endParaRPr>
-          </a:p>
-        </p:txBody>
-      </p:sp>
-      <p:sp>
-        <p:nvSpPr>
-          <p:cNvPr id="276" name="Google Shape;276;g7cf6fd3894_0_70"/>
-          <p:cNvSpPr txBox="1"/>
-          <p:nvPr/>
-        </p:nvSpPr>
-        <p:spPr>
-          <a:xfrm>
-            <a:off x="5771503" y="3449120"/>
-            <a:ext cx="2213274" cy="375600"/>
-          </a:xfrm>
-          <a:prstGeom prst="rect">
-            <a:avLst/>
-          </a:prstGeom>
-          <a:noFill/>
-          <a:ln>
-            <a:noFill/>
-          </a:ln>
-        </p:spPr>
-        <p:txBody>
-          <a:bodyPr anchorCtr="0" anchor="t" bIns="91425" lIns="91425" spcFirstLastPara="1" rIns="91425" wrap="square" tIns="91425">
-            <a:noAutofit/>
-          </a:bodyPr>
-          <a:lstStyle/>
-          <a:p>
-            <a:pPr indent="0" lvl="0" marL="0" marR="0" rtl="0" algn="ctr">
-              <a:lnSpc>
-                <a:spcPct val="100000"/>
-              </a:lnSpc>
-              <a:spcBef>
-                <a:spcPts val="0"/>
-              </a:spcBef>
-              <a:spcAft>
-                <a:spcPts val="0"/>
-              </a:spcAft>
-              <a:buClr>
-                <a:schemeClr val="dk1"/>
-              </a:buClr>
-              <a:buSzPts val="600"/>
-              <a:buFont typeface="Arial"/>
-              <a:buNone/>
-            </a:pPr>
-            <a:r>
-              <a:rPr b="0" i="0" lang="ja" sz="700" u="none" cap="none" strike="noStrike">
-                <a:solidFill>
-                  <a:schemeClr val="dk1"/>
-                </a:solidFill>
-                <a:latin typeface="Arial"/>
-                <a:ea typeface="Arial"/>
-                <a:cs typeface="Arial"/>
-                <a:sym typeface="Arial"/>
-              </a:rPr>
-              <a:t>クライアントのタイミングでExcelダウンロード</a:t>
-            </a:r>
-            <a:endParaRPr b="0" i="0" sz="700" u="none" cap="none" strike="noStrike">
-              <a:solidFill>
-                <a:schemeClr val="dk1"/>
-              </a:solidFill>
-              <a:latin typeface="Arial"/>
-              <a:ea typeface="Arial"/>
-              <a:cs typeface="Arial"/>
-              <a:sym typeface="Arial"/>
-            </a:endParaRPr>
-          </a:p>
-          <a:p>
-            <a:pPr indent="0" lvl="0" marL="0" marR="0" rtl="0" algn="ctr">
-              <a:lnSpc>
-                <a:spcPct val="100000"/>
-              </a:lnSpc>
-              <a:spcBef>
-                <a:spcPts val="0"/>
-              </a:spcBef>
-              <a:spcAft>
-                <a:spcPts val="0"/>
-              </a:spcAft>
-              <a:buClr>
-                <a:schemeClr val="dk1"/>
-              </a:buClr>
-              <a:buSzPts val="600"/>
-              <a:buFont typeface="Arial"/>
-              <a:buNone/>
-            </a:pPr>
-            <a:r>
-              <a:rPr b="0" i="0" lang="ja" sz="700" u="none" cap="none" strike="noStrike">
-                <a:solidFill>
-                  <a:schemeClr val="dk1"/>
-                </a:solidFill>
-                <a:latin typeface="Arial"/>
-                <a:ea typeface="Arial"/>
-                <a:cs typeface="Arial"/>
-                <a:sym typeface="Arial"/>
-              </a:rPr>
-              <a:t>(ダウンロード後、EC2上にあるExcelを削除)</a:t>
-            </a:r>
-            <a:endParaRPr b="0" i="0" sz="700" u="none" cap="none" strike="noStrike">
-              <a:solidFill>
-                <a:schemeClr val="dk1"/>
-              </a:solidFill>
-              <a:latin typeface="Arial"/>
-              <a:ea typeface="Arial"/>
-              <a:cs typeface="Arial"/>
-              <a:sym typeface="Arial"/>
-            </a:endParaRPr>
-          </a:p>
-        </p:txBody>
-      </p:sp>
-      <p:sp>
-        <p:nvSpPr>
-          <p:cNvPr id="277" name="Google Shape;277;g7cf6fd3894_0_70"/>
-          <p:cNvSpPr txBox="1"/>
-          <p:nvPr/>
-        </p:nvSpPr>
-        <p:spPr>
-          <a:xfrm>
-            <a:off x="7036725" y="4678675"/>
-            <a:ext cx="2070000" cy="324000"/>
-          </a:xfrm>
-          <a:prstGeom prst="rect">
-            <a:avLst/>
-          </a:prstGeom>
-          <a:noFill/>
-          <a:ln>
-            <a:noFill/>
-          </a:ln>
-        </p:spPr>
-        <p:txBody>
-          <a:bodyPr anchorCtr="0" anchor="t" bIns="91425" lIns="91425" spcFirstLastPara="1" rIns="91425" wrap="square" tIns="91425">
-            <a:noAutofit/>
-          </a:bodyPr>
-          <a:lstStyle/>
-          <a:p>
-            <a:pPr indent="0" lvl="0" marL="0" marR="0" rtl="0" algn="l">
-              <a:lnSpc>
-                <a:spcPct val="100000"/>
-              </a:lnSpc>
-              <a:spcBef>
-                <a:spcPts val="0"/>
-              </a:spcBef>
-              <a:spcAft>
-                <a:spcPts val="0"/>
-              </a:spcAft>
-              <a:buClr>
-                <a:schemeClr val="dk1"/>
-              </a:buClr>
-              <a:buSzPts val="2800"/>
-              <a:buFont typeface="Arial"/>
-              <a:buNone/>
-            </a:pPr>
-            <a:r>
-              <a:rPr b="0" i="0" lang="ja" sz="1000" u="none" cap="none" strike="noStrike">
-                <a:solidFill>
-                  <a:schemeClr val="dk1"/>
-                </a:solidFill>
-                <a:latin typeface="Arial"/>
-                <a:ea typeface="Arial"/>
-                <a:cs typeface="Arial"/>
-                <a:sym typeface="Arial"/>
-              </a:rPr>
-              <a:t>ツール構築日：2018年9月7日</a:t>
-            </a:r>
-            <a:endParaRPr b="0" i="0" sz="1000" u="none" cap="none" strike="noStrike">
-              <a:solidFill>
-                <a:schemeClr val="dk1"/>
-              </a:solidFill>
-              <a:latin typeface="Arial"/>
-              <a:ea typeface="Arial"/>
-              <a:cs typeface="Arial"/>
-              <a:sym typeface="Arial"/>
-            </a:endParaRPr>
-          </a:p>
-        </p:txBody>
-      </p:sp>
-    </p:spTree>
-  </p:cSld>
-  <p:clrMapOvr>
-    <a:masterClrMapping/>
-  </p:clrMapOvr>
-</p:sld>
-</file>
-
-<file path=ppt/slides/slide11.xml><?xml version="1.0" encoding="utf-8"?>
-<p:sld xmlns:a="http://schemas.openxmlformats.org/drawingml/2006/main" xmlns:r="http://schemas.openxmlformats.org/officeDocument/2006/relationships" xmlns:mc="http://schemas.openxmlformats.org/markup-compatibility/2006" xmlns:mv="urn:schemas-microsoft-com:mac:vml" xmlns:p="http://schemas.openxmlformats.org/presentationml/2006/main" xmlns:c="http://schemas.openxmlformats.org/drawingml/2006/chart" xmlns:dgm="http://schemas.openxmlformats.org/drawingml/2006/diagram" xmlns:o="urn:schemas-microsoft-com:office:office" xmlns:v="urn:schemas-microsoft-com:vml" xmlns:pvml="urn:schemas-microsoft-com:office:powerpoint" xmlns:com="http://schemas.openxmlformats.org/drawingml/2006/compatibility" xmlns:p14="http://schemas.microsoft.com/office/powerpoint/2010/main" xmlns:p15="http://schemas.microsoft.com/office/powerpoint/2012/main">
-  <p:cSld>
-    <p:spTree>
-      <p:nvGrpSpPr>
-        <p:cNvPr id="281" name="Shape 281"/>
-        <p:cNvGrpSpPr/>
-        <p:nvPr/>
-      </p:nvGrpSpPr>
-      <p:grpSpPr>
-        <a:xfrm>
-          <a:off x="0" y="0"/>
-          <a:ext cx="0" cy="0"/>
-          <a:chOff x="0" y="0"/>
-          <a:chExt cx="0" cy="0"/>
-        </a:xfrm>
-      </p:grpSpPr>
-      <p:sp>
-        <p:nvSpPr>
-          <p:cNvPr id="282" name="Google Shape;282;g7d2aecd8d7_0_9"/>
-          <p:cNvSpPr txBox="1"/>
-          <p:nvPr>
-            <p:ph type="title"/>
-          </p:nvPr>
-        </p:nvSpPr>
-        <p:spPr>
-          <a:xfrm>
-            <a:off x="355249" y="242302"/>
-            <a:ext cx="8520600" cy="572700"/>
-          </a:xfrm>
-          <a:prstGeom prst="rect">
-            <a:avLst/>
-          </a:prstGeom>
-          <a:noFill/>
-          <a:ln>
-            <a:noFill/>
-          </a:ln>
-        </p:spPr>
-        <p:txBody>
-          <a:bodyPr anchorCtr="0" anchor="t" bIns="91425" lIns="91425" spcFirstLastPara="1" rIns="91425" wrap="square" tIns="91425">
-            <a:noAutofit/>
-          </a:bodyPr>
-          <a:lstStyle/>
-          <a:p>
-            <a:pPr indent="0" lvl="0" marL="0" rtl="0" algn="l">
-              <a:lnSpc>
-                <a:spcPct val="100000"/>
-              </a:lnSpc>
-              <a:spcBef>
-                <a:spcPts val="0"/>
-              </a:spcBef>
-              <a:spcAft>
-                <a:spcPts val="0"/>
-              </a:spcAft>
-              <a:buSzPts val="2800"/>
-              <a:buNone/>
-            </a:pPr>
-            <a:r>
-              <a:rPr lang="ja" sz="1800"/>
-              <a:t>SmartNewsレポート生成ツール</a:t>
-            </a:r>
-            <a:endParaRPr sz="1800"/>
-          </a:p>
-        </p:txBody>
-      </p:sp>
-      <p:sp>
-        <p:nvSpPr>
-          <p:cNvPr id="283" name="Google Shape;283;g7d2aecd8d7_0_9"/>
+          <p:cNvPr id="261" name="Google Shape;261;g7d2aecd8d7_0_9"/>
           <p:cNvSpPr txBox="1"/>
           <p:nvPr/>
         </p:nvSpPr>
@@ -13117,7 +10257,7 @@
       </p:sp>
       <p:cxnSp>
         <p:nvCxnSpPr>
-          <p:cNvPr id="284" name="Google Shape;284;g7d2aecd8d7_0_9"/>
+          <p:cNvPr id="262" name="Google Shape;262;g7d2aecd8d7_0_9"/>
           <p:cNvCxnSpPr/>
           <p:nvPr/>
         </p:nvCxnSpPr>
@@ -13143,7 +10283,7 @@
       </p:cxnSp>
       <p:cxnSp>
         <p:nvCxnSpPr>
-          <p:cNvPr id="285" name="Google Shape;285;g7d2aecd8d7_0_9"/>
+          <p:cNvPr id="263" name="Google Shape;263;g7d2aecd8d7_0_9"/>
           <p:cNvCxnSpPr/>
           <p:nvPr/>
         </p:nvCxnSpPr>
@@ -13169,7 +10309,7 @@
       </p:cxnSp>
       <p:sp>
         <p:nvSpPr>
-          <p:cNvPr id="286" name="Google Shape;286;g7d2aecd8d7_0_9"/>
+          <p:cNvPr id="264" name="Google Shape;264;g7d2aecd8d7_0_9"/>
           <p:cNvSpPr/>
           <p:nvPr/>
         </p:nvSpPr>
@@ -13285,7 +10425,7 @@
       </p:sp>
       <p:sp>
         <p:nvSpPr>
-          <p:cNvPr id="287" name="Google Shape;287;g7d2aecd8d7_0_9"/>
+          <p:cNvPr id="265" name="Google Shape;265;g7d2aecd8d7_0_9"/>
           <p:cNvSpPr/>
           <p:nvPr/>
         </p:nvSpPr>
@@ -13401,7 +10541,7 @@
       </p:sp>
       <p:sp>
         <p:nvSpPr>
-          <p:cNvPr id="288" name="Google Shape;288;g7d2aecd8d7_0_9"/>
+          <p:cNvPr id="266" name="Google Shape;266;g7d2aecd8d7_0_9"/>
           <p:cNvSpPr/>
           <p:nvPr/>
         </p:nvSpPr>
@@ -13475,7 +10615,7 @@
       </p:sp>
       <p:sp>
         <p:nvSpPr>
-          <p:cNvPr id="289" name="Google Shape;289;g7d2aecd8d7_0_9"/>
+          <p:cNvPr id="267" name="Google Shape;267;g7d2aecd8d7_0_9"/>
           <p:cNvSpPr/>
           <p:nvPr/>
         </p:nvSpPr>
@@ -13549,7 +10689,7 @@
       </p:sp>
       <p:graphicFrame>
         <p:nvGraphicFramePr>
-          <p:cNvPr id="290" name="Google Shape;290;g7d2aecd8d7_0_9"/>
+          <p:cNvPr id="268" name="Google Shape;268;g7d2aecd8d7_0_9"/>
           <p:cNvGraphicFramePr/>
           <p:nvPr/>
         </p:nvGraphicFramePr>
@@ -13562,7 +10702,7 @@
             <a:tbl>
               <a:tblPr bandRow="1" firstRow="1">
                 <a:noFill/>
-                <a:tableStyleId>{480A4CA3-39E3-40D8-ADC2-51BE01CABE9C}</a:tableStyleId>
+                <a:tableStyleId>{5C1A6C23-BA52-4BAB-9456-CA66EEC75524}</a:tableStyleId>
               </a:tblPr>
               <a:tblGrid>
                 <a:gridCol w="786425"/>
@@ -13850,7 +10990,7 @@
       </p:graphicFrame>
       <p:sp>
         <p:nvSpPr>
-          <p:cNvPr id="291" name="Google Shape;291;g7d2aecd8d7_0_9"/>
+          <p:cNvPr id="269" name="Google Shape;269;g7d2aecd8d7_0_9"/>
           <p:cNvSpPr txBox="1"/>
           <p:nvPr/>
         </p:nvSpPr>
@@ -14239,7 +11379,7 @@
       </p:sp>
       <p:cxnSp>
         <p:nvCxnSpPr>
-          <p:cNvPr id="292" name="Google Shape;292;g7d2aecd8d7_0_9"/>
+          <p:cNvPr id="270" name="Google Shape;270;g7d2aecd8d7_0_9"/>
           <p:cNvCxnSpPr/>
           <p:nvPr/>
         </p:nvCxnSpPr>
@@ -14265,7 +11405,7 @@
       </p:cxnSp>
       <p:cxnSp>
         <p:nvCxnSpPr>
-          <p:cNvPr id="293" name="Google Shape;293;g7d2aecd8d7_0_9"/>
+          <p:cNvPr id="271" name="Google Shape;271;g7d2aecd8d7_0_9"/>
           <p:cNvCxnSpPr/>
           <p:nvPr/>
         </p:nvCxnSpPr>
@@ -14291,7 +11431,7 @@
       </p:cxnSp>
       <p:sp>
         <p:nvSpPr>
-          <p:cNvPr id="294" name="Google Shape;294;g7d2aecd8d7_0_9"/>
+          <p:cNvPr id="272" name="Google Shape;272;g7d2aecd8d7_0_9"/>
           <p:cNvSpPr/>
           <p:nvPr/>
         </p:nvSpPr>
@@ -14365,7 +11505,7 @@
       </p:sp>
       <p:sp>
         <p:nvSpPr>
-          <p:cNvPr id="295" name="Google Shape;295;g7d2aecd8d7_0_9"/>
+          <p:cNvPr id="273" name="Google Shape;273;g7d2aecd8d7_0_9"/>
           <p:cNvSpPr/>
           <p:nvPr/>
         </p:nvSpPr>
@@ -14477,7 +11617,7 @@
       </p:sp>
       <p:cxnSp>
         <p:nvCxnSpPr>
-          <p:cNvPr id="296" name="Google Shape;296;g7d2aecd8d7_0_9"/>
+          <p:cNvPr id="274" name="Google Shape;274;g7d2aecd8d7_0_9"/>
           <p:cNvCxnSpPr/>
           <p:nvPr/>
         </p:nvCxnSpPr>
@@ -14503,7 +11643,7 @@
       </p:cxnSp>
       <p:sp>
         <p:nvSpPr>
-          <p:cNvPr id="297" name="Google Shape;297;g7d2aecd8d7_0_9"/>
+          <p:cNvPr id="275" name="Google Shape;275;g7d2aecd8d7_0_9"/>
           <p:cNvSpPr/>
           <p:nvPr/>
         </p:nvSpPr>
@@ -14577,7 +11717,7 @@
       </p:sp>
       <p:sp>
         <p:nvSpPr>
-          <p:cNvPr id="298" name="Google Shape;298;g7d2aecd8d7_0_9"/>
+          <p:cNvPr id="276" name="Google Shape;276;g7d2aecd8d7_0_9"/>
           <p:cNvSpPr txBox="1"/>
           <p:nvPr/>
         </p:nvSpPr>
@@ -14683,7 +11823,7 @@
       </p:sp>
       <p:sp>
         <p:nvSpPr>
-          <p:cNvPr id="299" name="Google Shape;299;g7d2aecd8d7_0_9"/>
+          <p:cNvPr id="277" name="Google Shape;277;g7d2aecd8d7_0_9"/>
           <p:cNvSpPr txBox="1"/>
           <p:nvPr/>
         </p:nvSpPr>
@@ -14749,7 +11889,7 @@
       </p:sp>
       <p:sp>
         <p:nvSpPr>
-          <p:cNvPr id="300" name="Google Shape;300;g7d2aecd8d7_0_9"/>
+          <p:cNvPr id="278" name="Google Shape;278;g7d2aecd8d7_0_9"/>
           <p:cNvSpPr txBox="1"/>
           <p:nvPr/>
         </p:nvSpPr>
@@ -14815,7 +11955,7 @@
       </p:sp>
       <p:sp>
         <p:nvSpPr>
-          <p:cNvPr id="301" name="Google Shape;301;g7d2aecd8d7_0_9"/>
+          <p:cNvPr id="279" name="Google Shape;279;g7d2aecd8d7_0_9"/>
           <p:cNvSpPr txBox="1"/>
           <p:nvPr/>
         </p:nvSpPr>
@@ -14881,7 +12021,7 @@
       </p:sp>
       <p:sp>
         <p:nvSpPr>
-          <p:cNvPr id="302" name="Google Shape;302;g7d2aecd8d7_0_9"/>
+          <p:cNvPr id="280" name="Google Shape;280;g7d2aecd8d7_0_9"/>
           <p:cNvSpPr txBox="1"/>
           <p:nvPr/>
         </p:nvSpPr>
@@ -14953,12 +12093,12 @@
 </p:sld>
 </file>
 
-<file path=ppt/slides/slide12.xml><?xml version="1.0" encoding="utf-8"?>
+<file path=ppt/slides/slide11.xml><?xml version="1.0" encoding="utf-8"?>
 <p:sld xmlns:a="http://schemas.openxmlformats.org/drawingml/2006/main" xmlns:r="http://schemas.openxmlformats.org/officeDocument/2006/relationships" xmlns:mc="http://schemas.openxmlformats.org/markup-compatibility/2006" xmlns:mv="urn:schemas-microsoft-com:mac:vml" xmlns:p="http://schemas.openxmlformats.org/presentationml/2006/main" xmlns:c="http://schemas.openxmlformats.org/drawingml/2006/chart" xmlns:dgm="http://schemas.openxmlformats.org/drawingml/2006/diagram" xmlns:o="urn:schemas-microsoft-com:office:office" xmlns:v="urn:schemas-microsoft-com:vml" xmlns:pvml="urn:schemas-microsoft-com:office:powerpoint" xmlns:com="http://schemas.openxmlformats.org/drawingml/2006/compatibility" xmlns:p14="http://schemas.microsoft.com/office/powerpoint/2010/main" xmlns:p15="http://schemas.microsoft.com/office/powerpoint/2012/main">
   <p:cSld>
     <p:spTree>
       <p:nvGrpSpPr>
-        <p:cNvPr id="306" name="Shape 306"/>
+        <p:cNvPr id="284" name="Shape 284"/>
         <p:cNvGrpSpPr/>
         <p:nvPr/>
       </p:nvGrpSpPr>
@@ -14972,7 +12112,7 @@
       </p:grpSpPr>
       <p:sp>
         <p:nvSpPr>
-          <p:cNvPr id="307" name="Google Shape;307;g7cf6fd3894_0_136"/>
+          <p:cNvPr id="285" name="Google Shape;285;g7cf6fd3894_0_136"/>
           <p:cNvSpPr txBox="1"/>
           <p:nvPr>
             <p:ph type="title"/>
@@ -15020,7 +12160,7 @@
       </p:sp>
       <p:sp>
         <p:nvSpPr>
-          <p:cNvPr id="308" name="Google Shape;308;g7cf6fd3894_0_136"/>
+          <p:cNvPr id="286" name="Google Shape;286;g7cf6fd3894_0_136"/>
           <p:cNvSpPr txBox="1"/>
           <p:nvPr/>
         </p:nvSpPr>
@@ -15126,7 +12266,7 @@
       </p:sp>
       <p:cxnSp>
         <p:nvCxnSpPr>
-          <p:cNvPr id="309" name="Google Shape;309;g7cf6fd3894_0_136"/>
+          <p:cNvPr id="287" name="Google Shape;287;g7cf6fd3894_0_136"/>
           <p:cNvCxnSpPr/>
           <p:nvPr/>
         </p:nvCxnSpPr>
@@ -15152,7 +12292,7 @@
       </p:cxnSp>
       <p:cxnSp>
         <p:nvCxnSpPr>
-          <p:cNvPr id="310" name="Google Shape;310;g7cf6fd3894_0_136"/>
+          <p:cNvPr id="288" name="Google Shape;288;g7cf6fd3894_0_136"/>
           <p:cNvCxnSpPr/>
           <p:nvPr/>
         </p:nvCxnSpPr>
@@ -15178,7 +12318,7 @@
       </p:cxnSp>
       <p:sp>
         <p:nvSpPr>
-          <p:cNvPr id="311" name="Google Shape;311;g7cf6fd3894_0_136"/>
+          <p:cNvPr id="289" name="Google Shape;289;g7cf6fd3894_0_136"/>
           <p:cNvSpPr/>
           <p:nvPr/>
         </p:nvSpPr>
@@ -15294,7 +12434,7 @@
       </p:sp>
       <p:sp>
         <p:nvSpPr>
-          <p:cNvPr id="312" name="Google Shape;312;g7cf6fd3894_0_136"/>
+          <p:cNvPr id="290" name="Google Shape;290;g7cf6fd3894_0_136"/>
           <p:cNvSpPr/>
           <p:nvPr/>
         </p:nvSpPr>
@@ -15410,7 +12550,7 @@
       </p:sp>
       <p:sp>
         <p:nvSpPr>
-          <p:cNvPr id="313" name="Google Shape;313;g7cf6fd3894_0_136"/>
+          <p:cNvPr id="291" name="Google Shape;291;g7cf6fd3894_0_136"/>
           <p:cNvSpPr/>
           <p:nvPr/>
         </p:nvSpPr>
@@ -15484,7 +12624,7 @@
       </p:sp>
       <p:sp>
         <p:nvSpPr>
-          <p:cNvPr id="314" name="Google Shape;314;g7cf6fd3894_0_136"/>
+          <p:cNvPr id="292" name="Google Shape;292;g7cf6fd3894_0_136"/>
           <p:cNvSpPr/>
           <p:nvPr/>
         </p:nvSpPr>
@@ -15558,7 +12698,7 @@
       </p:sp>
       <p:graphicFrame>
         <p:nvGraphicFramePr>
-          <p:cNvPr id="315" name="Google Shape;315;g7cf6fd3894_0_136"/>
+          <p:cNvPr id="293" name="Google Shape;293;g7cf6fd3894_0_136"/>
           <p:cNvGraphicFramePr/>
           <p:nvPr/>
         </p:nvGraphicFramePr>
@@ -15571,7 +12711,7 @@
             <a:tbl>
               <a:tblPr bandRow="1" firstRow="1">
                 <a:noFill/>
-                <a:tableStyleId>{480A4CA3-39E3-40D8-ADC2-51BE01CABE9C}</a:tableStyleId>
+                <a:tableStyleId>{5C1A6C23-BA52-4BAB-9456-CA66EEC75524}</a:tableStyleId>
               </a:tblPr>
               <a:tblGrid>
                 <a:gridCol w="786425"/>
@@ -15859,7 +12999,7 @@
       </p:graphicFrame>
       <p:sp>
         <p:nvSpPr>
-          <p:cNvPr id="316" name="Google Shape;316;g7cf6fd3894_0_136"/>
+          <p:cNvPr id="294" name="Google Shape;294;g7cf6fd3894_0_136"/>
           <p:cNvSpPr txBox="1"/>
           <p:nvPr/>
         </p:nvSpPr>
@@ -16045,7 +13185,7 @@
       </p:sp>
       <p:cxnSp>
         <p:nvCxnSpPr>
-          <p:cNvPr id="317" name="Google Shape;317;g7cf6fd3894_0_136"/>
+          <p:cNvPr id="295" name="Google Shape;295;g7cf6fd3894_0_136"/>
           <p:cNvCxnSpPr/>
           <p:nvPr/>
         </p:nvCxnSpPr>
@@ -16071,7 +13211,7 @@
       </p:cxnSp>
       <p:sp>
         <p:nvSpPr>
-          <p:cNvPr id="318" name="Google Shape;318;g7cf6fd3894_0_136"/>
+          <p:cNvPr id="296" name="Google Shape;296;g7cf6fd3894_0_136"/>
           <p:cNvSpPr txBox="1"/>
           <p:nvPr/>
         </p:nvSpPr>
@@ -16137,7 +13277,7 @@
       </p:sp>
       <p:sp>
         <p:nvSpPr>
-          <p:cNvPr id="319" name="Google Shape;319;g7cf6fd3894_0_136"/>
+          <p:cNvPr id="297" name="Google Shape;297;g7cf6fd3894_0_136"/>
           <p:cNvSpPr txBox="1"/>
           <p:nvPr/>
         </p:nvSpPr>
@@ -16203,7 +13343,7 @@
       </p:sp>
       <p:cxnSp>
         <p:nvCxnSpPr>
-          <p:cNvPr id="320" name="Google Shape;320;g7cf6fd3894_0_136"/>
+          <p:cNvPr id="298" name="Google Shape;298;g7cf6fd3894_0_136"/>
           <p:cNvCxnSpPr/>
           <p:nvPr/>
         </p:nvCxnSpPr>
@@ -16229,7 +13369,7 @@
       </p:cxnSp>
       <p:sp>
         <p:nvSpPr>
-          <p:cNvPr id="321" name="Google Shape;321;g7cf6fd3894_0_136"/>
+          <p:cNvPr id="299" name="Google Shape;299;g7cf6fd3894_0_136"/>
           <p:cNvSpPr/>
           <p:nvPr/>
         </p:nvSpPr>
@@ -16303,7 +13443,7 @@
       </p:sp>
       <p:sp>
         <p:nvSpPr>
-          <p:cNvPr id="322" name="Google Shape;322;g7cf6fd3894_0_136"/>
+          <p:cNvPr id="300" name="Google Shape;300;g7cf6fd3894_0_136"/>
           <p:cNvSpPr txBox="1"/>
           <p:nvPr/>
         </p:nvSpPr>
@@ -16369,7 +13509,7 @@
       </p:sp>
       <p:sp>
         <p:nvSpPr>
-          <p:cNvPr id="323" name="Google Shape;323;g7cf6fd3894_0_136"/>
+          <p:cNvPr id="301" name="Google Shape;301;g7cf6fd3894_0_136"/>
           <p:cNvSpPr/>
           <p:nvPr/>
         </p:nvSpPr>
@@ -16481,7 +13621,7 @@
       </p:sp>
       <p:sp>
         <p:nvSpPr>
-          <p:cNvPr id="324" name="Google Shape;324;g7cf6fd3894_0_136"/>
+          <p:cNvPr id="302" name="Google Shape;302;g7cf6fd3894_0_136"/>
           <p:cNvSpPr txBox="1"/>
           <p:nvPr/>
         </p:nvSpPr>
@@ -16553,12 +13693,12 @@
 </p:sld>
 </file>
 
-<file path=ppt/slides/slide13.xml><?xml version="1.0" encoding="utf-8"?>
+<file path=ppt/slides/slide12.xml><?xml version="1.0" encoding="utf-8"?>
 <p:sld xmlns:a="http://schemas.openxmlformats.org/drawingml/2006/main" xmlns:r="http://schemas.openxmlformats.org/officeDocument/2006/relationships" xmlns:mc="http://schemas.openxmlformats.org/markup-compatibility/2006" xmlns:mv="urn:schemas-microsoft-com:mac:vml" xmlns:p="http://schemas.openxmlformats.org/presentationml/2006/main" xmlns:c="http://schemas.openxmlformats.org/drawingml/2006/chart" xmlns:dgm="http://schemas.openxmlformats.org/drawingml/2006/diagram" xmlns:o="urn:schemas-microsoft-com:office:office" xmlns:v="urn:schemas-microsoft-com:vml" xmlns:pvml="urn:schemas-microsoft-com:office:powerpoint" xmlns:com="http://schemas.openxmlformats.org/drawingml/2006/compatibility" xmlns:p14="http://schemas.microsoft.com/office/powerpoint/2010/main" xmlns:p15="http://schemas.microsoft.com/office/powerpoint/2012/main">
   <p:cSld>
     <p:spTree>
       <p:nvGrpSpPr>
-        <p:cNvPr id="328" name="Shape 328"/>
+        <p:cNvPr id="306" name="Shape 306"/>
         <p:cNvGrpSpPr/>
         <p:nvPr/>
       </p:nvGrpSpPr>
@@ -16572,7 +13712,7 @@
       </p:grpSpPr>
       <p:sp>
         <p:nvSpPr>
-          <p:cNvPr id="329" name="Google Shape;329;g7cf6fd3894_0_285"/>
+          <p:cNvPr id="307" name="Google Shape;307;g7cf6fd3894_0_285"/>
           <p:cNvSpPr txBox="1"/>
           <p:nvPr>
             <p:ph type="title"/>
@@ -16620,7 +13760,7 @@
       </p:sp>
       <p:sp>
         <p:nvSpPr>
-          <p:cNvPr id="330" name="Google Shape;330;g7cf6fd3894_0_285"/>
+          <p:cNvPr id="308" name="Google Shape;308;g7cf6fd3894_0_285"/>
           <p:cNvSpPr txBox="1"/>
           <p:nvPr/>
         </p:nvSpPr>
@@ -16726,7 +13866,7 @@
       </p:sp>
       <p:cxnSp>
         <p:nvCxnSpPr>
-          <p:cNvPr id="331" name="Google Shape;331;g7cf6fd3894_0_285"/>
+          <p:cNvPr id="309" name="Google Shape;309;g7cf6fd3894_0_285"/>
           <p:cNvCxnSpPr/>
           <p:nvPr/>
         </p:nvCxnSpPr>
@@ -16752,7 +13892,7 @@
       </p:cxnSp>
       <p:cxnSp>
         <p:nvCxnSpPr>
-          <p:cNvPr id="332" name="Google Shape;332;g7cf6fd3894_0_285"/>
+          <p:cNvPr id="310" name="Google Shape;310;g7cf6fd3894_0_285"/>
           <p:cNvCxnSpPr/>
           <p:nvPr/>
         </p:nvCxnSpPr>
@@ -16778,7 +13918,7 @@
       </p:cxnSp>
       <p:sp>
         <p:nvSpPr>
-          <p:cNvPr id="333" name="Google Shape;333;g7cf6fd3894_0_285"/>
+          <p:cNvPr id="311" name="Google Shape;311;g7cf6fd3894_0_285"/>
           <p:cNvSpPr/>
           <p:nvPr/>
         </p:nvSpPr>
@@ -16894,7 +14034,7 @@
       </p:sp>
       <p:sp>
         <p:nvSpPr>
-          <p:cNvPr id="334" name="Google Shape;334;g7cf6fd3894_0_285"/>
+          <p:cNvPr id="312" name="Google Shape;312;g7cf6fd3894_0_285"/>
           <p:cNvSpPr/>
           <p:nvPr/>
         </p:nvSpPr>
@@ -17010,7 +14150,7 @@
       </p:sp>
       <p:sp>
         <p:nvSpPr>
-          <p:cNvPr id="335" name="Google Shape;335;g7cf6fd3894_0_285"/>
+          <p:cNvPr id="313" name="Google Shape;313;g7cf6fd3894_0_285"/>
           <p:cNvSpPr/>
           <p:nvPr/>
         </p:nvSpPr>
@@ -17084,7 +14224,7 @@
       </p:sp>
       <p:sp>
         <p:nvSpPr>
-          <p:cNvPr id="336" name="Google Shape;336;g7cf6fd3894_0_285"/>
+          <p:cNvPr id="314" name="Google Shape;314;g7cf6fd3894_0_285"/>
           <p:cNvSpPr/>
           <p:nvPr/>
         </p:nvSpPr>
@@ -17158,7 +14298,7 @@
       </p:sp>
       <p:graphicFrame>
         <p:nvGraphicFramePr>
-          <p:cNvPr id="337" name="Google Shape;337;g7cf6fd3894_0_285"/>
+          <p:cNvPr id="315" name="Google Shape;315;g7cf6fd3894_0_285"/>
           <p:cNvGraphicFramePr/>
           <p:nvPr/>
         </p:nvGraphicFramePr>
@@ -17171,7 +14311,7 @@
             <a:tbl>
               <a:tblPr bandRow="1" firstRow="1">
                 <a:noFill/>
-                <a:tableStyleId>{480A4CA3-39E3-40D8-ADC2-51BE01CABE9C}</a:tableStyleId>
+                <a:tableStyleId>{5C1A6C23-BA52-4BAB-9456-CA66EEC75524}</a:tableStyleId>
               </a:tblPr>
               <a:tblGrid>
                 <a:gridCol w="786425"/>
@@ -17459,7 +14599,7 @@
       </p:graphicFrame>
       <p:sp>
         <p:nvSpPr>
-          <p:cNvPr id="338" name="Google Shape;338;g7cf6fd3894_0_285"/>
+          <p:cNvPr id="316" name="Google Shape;316;g7cf6fd3894_0_285"/>
           <p:cNvSpPr txBox="1"/>
           <p:nvPr/>
         </p:nvSpPr>
@@ -17808,7 +14948,7 @@
       </p:sp>
       <p:cxnSp>
         <p:nvCxnSpPr>
-          <p:cNvPr id="339" name="Google Shape;339;g7cf6fd3894_0_285"/>
+          <p:cNvPr id="317" name="Google Shape;317;g7cf6fd3894_0_285"/>
           <p:cNvCxnSpPr/>
           <p:nvPr/>
         </p:nvCxnSpPr>
@@ -17834,7 +14974,7 @@
       </p:cxnSp>
       <p:sp>
         <p:nvSpPr>
-          <p:cNvPr id="340" name="Google Shape;340;g7cf6fd3894_0_285"/>
+          <p:cNvPr id="318" name="Google Shape;318;g7cf6fd3894_0_285"/>
           <p:cNvSpPr txBox="1"/>
           <p:nvPr/>
         </p:nvSpPr>
@@ -17900,7 +15040,7 @@
       </p:sp>
       <p:sp>
         <p:nvSpPr>
-          <p:cNvPr id="341" name="Google Shape;341;g7cf6fd3894_0_285"/>
+          <p:cNvPr id="319" name="Google Shape;319;g7cf6fd3894_0_285"/>
           <p:cNvSpPr txBox="1"/>
           <p:nvPr/>
         </p:nvSpPr>
@@ -17966,7 +15106,7 @@
       </p:sp>
       <p:cxnSp>
         <p:nvCxnSpPr>
-          <p:cNvPr id="342" name="Google Shape;342;g7cf6fd3894_0_285"/>
+          <p:cNvPr id="320" name="Google Shape;320;g7cf6fd3894_0_285"/>
           <p:cNvCxnSpPr/>
           <p:nvPr/>
         </p:nvCxnSpPr>
@@ -17992,7 +15132,7 @@
       </p:cxnSp>
       <p:sp>
         <p:nvSpPr>
-          <p:cNvPr id="343" name="Google Shape;343;g7cf6fd3894_0_285"/>
+          <p:cNvPr id="321" name="Google Shape;321;g7cf6fd3894_0_285"/>
           <p:cNvSpPr/>
           <p:nvPr/>
         </p:nvSpPr>
@@ -18066,7 +15206,7 @@
       </p:sp>
       <p:sp>
         <p:nvSpPr>
-          <p:cNvPr id="344" name="Google Shape;344;g7cf6fd3894_0_285"/>
+          <p:cNvPr id="322" name="Google Shape;322;g7cf6fd3894_0_285"/>
           <p:cNvSpPr txBox="1"/>
           <p:nvPr/>
         </p:nvSpPr>
@@ -18132,7 +15272,7 @@
       </p:sp>
       <p:sp>
         <p:nvSpPr>
-          <p:cNvPr id="345" name="Google Shape;345;g7cf6fd3894_0_285"/>
+          <p:cNvPr id="323" name="Google Shape;323;g7cf6fd3894_0_285"/>
           <p:cNvSpPr/>
           <p:nvPr/>
         </p:nvSpPr>
@@ -18244,7 +15384,7 @@
       </p:sp>
       <p:cxnSp>
         <p:nvCxnSpPr>
-          <p:cNvPr id="346" name="Google Shape;346;g7cf6fd3894_0_285"/>
+          <p:cNvPr id="324" name="Google Shape;324;g7cf6fd3894_0_285"/>
           <p:cNvCxnSpPr/>
           <p:nvPr/>
         </p:nvCxnSpPr>
@@ -18270,7 +15410,7 @@
       </p:cxnSp>
       <p:sp>
         <p:nvSpPr>
-          <p:cNvPr id="347" name="Google Shape;347;g7cf6fd3894_0_285"/>
+          <p:cNvPr id="325" name="Google Shape;325;g7cf6fd3894_0_285"/>
           <p:cNvSpPr/>
           <p:nvPr/>
         </p:nvSpPr>
@@ -18344,7 +15484,7 @@
       </p:sp>
       <p:sp>
         <p:nvSpPr>
-          <p:cNvPr id="348" name="Google Shape;348;g7cf6fd3894_0_285"/>
+          <p:cNvPr id="326" name="Google Shape;326;g7cf6fd3894_0_285"/>
           <p:cNvSpPr txBox="1"/>
           <p:nvPr/>
         </p:nvSpPr>
@@ -18410,7 +15550,7 @@
       </p:sp>
       <p:sp>
         <p:nvSpPr>
-          <p:cNvPr id="349" name="Google Shape;349;g7cf6fd3894_0_285"/>
+          <p:cNvPr id="327" name="Google Shape;327;g7cf6fd3894_0_285"/>
           <p:cNvSpPr txBox="1"/>
           <p:nvPr/>
         </p:nvSpPr>
@@ -20593,7 +17733,7 @@
             <a:tbl>
               <a:tblPr bandRow="1" firstRow="1">
                 <a:noFill/>
-                <a:tableStyleId>{480A4CA3-39E3-40D8-ADC2-51BE01CABE9C}</a:tableStyleId>
+                <a:tableStyleId>{5C1A6C23-BA52-4BAB-9456-CA66EEC75524}</a:tableStyleId>
               </a:tblPr>
               <a:tblGrid>
                 <a:gridCol w="566975"/>
@@ -21502,26 +18642,6 @@
             </a:pPr>
             <a:r>
               <a:rPr lang="ja" sz="1000"/>
-              <a:t>Marketoマイトークン更新ツール(NCC用)</a:t>
-            </a:r>
-            <a:endParaRPr sz="1000"/>
-          </a:p>
-          <a:p>
-            <a:pPr indent="-292100" lvl="0" marL="457200" rtl="0" algn="l">
-              <a:lnSpc>
-                <a:spcPct val="100000"/>
-              </a:lnSpc>
-              <a:spcBef>
-                <a:spcPts val="1600"/>
-              </a:spcBef>
-              <a:spcAft>
-                <a:spcPts val="0"/>
-              </a:spcAft>
-              <a:buSzPts val="1000"/>
-              <a:buChar char="●"/>
-            </a:pPr>
-            <a:r>
-              <a:rPr lang="ja" sz="1000"/>
               <a:t>Marketoメール配信履歴データ生成ツール</a:t>
             </a:r>
             <a:endParaRPr sz="1000"/>
@@ -21753,27 +18873,7 @@
                 <a:cs typeface="Arial"/>
                 <a:sym typeface="Arial"/>
               </a:rPr>
-              <a:t>加工データをExcelに変換して</a:t>
-            </a:r>
-            <a:r>
-              <a:rPr lang="ja" sz="1200">
-                <a:solidFill>
-                  <a:srgbClr val="666666"/>
-                </a:solidFill>
-              </a:rPr>
-              <a:t>EC2</a:t>
-            </a:r>
-            <a:r>
-              <a:rPr b="0" i="0" lang="ja" sz="1200" u="none" cap="none" strike="noStrike">
-                <a:solidFill>
-                  <a:srgbClr val="666666"/>
-                </a:solidFill>
-                <a:latin typeface="Arial"/>
-                <a:ea typeface="Arial"/>
-                <a:cs typeface="Arial"/>
-                <a:sym typeface="Arial"/>
-              </a:rPr>
-              <a:t>(画面)上でダウンロードします。</a:t>
+              <a:t>加工データをExcelに変換してEC2(画面)上でダウンロードします。</a:t>
             </a:r>
             <a:endParaRPr b="0" i="0" sz="1200" u="none" cap="none" strike="noStrike">
               <a:solidFill>
@@ -22008,17 +19108,25 @@
               <a:buNone/>
             </a:pPr>
             <a:r>
-              <a:rPr lang="ja" sz="1200">
+              <a:rPr b="0" i="0" lang="ja" sz="1200" u="none" cap="none" strike="noStrike">
                 <a:solidFill>
                   <a:schemeClr val="dk1"/>
                 </a:solidFill>
+                <a:latin typeface="Arial"/>
+                <a:ea typeface="Arial"/>
+                <a:cs typeface="Arial"/>
+                <a:sym typeface="Arial"/>
               </a:rPr>
               <a:t>EC2</a:t>
             </a:r>
-            <a:endParaRPr sz="1200">
+            <a:endParaRPr b="0" i="0" sz="1200" u="none" cap="none" strike="noStrike">
               <a:solidFill>
                 <a:schemeClr val="dk1"/>
               </a:solidFill>
+              <a:latin typeface="Arial"/>
+              <a:ea typeface="Arial"/>
+              <a:cs typeface="Arial"/>
+              <a:sym typeface="Arial"/>
             </a:endParaRPr>
           </a:p>
           <a:p>
@@ -22040,17 +19148,25 @@
               <a:buNone/>
             </a:pPr>
             <a:r>
-              <a:rPr lang="ja" sz="1200">
+              <a:rPr b="0" i="0" lang="ja" sz="1200" u="none" cap="none" strike="noStrike">
                 <a:solidFill>
                   <a:schemeClr val="dk1"/>
                 </a:solidFill>
+                <a:latin typeface="Arial"/>
+                <a:ea typeface="Arial"/>
+                <a:cs typeface="Arial"/>
+                <a:sym typeface="Arial"/>
               </a:rPr>
               <a:t>(AWS)</a:t>
             </a:r>
-            <a:endParaRPr sz="1200">
+            <a:endParaRPr b="0" i="0" sz="1200" u="none" cap="none" strike="noStrike">
               <a:solidFill>
                 <a:schemeClr val="dk1"/>
               </a:solidFill>
+              <a:latin typeface="Arial"/>
+              <a:ea typeface="Arial"/>
+              <a:cs typeface="Arial"/>
+              <a:sym typeface="Arial"/>
             </a:endParaRPr>
           </a:p>
         </p:txBody>
@@ -22218,7 +19334,7 @@
             <a:tbl>
               <a:tblPr bandRow="1" firstRow="1">
                 <a:noFill/>
-                <a:tableStyleId>{480A4CA3-39E3-40D8-ADC2-51BE01CABE9C}</a:tableStyleId>
+                <a:tableStyleId>{5C1A6C23-BA52-4BAB-9456-CA66EEC75524}</a:tableStyleId>
               </a:tblPr>
               <a:tblGrid>
                 <a:gridCol w="786425"/>
@@ -24363,7 +21479,7 @@
             <a:tbl>
               <a:tblPr bandRow="1" firstRow="1">
                 <a:noFill/>
-                <a:tableStyleId>{480A4CA3-39E3-40D8-ADC2-51BE01CABE9C}</a:tableStyleId>
+                <a:tableStyleId>{5C1A6C23-BA52-4BAB-9456-CA66EEC75524}</a:tableStyleId>
               </a:tblPr>
               <a:tblGrid>
                 <a:gridCol w="786425"/>
@@ -25439,7 +22555,7 @@
             <a:tbl>
               <a:tblPr bandRow="1" firstRow="1">
                 <a:noFill/>
-                <a:tableStyleId>{480A4CA3-39E3-40D8-ADC2-51BE01CABE9C}</a:tableStyleId>
+                <a:tableStyleId>{5C1A6C23-BA52-4BAB-9456-CA66EEC75524}</a:tableStyleId>
               </a:tblPr>
               <a:tblGrid>
                 <a:gridCol w="786425"/>
@@ -27596,7 +24712,7 @@
             <a:tbl>
               <a:tblPr bandRow="1" firstRow="1">
                 <a:noFill/>
-                <a:tableStyleId>{480A4CA3-39E3-40D8-ADC2-51BE01CABE9C}</a:tableStyleId>
+                <a:tableStyleId>{5C1A6C23-BA52-4BAB-9456-CA66EEC75524}</a:tableStyleId>
               </a:tblPr>
               <a:tblGrid>
                 <a:gridCol w="786425"/>
@@ -28652,7 +25768,7 @@
             <a:tbl>
               <a:tblPr bandRow="1" firstRow="1">
                 <a:noFill/>
-                <a:tableStyleId>{480A4CA3-39E3-40D8-ADC2-51BE01CABE9C}</a:tableStyleId>
+                <a:tableStyleId>{5C1A6C23-BA52-4BAB-9456-CA66EEC75524}</a:tableStyleId>
               </a:tblPr>
               <a:tblGrid>
                 <a:gridCol w="786425"/>
@@ -31262,7 +28378,7 @@
       </p:grpSpPr>
       <p:sp>
         <p:nvSpPr>
-          <p:cNvPr id="224" name="Google Shape;224;g7cf6fd3894_0_50"/>
+          <p:cNvPr id="224" name="Google Shape;224;g7cf6fd3894_0_70"/>
           <p:cNvSpPr txBox="1"/>
           <p:nvPr>
             <p:ph type="title"/>
@@ -31302,7 +28418,7 @@
             </a:pPr>
             <a:r>
               <a:rPr lang="ja" sz="1800"/>
-              <a:t>Marketoマイトークン更新ツール(NCC用)</a:t>
+              <a:t>Marketoメール配信履歴データ生成ツール</a:t>
             </a:r>
             <a:endParaRPr sz="1800"/>
           </a:p>
@@ -31310,13 +28426,13 @@
       </p:sp>
       <p:sp>
         <p:nvSpPr>
-          <p:cNvPr id="225" name="Google Shape;225;g7cf6fd3894_0_50"/>
+          <p:cNvPr id="225" name="Google Shape;225;g7cf6fd3894_0_70"/>
           <p:cNvSpPr txBox="1"/>
           <p:nvPr/>
         </p:nvSpPr>
         <p:spPr>
           <a:xfrm>
-            <a:off x="355249" y="727132"/>
+            <a:off x="355249" y="879532"/>
             <a:ext cx="8259900" cy="441900"/>
           </a:xfrm>
           <a:prstGeom prst="rect">
@@ -31360,7 +28476,7 @@
                 <a:cs typeface="Arial"/>
                 <a:sym typeface="Arial"/>
               </a:rPr>
-              <a:t>1日に1回指定時間に、NCCの新着情報/イベント/会員特典サイト情報(html)を取得します。</a:t>
+              <a:t>1日に1回指定時間に、MarketoのAPIを用いてメール配信履歴のデータを取得し、データベースに蓄積します。</a:t>
             </a:r>
             <a:endParaRPr b="0" i="0" sz="1200" u="none" cap="none" strike="noStrike">
               <a:solidFill>
@@ -31384,7 +28500,7 @@
                 <a:spcPts val="0"/>
               </a:spcAft>
               <a:buClr>
-                <a:schemeClr val="dk1"/>
+                <a:srgbClr val="000000"/>
               </a:buClr>
               <a:buSzPts val="1400"/>
               <a:buFont typeface="Arial"/>
@@ -31400,11 +28516,11 @@
                 <a:cs typeface="Arial"/>
                 <a:sym typeface="Arial"/>
               </a:rPr>
-              <a:t>取得情報はMarketoのマイトークンに差し込み、Marketoで配信するメール内容に設定します。</a:t>
+              <a:t>毎週金曜日に蓄積データを加工し、加工データをExcelに変換してEC2(画面)上でダウンロードします。</a:t>
             </a:r>
             <a:endParaRPr b="0" i="0" sz="1200" u="none" cap="none" strike="noStrike">
               <a:solidFill>
-                <a:srgbClr val="FF0000"/>
+                <a:srgbClr val="666666"/>
               </a:solidFill>
               <a:latin typeface="Arial"/>
               <a:ea typeface="Arial"/>
@@ -31412,107 +28528,19 @@
               <a:sym typeface="Arial"/>
             </a:endParaRPr>
           </a:p>
-        </p:txBody>
-      </p:sp>
-      <p:cxnSp>
-        <p:nvCxnSpPr>
-          <p:cNvPr id="226" name="Google Shape;226;g7cf6fd3894_0_50"/>
-          <p:cNvCxnSpPr/>
-          <p:nvPr/>
-        </p:nvCxnSpPr>
-        <p:spPr>
-          <a:xfrm>
-            <a:off x="5121261" y="2424017"/>
-            <a:ext cx="7800" cy="856500"/>
-          </a:xfrm>
-          <a:prstGeom prst="straightConnector1">
-            <a:avLst/>
-          </a:prstGeom>
-          <a:noFill/>
-          <a:ln cap="flat" cmpd="sng" w="9525">
-            <a:solidFill>
-              <a:schemeClr val="dk2"/>
-            </a:solidFill>
-            <a:prstDash val="solid"/>
-            <a:round/>
-            <a:headEnd len="sm" w="sm" type="none"/>
-            <a:tailEnd len="med" w="med" type="triangle"/>
-          </a:ln>
-        </p:spPr>
-      </p:cxnSp>
-      <p:cxnSp>
-        <p:nvCxnSpPr>
-          <p:cNvPr id="227" name="Google Shape;227;g7cf6fd3894_0_50"/>
-          <p:cNvCxnSpPr/>
-          <p:nvPr/>
-        </p:nvCxnSpPr>
-        <p:spPr>
-          <a:xfrm rot="10800000">
-            <a:off x="3914361" y="2439492"/>
-            <a:ext cx="0" cy="846000"/>
-          </a:xfrm>
-          <a:prstGeom prst="straightConnector1">
-            <a:avLst/>
-          </a:prstGeom>
-          <a:noFill/>
-          <a:ln cap="flat" cmpd="sng" w="9525">
-            <a:solidFill>
-              <a:schemeClr val="dk2"/>
-            </a:solidFill>
-            <a:prstDash val="solid"/>
-            <a:round/>
-            <a:headEnd len="sm" w="sm" type="none"/>
-            <a:tailEnd len="med" w="med" type="triangle"/>
-          </a:ln>
-        </p:spPr>
-      </p:cxnSp>
-      <p:sp>
-        <p:nvSpPr>
-          <p:cNvPr id="228" name="Google Shape;228;g7cf6fd3894_0_50"/>
-          <p:cNvSpPr/>
-          <p:nvPr/>
-        </p:nvSpPr>
-        <p:spPr>
-          <a:xfrm>
-            <a:off x="3687460" y="1526642"/>
-            <a:ext cx="1728000" cy="912900"/>
-          </a:xfrm>
-          <a:prstGeom prst="roundRect">
-            <a:avLst>
-              <a:gd fmla="val 16667" name="adj"/>
-            </a:avLst>
-          </a:prstGeom>
-          <a:solidFill>
-            <a:schemeClr val="lt2"/>
-          </a:solidFill>
-          <a:ln cap="flat" cmpd="sng" w="9525">
-            <a:solidFill>
-              <a:schemeClr val="dk2"/>
-            </a:solidFill>
-            <a:prstDash val="solid"/>
-            <a:round/>
-            <a:headEnd len="sm" w="sm" type="none"/>
-            <a:tailEnd len="sm" w="sm" type="none"/>
-          </a:ln>
-        </p:spPr>
-        <p:txBody>
-          <a:bodyPr anchorCtr="0" anchor="ctr" bIns="91425" lIns="91425" spcFirstLastPara="1" rIns="91425" wrap="square" tIns="91425">
-            <a:noAutofit/>
-          </a:bodyPr>
-          <a:lstStyle/>
-          <a:p>
-            <a:pPr indent="0" lvl="0" marL="0" marR="0" rtl="0" algn="ctr">
-              <a:lnSpc>
-                <a:spcPct val="100000"/>
-              </a:lnSpc>
-              <a:spcBef>
-                <a:spcPts val="0"/>
-              </a:spcBef>
-              <a:spcAft>
-                <a:spcPts val="0"/>
-              </a:spcAft>
-              <a:buClr>
-                <a:srgbClr val="000000"/>
+          <a:p>
+            <a:pPr indent="0" lvl="0" marL="0" marR="0" rtl="0" algn="l">
+              <a:lnSpc>
+                <a:spcPct val="100000"/>
+              </a:lnSpc>
+              <a:spcBef>
+                <a:spcPts val="0"/>
+              </a:spcBef>
+              <a:spcAft>
+                <a:spcPts val="0"/>
+              </a:spcAft>
+              <a:buClr>
+                <a:schemeClr val="dk1"/>
               </a:buClr>
               <a:buSzPts val="1400"/>
               <a:buFont typeface="Arial"/>
@@ -31521,18 +28549,18 @@
             <a:r>
               <a:rPr b="0" i="0" lang="ja" sz="1200" u="none" cap="none" strike="noStrike">
                 <a:solidFill>
-                  <a:schemeClr val="dk1"/>
+                  <a:srgbClr val="666666"/>
                 </a:solidFill>
                 <a:latin typeface="Arial"/>
                 <a:ea typeface="Arial"/>
                 <a:cs typeface="Arial"/>
                 <a:sym typeface="Arial"/>
               </a:rPr>
-              <a:t>NCCの各サイト</a:t>
+              <a:t>ダウンロードデータはメール配信履歴確認用として利用します。</a:t>
             </a:r>
             <a:endParaRPr b="0" i="0" sz="1200" u="none" cap="none" strike="noStrike">
               <a:solidFill>
-                <a:schemeClr val="dk1"/>
+                <a:srgbClr val="666666"/>
               </a:solidFill>
               <a:latin typeface="Arial"/>
               <a:ea typeface="Arial"/>
@@ -31541,18 +28569,18 @@
             </a:endParaRPr>
           </a:p>
           <a:p>
-            <a:pPr indent="0" lvl="0" marL="0" marR="0" rtl="0" algn="ctr">
-              <a:lnSpc>
-                <a:spcPct val="100000"/>
-              </a:lnSpc>
-              <a:spcBef>
-                <a:spcPts val="0"/>
-              </a:spcBef>
-              <a:spcAft>
-                <a:spcPts val="0"/>
-              </a:spcAft>
-              <a:buClr>
-                <a:srgbClr val="000000"/>
+            <a:pPr indent="0" lvl="0" marL="0" marR="0" rtl="0" algn="l">
+              <a:lnSpc>
+                <a:spcPct val="100000"/>
+              </a:lnSpc>
+              <a:spcBef>
+                <a:spcPts val="0"/>
+              </a:spcBef>
+              <a:spcAft>
+                <a:spcPts val="0"/>
+              </a:spcAft>
+              <a:buClr>
+                <a:schemeClr val="dk1"/>
               </a:buClr>
               <a:buSzPts val="1400"/>
               <a:buFont typeface="Arial"/>
@@ -31561,18 +28589,18 @@
             <a:r>
               <a:rPr b="0" i="0" lang="ja" sz="1200" u="none" cap="none" strike="noStrike">
                 <a:solidFill>
-                  <a:schemeClr val="dk1"/>
+                  <a:srgbClr val="666666"/>
                 </a:solidFill>
                 <a:latin typeface="Arial"/>
                 <a:ea typeface="Arial"/>
                 <a:cs typeface="Arial"/>
                 <a:sym typeface="Arial"/>
               </a:rPr>
-              <a:t>(Web)</a:t>
+              <a:t>※ツールにBasic認証(パスワード複雑化)、IP制限設定済み。</a:t>
             </a:r>
             <a:endParaRPr b="0" i="0" sz="1200" u="none" cap="none" strike="noStrike">
               <a:solidFill>
-                <a:srgbClr val="000000"/>
+                <a:srgbClr val="666666"/>
               </a:solidFill>
               <a:latin typeface="Arial"/>
               <a:ea typeface="Arial"/>
@@ -31582,560 +28610,14 @@
           </a:p>
         </p:txBody>
       </p:sp>
-      <p:sp>
-        <p:nvSpPr>
-          <p:cNvPr id="229" name="Google Shape;229;g7cf6fd3894_0_50"/>
-          <p:cNvSpPr/>
-          <p:nvPr/>
-        </p:nvSpPr>
-        <p:spPr>
-          <a:xfrm>
-            <a:off x="3687460" y="3285392"/>
-            <a:ext cx="1728000" cy="912900"/>
-          </a:xfrm>
-          <a:prstGeom prst="roundRect">
-            <a:avLst>
-              <a:gd fmla="val 16667" name="adj"/>
-            </a:avLst>
-          </a:prstGeom>
-          <a:solidFill>
-            <a:schemeClr val="lt2"/>
-          </a:solidFill>
-          <a:ln cap="flat" cmpd="sng" w="9525">
-            <a:solidFill>
-              <a:schemeClr val="dk2"/>
-            </a:solidFill>
-            <a:prstDash val="solid"/>
-            <a:round/>
-            <a:headEnd len="sm" w="sm" type="none"/>
-            <a:tailEnd len="sm" w="sm" type="none"/>
-          </a:ln>
-        </p:spPr>
-        <p:txBody>
-          <a:bodyPr anchorCtr="0" anchor="ctr" bIns="91425" lIns="91425" spcFirstLastPara="1" rIns="91425" wrap="square" tIns="91425">
-            <a:noAutofit/>
-          </a:bodyPr>
-          <a:lstStyle/>
-          <a:p>
-            <a:pPr indent="0" lvl="0" marL="0" marR="0" rtl="0" algn="ctr">
-              <a:lnSpc>
-                <a:spcPct val="100000"/>
-              </a:lnSpc>
-              <a:spcBef>
-                <a:spcPts val="0"/>
-              </a:spcBef>
-              <a:spcAft>
-                <a:spcPts val="0"/>
-              </a:spcAft>
-              <a:buClr>
-                <a:srgbClr val="000000"/>
-              </a:buClr>
-              <a:buSzPts val="1400"/>
-              <a:buFont typeface="Arial"/>
-              <a:buNone/>
-            </a:pPr>
-            <a:r>
-              <a:rPr b="0" i="0" lang="ja" sz="1200" u="none" cap="none" strike="noStrike">
-                <a:solidFill>
-                  <a:schemeClr val="dk1"/>
-                </a:solidFill>
-                <a:latin typeface="Arial"/>
-                <a:ea typeface="Arial"/>
-                <a:cs typeface="Arial"/>
-                <a:sym typeface="Arial"/>
-              </a:rPr>
-              <a:t>EC2</a:t>
-            </a:r>
-            <a:endParaRPr b="0" i="0" sz="1200" u="none" cap="none" strike="noStrike">
-              <a:solidFill>
-                <a:schemeClr val="dk1"/>
-              </a:solidFill>
-              <a:latin typeface="Arial"/>
-              <a:ea typeface="Arial"/>
-              <a:cs typeface="Arial"/>
-              <a:sym typeface="Arial"/>
-            </a:endParaRPr>
-          </a:p>
-          <a:p>
-            <a:pPr indent="0" lvl="0" marL="0" marR="0" rtl="0" algn="ctr">
-              <a:lnSpc>
-                <a:spcPct val="100000"/>
-              </a:lnSpc>
-              <a:spcBef>
-                <a:spcPts val="0"/>
-              </a:spcBef>
-              <a:spcAft>
-                <a:spcPts val="0"/>
-              </a:spcAft>
-              <a:buClr>
-                <a:srgbClr val="000000"/>
-              </a:buClr>
-              <a:buSzPts val="1400"/>
-              <a:buFont typeface="Arial"/>
-              <a:buNone/>
-            </a:pPr>
-            <a:r>
-              <a:rPr b="0" i="0" lang="ja" sz="1200" u="none" cap="none" strike="noStrike">
-                <a:solidFill>
-                  <a:schemeClr val="dk1"/>
-                </a:solidFill>
-                <a:latin typeface="Arial"/>
-                <a:ea typeface="Arial"/>
-                <a:cs typeface="Arial"/>
-                <a:sym typeface="Arial"/>
-              </a:rPr>
-              <a:t>(AWS)</a:t>
-            </a:r>
-            <a:endParaRPr b="0" i="0" sz="1200" u="none" cap="none" strike="noStrike">
-              <a:solidFill>
-                <a:srgbClr val="000000"/>
-              </a:solidFill>
-              <a:latin typeface="Arial"/>
-              <a:ea typeface="Arial"/>
-              <a:cs typeface="Arial"/>
-              <a:sym typeface="Arial"/>
-            </a:endParaRPr>
-          </a:p>
-        </p:txBody>
-      </p:sp>
-      <p:sp>
-        <p:nvSpPr>
-          <p:cNvPr id="230" name="Google Shape;230;g7cf6fd3894_0_50"/>
-          <p:cNvSpPr/>
-          <p:nvPr/>
-        </p:nvSpPr>
-        <p:spPr>
-          <a:xfrm>
-            <a:off x="7004186" y="3280367"/>
-            <a:ext cx="1728000" cy="912900"/>
-          </a:xfrm>
-          <a:prstGeom prst="roundRect">
-            <a:avLst>
-              <a:gd fmla="val 16667" name="adj"/>
-            </a:avLst>
-          </a:prstGeom>
-          <a:solidFill>
-            <a:schemeClr val="lt2"/>
-          </a:solidFill>
-          <a:ln cap="flat" cmpd="sng" w="9525">
-            <a:solidFill>
-              <a:schemeClr val="dk2"/>
-            </a:solidFill>
-            <a:prstDash val="solid"/>
-            <a:round/>
-            <a:headEnd len="sm" w="sm" type="none"/>
-            <a:tailEnd len="sm" w="sm" type="none"/>
-          </a:ln>
-        </p:spPr>
-        <p:txBody>
-          <a:bodyPr anchorCtr="0" anchor="ctr" bIns="91425" lIns="91425" spcFirstLastPara="1" rIns="91425" wrap="square" tIns="91425">
-            <a:noAutofit/>
-          </a:bodyPr>
-          <a:lstStyle/>
-          <a:p>
-            <a:pPr indent="0" lvl="0" marL="0" marR="0" rtl="0" algn="ctr">
-              <a:lnSpc>
-                <a:spcPct val="100000"/>
-              </a:lnSpc>
-              <a:spcBef>
-                <a:spcPts val="0"/>
-              </a:spcBef>
-              <a:spcAft>
-                <a:spcPts val="0"/>
-              </a:spcAft>
-              <a:buClr>
-                <a:srgbClr val="000000"/>
-              </a:buClr>
-              <a:buSzPts val="1400"/>
-              <a:buFont typeface="Arial"/>
-              <a:buNone/>
-            </a:pPr>
-            <a:r>
-              <a:rPr b="0" i="0" lang="ja" sz="1200" u="none" cap="none" strike="noStrike">
-                <a:solidFill>
-                  <a:schemeClr val="dk1"/>
-                </a:solidFill>
-                <a:latin typeface="Arial"/>
-                <a:ea typeface="Arial"/>
-                <a:cs typeface="Arial"/>
-                <a:sym typeface="Arial"/>
-              </a:rPr>
-              <a:t>マイトークン</a:t>
-            </a:r>
-            <a:endParaRPr b="0" i="0" sz="1200" u="none" cap="none" strike="noStrike">
-              <a:solidFill>
-                <a:schemeClr val="dk1"/>
-              </a:solidFill>
-              <a:latin typeface="Arial"/>
-              <a:ea typeface="Arial"/>
-              <a:cs typeface="Arial"/>
-              <a:sym typeface="Arial"/>
-            </a:endParaRPr>
-          </a:p>
-          <a:p>
-            <a:pPr indent="0" lvl="0" marL="0" marR="0" rtl="0" algn="ctr">
-              <a:lnSpc>
-                <a:spcPct val="100000"/>
-              </a:lnSpc>
-              <a:spcBef>
-                <a:spcPts val="0"/>
-              </a:spcBef>
-              <a:spcAft>
-                <a:spcPts val="0"/>
-              </a:spcAft>
-              <a:buClr>
-                <a:srgbClr val="000000"/>
-              </a:buClr>
-              <a:buSzPts val="1400"/>
-              <a:buFont typeface="Arial"/>
-              <a:buNone/>
-            </a:pPr>
-            <a:r>
-              <a:rPr b="0" i="0" lang="ja" sz="1200" u="none" cap="none" strike="noStrike">
-                <a:solidFill>
-                  <a:schemeClr val="dk1"/>
-                </a:solidFill>
-                <a:latin typeface="Arial"/>
-                <a:ea typeface="Arial"/>
-                <a:cs typeface="Arial"/>
-                <a:sym typeface="Arial"/>
-              </a:rPr>
-              <a:t>(Marketo)</a:t>
-            </a:r>
-            <a:endParaRPr b="0" i="0" sz="1200" u="none" cap="none" strike="noStrike">
-              <a:solidFill>
-                <a:schemeClr val="dk1"/>
-              </a:solidFill>
-              <a:latin typeface="Arial"/>
-              <a:ea typeface="Arial"/>
-              <a:cs typeface="Arial"/>
-              <a:sym typeface="Arial"/>
-            </a:endParaRPr>
-          </a:p>
-        </p:txBody>
-      </p:sp>
-      <p:cxnSp>
-        <p:nvCxnSpPr>
-          <p:cNvPr id="231" name="Google Shape;231;g7cf6fd3894_0_50"/>
-          <p:cNvCxnSpPr/>
-          <p:nvPr/>
-        </p:nvCxnSpPr>
-        <p:spPr>
-          <a:xfrm flipH="1" rot="10800000">
-            <a:off x="5415460" y="3736742"/>
-            <a:ext cx="1588800" cy="5100"/>
-          </a:xfrm>
-          <a:prstGeom prst="straightConnector1">
-            <a:avLst/>
-          </a:prstGeom>
-          <a:noFill/>
-          <a:ln cap="flat" cmpd="sng" w="9525">
-            <a:solidFill>
-              <a:schemeClr val="dk2"/>
-            </a:solidFill>
-            <a:prstDash val="solid"/>
-            <a:round/>
-            <a:headEnd len="sm" w="sm" type="none"/>
-            <a:tailEnd len="med" w="med" type="triangle"/>
-          </a:ln>
-        </p:spPr>
-      </p:cxnSp>
-      <p:sp>
-        <p:nvSpPr>
-          <p:cNvPr id="232" name="Google Shape;232;g7cf6fd3894_0_50"/>
-          <p:cNvSpPr/>
-          <p:nvPr/>
-        </p:nvSpPr>
-        <p:spPr>
-          <a:xfrm>
-            <a:off x="6017723" y="3571649"/>
-            <a:ext cx="324000" cy="324000"/>
-          </a:xfrm>
-          <a:prstGeom prst="ellipse">
-            <a:avLst/>
-          </a:prstGeom>
-          <a:solidFill>
-            <a:srgbClr val="9FC5E8"/>
-          </a:solidFill>
-          <a:ln cap="flat" cmpd="sng" w="9525">
-            <a:solidFill>
-              <a:schemeClr val="dk2"/>
-            </a:solidFill>
-            <a:prstDash val="solid"/>
-            <a:round/>
-            <a:headEnd len="sm" w="sm" type="none"/>
-            <a:tailEnd len="sm" w="sm" type="none"/>
-          </a:ln>
-        </p:spPr>
-        <p:txBody>
-          <a:bodyPr anchorCtr="0" anchor="ctr" bIns="91425" lIns="91425" spcFirstLastPara="1" rIns="91425" wrap="square" tIns="91425">
-            <a:noAutofit/>
-          </a:bodyPr>
-          <a:lstStyle/>
-          <a:p>
-            <a:pPr indent="0" lvl="0" marL="0" marR="0" rtl="0" algn="ctr">
-              <a:lnSpc>
-                <a:spcPct val="100000"/>
-              </a:lnSpc>
-              <a:spcBef>
-                <a:spcPts val="0"/>
-              </a:spcBef>
-              <a:spcAft>
-                <a:spcPts val="0"/>
-              </a:spcAft>
-              <a:buClr>
-                <a:srgbClr val="000000"/>
-              </a:buClr>
-              <a:buSzPts val="1400"/>
-              <a:buFont typeface="Arial"/>
-              <a:buNone/>
-            </a:pPr>
-            <a:r>
-              <a:rPr b="0" i="0" lang="ja" sz="1400" u="none" cap="none" strike="noStrike">
-                <a:solidFill>
-                  <a:srgbClr val="000000"/>
-                </a:solidFill>
-                <a:latin typeface="Arial"/>
-                <a:ea typeface="Arial"/>
-                <a:cs typeface="Arial"/>
-                <a:sym typeface="Arial"/>
-              </a:rPr>
-              <a:t>3</a:t>
-            </a:r>
-            <a:endParaRPr b="0" i="0" sz="1400" u="none" cap="none" strike="noStrike">
-              <a:solidFill>
-                <a:srgbClr val="000000"/>
-              </a:solidFill>
-              <a:latin typeface="Arial"/>
-              <a:ea typeface="Arial"/>
-              <a:cs typeface="Arial"/>
-              <a:sym typeface="Arial"/>
-            </a:endParaRPr>
-          </a:p>
-        </p:txBody>
-      </p:sp>
-      <p:sp>
-        <p:nvSpPr>
-          <p:cNvPr id="233" name="Google Shape;233;g7cf6fd3894_0_50"/>
-          <p:cNvSpPr txBox="1"/>
-          <p:nvPr/>
-        </p:nvSpPr>
-        <p:spPr>
-          <a:xfrm>
-            <a:off x="5664473" y="3883314"/>
-            <a:ext cx="1030500" cy="375600"/>
-          </a:xfrm>
-          <a:prstGeom prst="rect">
-            <a:avLst/>
-          </a:prstGeom>
-          <a:noFill/>
-          <a:ln>
-            <a:noFill/>
-          </a:ln>
-        </p:spPr>
-        <p:txBody>
-          <a:bodyPr anchorCtr="0" anchor="t" bIns="91425" lIns="91425" spcFirstLastPara="1" rIns="91425" wrap="square" tIns="91425">
-            <a:noAutofit/>
-          </a:bodyPr>
-          <a:lstStyle/>
-          <a:p>
-            <a:pPr indent="0" lvl="0" marL="0" marR="0" rtl="0" algn="ctr">
-              <a:lnSpc>
-                <a:spcPct val="100000"/>
-              </a:lnSpc>
-              <a:spcBef>
-                <a:spcPts val="0"/>
-              </a:spcBef>
-              <a:spcAft>
-                <a:spcPts val="0"/>
-              </a:spcAft>
-              <a:buClr>
-                <a:srgbClr val="000000"/>
-              </a:buClr>
-              <a:buSzPts val="1100"/>
-              <a:buFont typeface="Arial"/>
-              <a:buNone/>
-            </a:pPr>
-            <a:r>
-              <a:rPr b="0" i="0" lang="ja" sz="1100" u="none" cap="none" strike="noStrike">
-                <a:solidFill>
-                  <a:schemeClr val="dk1"/>
-                </a:solidFill>
-                <a:latin typeface="Arial"/>
-                <a:ea typeface="Arial"/>
-                <a:cs typeface="Arial"/>
-                <a:sym typeface="Arial"/>
-              </a:rPr>
-              <a:t>データ保管</a:t>
-            </a:r>
-            <a:endParaRPr b="0" i="0" sz="1400" u="none" cap="none" strike="noStrike">
-              <a:solidFill>
-                <a:srgbClr val="000000"/>
-              </a:solidFill>
-              <a:latin typeface="Arial"/>
-              <a:ea typeface="Arial"/>
-              <a:cs typeface="Arial"/>
-              <a:sym typeface="Arial"/>
-            </a:endParaRPr>
-          </a:p>
-        </p:txBody>
-      </p:sp>
-      <p:sp>
-        <p:nvSpPr>
-          <p:cNvPr id="234" name="Google Shape;234;g7cf6fd3894_0_50"/>
-          <p:cNvSpPr/>
-          <p:nvPr/>
-        </p:nvSpPr>
-        <p:spPr>
-          <a:xfrm>
-            <a:off x="4959423" y="2693229"/>
-            <a:ext cx="324000" cy="324000"/>
-          </a:xfrm>
-          <a:prstGeom prst="ellipse">
-            <a:avLst/>
-          </a:prstGeom>
-          <a:solidFill>
-            <a:srgbClr val="9FC5E8"/>
-          </a:solidFill>
-          <a:ln cap="flat" cmpd="sng" w="9525">
-            <a:solidFill>
-              <a:schemeClr val="dk2"/>
-            </a:solidFill>
-            <a:prstDash val="solid"/>
-            <a:round/>
-            <a:headEnd len="sm" w="sm" type="none"/>
-            <a:tailEnd len="sm" w="sm" type="none"/>
-          </a:ln>
-        </p:spPr>
-        <p:txBody>
-          <a:bodyPr anchorCtr="0" anchor="ctr" bIns="91425" lIns="91425" spcFirstLastPara="1" rIns="91425" wrap="square" tIns="91425">
-            <a:noAutofit/>
-          </a:bodyPr>
-          <a:lstStyle/>
-          <a:p>
-            <a:pPr indent="0" lvl="0" marL="0" marR="0" rtl="0" algn="ctr">
-              <a:lnSpc>
-                <a:spcPct val="100000"/>
-              </a:lnSpc>
-              <a:spcBef>
-                <a:spcPts val="0"/>
-              </a:spcBef>
-              <a:spcAft>
-                <a:spcPts val="0"/>
-              </a:spcAft>
-              <a:buClr>
-                <a:srgbClr val="000000"/>
-              </a:buClr>
-              <a:buSzPts val="1400"/>
-              <a:buFont typeface="Arial"/>
-              <a:buNone/>
-            </a:pPr>
-            <a:r>
-              <a:rPr b="0" i="0" lang="ja" sz="1400" u="none" cap="none" strike="noStrike">
-                <a:solidFill>
-                  <a:srgbClr val="000000"/>
-                </a:solidFill>
-                <a:latin typeface="Arial"/>
-                <a:ea typeface="Arial"/>
-                <a:cs typeface="Arial"/>
-                <a:sym typeface="Arial"/>
-              </a:rPr>
-              <a:t>2</a:t>
-            </a:r>
-            <a:endParaRPr b="0" i="0" sz="1400" u="none" cap="none" strike="noStrike">
-              <a:solidFill>
-                <a:srgbClr val="000000"/>
-              </a:solidFill>
-              <a:latin typeface="Arial"/>
-              <a:ea typeface="Arial"/>
-              <a:cs typeface="Arial"/>
-              <a:sym typeface="Arial"/>
-            </a:endParaRPr>
-          </a:p>
-        </p:txBody>
-      </p:sp>
-      <p:sp>
-        <p:nvSpPr>
-          <p:cNvPr id="235" name="Google Shape;235;g7cf6fd3894_0_50"/>
-          <p:cNvSpPr/>
-          <p:nvPr/>
-        </p:nvSpPr>
-        <p:spPr>
-          <a:xfrm>
-            <a:off x="3749747" y="2693229"/>
-            <a:ext cx="324000" cy="324000"/>
-          </a:xfrm>
-          <a:prstGeom prst="ellipse">
-            <a:avLst/>
-          </a:prstGeom>
-          <a:solidFill>
-            <a:srgbClr val="9FC5E8"/>
-          </a:solidFill>
-          <a:ln cap="flat" cmpd="sng" w="9525">
-            <a:solidFill>
-              <a:schemeClr val="dk2"/>
-            </a:solidFill>
-            <a:prstDash val="solid"/>
-            <a:round/>
-            <a:headEnd len="sm" w="sm" type="none"/>
-            <a:tailEnd len="sm" w="sm" type="none"/>
-          </a:ln>
-        </p:spPr>
-        <p:txBody>
-          <a:bodyPr anchorCtr="0" anchor="ctr" bIns="91425" lIns="91425" spcFirstLastPara="1" rIns="91425" wrap="square" tIns="91425">
-            <a:noAutofit/>
-          </a:bodyPr>
-          <a:lstStyle/>
-          <a:p>
-            <a:pPr indent="0" lvl="0" marL="0" marR="0" rtl="0" algn="ctr">
-              <a:lnSpc>
-                <a:spcPct val="100000"/>
-              </a:lnSpc>
-              <a:spcBef>
-                <a:spcPts val="0"/>
-              </a:spcBef>
-              <a:spcAft>
-                <a:spcPts val="0"/>
-              </a:spcAft>
-              <a:buClr>
-                <a:srgbClr val="000000"/>
-              </a:buClr>
-              <a:buSzPts val="1400"/>
-              <a:buFont typeface="Arial"/>
-              <a:buNone/>
-            </a:pPr>
-            <a:r>
-              <a:rPr b="0" i="0" lang="ja" sz="1400" u="none" cap="none" strike="noStrike">
-                <a:solidFill>
-                  <a:srgbClr val="000000"/>
-                </a:solidFill>
-                <a:latin typeface="Arial"/>
-                <a:ea typeface="Arial"/>
-                <a:cs typeface="Arial"/>
-                <a:sym typeface="Arial"/>
-              </a:rPr>
-              <a:t>1</a:t>
-            </a:r>
-            <a:endParaRPr b="0" i="0" sz="1400" u="none" cap="none" strike="noStrike">
-              <a:solidFill>
-                <a:srgbClr val="000000"/>
-              </a:solidFill>
-              <a:latin typeface="Arial"/>
-              <a:ea typeface="Arial"/>
-              <a:cs typeface="Arial"/>
-              <a:sym typeface="Arial"/>
-            </a:endParaRPr>
-          </a:p>
-        </p:txBody>
-      </p:sp>
       <p:graphicFrame>
         <p:nvGraphicFramePr>
-          <p:cNvPr id="236" name="Google Shape;236;g7cf6fd3894_0_50"/>
+          <p:cNvPr id="226" name="Google Shape;226;g7cf6fd3894_0_70"/>
           <p:cNvGraphicFramePr/>
           <p:nvPr/>
         </p:nvGraphicFramePr>
         <p:xfrm>
-          <a:off x="471984" y="1536167"/>
+          <a:off x="471984" y="1612367"/>
           <a:ext cx="3000000" cy="3000000"/>
         </p:xfrm>
         <a:graphic>
@@ -32143,7 +28625,7 @@
             <a:tbl>
               <a:tblPr bandRow="1" firstRow="1">
                 <a:noFill/>
-                <a:tableStyleId>{480A4CA3-39E3-40D8-ADC2-51BE01CABE9C}</a:tableStyleId>
+                <a:tableStyleId>{5C1A6C23-BA52-4BAB-9456-CA66EEC75524}</a:tableStyleId>
               </a:tblPr>
               <a:tblGrid>
                 <a:gridCol w="786425"/>
@@ -32242,7 +28724,7 @@
                       </a:pPr>
                       <a:r>
                         <a:rPr lang="ja" sz="1000" u="none" cap="none" strike="noStrike"/>
-                        <a:t>なし</a:t>
+                        <a:t>あり</a:t>
                       </a:r>
                       <a:endParaRPr sz="1000" u="none" cap="none" strike="noStrike"/>
                     </a:p>
@@ -32431,13 +28913,13 @@
       </p:graphicFrame>
       <p:sp>
         <p:nvSpPr>
-          <p:cNvPr id="237" name="Google Shape;237;g7cf6fd3894_0_50"/>
+          <p:cNvPr id="227" name="Google Shape;227;g7cf6fd3894_0_70"/>
           <p:cNvSpPr txBox="1"/>
           <p:nvPr/>
         </p:nvSpPr>
         <p:spPr>
           <a:xfrm>
-            <a:off x="407329" y="2164074"/>
+            <a:off x="407329" y="2240274"/>
             <a:ext cx="2806500" cy="1674000"/>
           </a:xfrm>
           <a:prstGeom prst="rect">
@@ -32465,7 +28947,7 @@
                 <a:spcPts val="0"/>
               </a:spcAft>
               <a:buClr>
-                <a:srgbClr val="000000"/>
+                <a:schemeClr val="dk1"/>
               </a:buClr>
               <a:buSzPts val="1100"/>
               <a:buFont typeface="Arial"/>
@@ -32481,7 +28963,7 @@
                 <a:cs typeface="Arial"/>
                 <a:sym typeface="Arial"/>
               </a:rPr>
-              <a:t>NCCの各サイトから取得するデータ</a:t>
+              <a:t>Marketoから取得するデータ</a:t>
             </a:r>
             <a:endParaRPr b="0" i="0" sz="1000" u="none" cap="none" strike="noStrike">
               <a:solidFill>
@@ -32505,7 +28987,7 @@
                 <a:spcPts val="0"/>
               </a:spcAft>
               <a:buClr>
-                <a:srgbClr val="000000"/>
+                <a:schemeClr val="dk1"/>
               </a:buClr>
               <a:buSzPts val="1100"/>
               <a:buFont typeface="Arial"/>
@@ -32521,7 +29003,7 @@
                 <a:cs typeface="Arial"/>
                 <a:sym typeface="Arial"/>
               </a:rPr>
-              <a:t>マイトークン（Marketo）に保管するデータ</a:t>
+              <a:t>Excelに出力するデータ</a:t>
             </a:r>
             <a:endParaRPr b="0" i="0" sz="1000" u="none" cap="none" strike="noStrike">
               <a:solidFill>
@@ -32561,7 +29043,7 @@
                 <a:cs typeface="Arial"/>
                 <a:sym typeface="Arial"/>
               </a:rPr>
-              <a:t>・記事タイトル</a:t>
+              <a:t>・物件コード</a:t>
             </a:r>
             <a:endParaRPr b="0" i="0" sz="1000" u="none" cap="none" strike="noStrike">
               <a:solidFill>
@@ -32601,7 +29083,7 @@
                 <a:cs typeface="Arial"/>
                 <a:sym typeface="Arial"/>
               </a:rPr>
-              <a:t>・記事詳細内容</a:t>
+              <a:t>・物件名</a:t>
             </a:r>
             <a:endParaRPr b="0" i="0" sz="1000" u="none" cap="none" strike="noStrike">
               <a:solidFill>
@@ -32641,7 +29123,47 @@
                 <a:cs typeface="Arial"/>
                 <a:sym typeface="Arial"/>
               </a:rPr>
-              <a:t>・画像URL</a:t>
+              <a:t>・顧客メールアドレス</a:t>
+            </a:r>
+            <a:endParaRPr b="0" i="0" sz="1000" u="none" cap="none" strike="noStrike">
+              <a:solidFill>
+                <a:srgbClr val="FF0000"/>
+              </a:solidFill>
+              <a:latin typeface="Arial"/>
+              <a:ea typeface="Arial"/>
+              <a:cs typeface="Arial"/>
+              <a:sym typeface="Arial"/>
+            </a:endParaRPr>
+          </a:p>
+          <a:p>
+            <a:pPr indent="0" lvl="0" marL="0" marR="0" rtl="0" algn="l">
+              <a:lnSpc>
+                <a:spcPct val="100000"/>
+              </a:lnSpc>
+              <a:spcBef>
+                <a:spcPts val="0"/>
+              </a:spcBef>
+              <a:spcAft>
+                <a:spcPts val="0"/>
+              </a:spcAft>
+              <a:buClr>
+                <a:schemeClr val="dk1"/>
+              </a:buClr>
+              <a:buSzPts val="1100"/>
+              <a:buFont typeface="Arial"/>
+              <a:buNone/>
+            </a:pPr>
+            <a:r>
+              <a:rPr b="0" i="0" lang="ja" sz="1000" u="none" cap="none" strike="noStrike">
+                <a:solidFill>
+                  <a:schemeClr val="dk1"/>
+                </a:solidFill>
+                <a:latin typeface="Arial"/>
+                <a:ea typeface="Arial"/>
+                <a:cs typeface="Arial"/>
+                <a:sym typeface="Arial"/>
+              </a:rPr>
+              <a:t>・メール配信日</a:t>
             </a:r>
             <a:endParaRPr b="0" i="0" sz="1000" u="none" cap="none" strike="noStrike">
               <a:solidFill>
@@ -32681,7 +29203,7 @@
                 <a:cs typeface="Arial"/>
                 <a:sym typeface="Arial"/>
               </a:rPr>
-              <a:t>・リンクURLなど</a:t>
+              <a:t>・履歴タイトル</a:t>
             </a:r>
             <a:endParaRPr b="0" i="0" sz="1000" u="none" cap="none" strike="noStrike">
               <a:solidFill>
@@ -32693,11 +29215,94 @@
               <a:sym typeface="Arial"/>
             </a:endParaRPr>
           </a:p>
+          <a:p>
+            <a:pPr indent="0" lvl="0" marL="0" marR="0" rtl="0" algn="l">
+              <a:lnSpc>
+                <a:spcPct val="100000"/>
+              </a:lnSpc>
+              <a:spcBef>
+                <a:spcPts val="0"/>
+              </a:spcBef>
+              <a:spcAft>
+                <a:spcPts val="0"/>
+              </a:spcAft>
+              <a:buClr>
+                <a:schemeClr val="dk1"/>
+              </a:buClr>
+              <a:buSzPts val="1100"/>
+              <a:buFont typeface="Arial"/>
+              <a:buNone/>
+            </a:pPr>
+            <a:r>
+              <a:t/>
+            </a:r>
+            <a:endParaRPr b="0" i="0" sz="1000" u="none" cap="none" strike="noStrike">
+              <a:solidFill>
+                <a:schemeClr val="dk1"/>
+              </a:solidFill>
+              <a:latin typeface="Arial"/>
+              <a:ea typeface="Arial"/>
+              <a:cs typeface="Arial"/>
+              <a:sym typeface="Arial"/>
+            </a:endParaRPr>
+          </a:p>
+          <a:p>
+            <a:pPr indent="0" lvl="0" marL="0" marR="0" rtl="0" algn="l">
+              <a:lnSpc>
+                <a:spcPct val="100000"/>
+              </a:lnSpc>
+              <a:spcBef>
+                <a:spcPts val="0"/>
+              </a:spcBef>
+              <a:spcAft>
+                <a:spcPts val="0"/>
+              </a:spcAft>
+              <a:buClr>
+                <a:schemeClr val="dk1"/>
+              </a:buClr>
+              <a:buSzPts val="1100"/>
+              <a:buFont typeface="Arial"/>
+              <a:buNone/>
+            </a:pPr>
+            <a:r>
+              <a:rPr b="0" i="0" lang="ja" sz="1000" u="none" cap="none" strike="noStrike">
+                <a:solidFill>
+                  <a:schemeClr val="dk1"/>
+                </a:solidFill>
+                <a:latin typeface="Arial"/>
+                <a:ea typeface="Arial"/>
+                <a:cs typeface="Arial"/>
+                <a:sym typeface="Arial"/>
+              </a:rPr>
+              <a:t>個人情報：</a:t>
+            </a:r>
+            <a:r>
+              <a:rPr b="0" i="0" lang="ja" sz="1000" u="none" cap="none" strike="noStrike">
+                <a:solidFill>
+                  <a:srgbClr val="FF0000"/>
+                </a:solidFill>
+                <a:latin typeface="Arial"/>
+                <a:ea typeface="Arial"/>
+                <a:cs typeface="Arial"/>
+                <a:sym typeface="Arial"/>
+              </a:rPr>
+              <a:t>顧客メールアドレス</a:t>
+            </a:r>
+            <a:endParaRPr b="0" i="0" sz="1000" u="none" cap="none" strike="noStrike">
+              <a:solidFill>
+                <a:srgbClr val="FF0000"/>
+              </a:solidFill>
+              <a:latin typeface="Arial"/>
+              <a:ea typeface="Arial"/>
+              <a:cs typeface="Arial"/>
+              <a:sym typeface="Arial"/>
+            </a:endParaRPr>
+          </a:p>
         </p:txBody>
       </p:sp>
       <p:cxnSp>
         <p:nvCxnSpPr>
-          <p:cNvPr id="238" name="Google Shape;238;g7cf6fd3894_0_50"/>
+          <p:cNvPr id="228" name="Google Shape;228;g7cf6fd3894_0_70"/>
           <p:cNvCxnSpPr/>
           <p:nvPr/>
         </p:nvCxnSpPr>
@@ -32721,16 +29326,308 @@
           </a:ln>
         </p:spPr>
       </p:cxnSp>
+      <p:cxnSp>
+        <p:nvCxnSpPr>
+          <p:cNvPr id="229" name="Google Shape;229;g7cf6fd3894_0_70"/>
+          <p:cNvCxnSpPr/>
+          <p:nvPr/>
+        </p:nvCxnSpPr>
+        <p:spPr>
+          <a:xfrm>
+            <a:off x="5649624" y="2200425"/>
+            <a:ext cx="6300" cy="622800"/>
+          </a:xfrm>
+          <a:prstGeom prst="straightConnector1">
+            <a:avLst/>
+          </a:prstGeom>
+          <a:noFill/>
+          <a:ln cap="flat" cmpd="sng" w="9525">
+            <a:solidFill>
+              <a:schemeClr val="dk2"/>
+            </a:solidFill>
+            <a:prstDash val="solid"/>
+            <a:round/>
+            <a:headEnd len="sm" w="sm" type="none"/>
+            <a:tailEnd len="med" w="med" type="triangle"/>
+          </a:ln>
+        </p:spPr>
+      </p:cxnSp>
       <p:sp>
         <p:nvSpPr>
-          <p:cNvPr id="239" name="Google Shape;239;g7cf6fd3894_0_50"/>
+          <p:cNvPr id="230" name="Google Shape;230;g7cf6fd3894_0_70"/>
+          <p:cNvSpPr/>
+          <p:nvPr/>
+        </p:nvSpPr>
+        <p:spPr>
+          <a:xfrm>
+            <a:off x="4851152" y="1584248"/>
+            <a:ext cx="1326300" cy="626700"/>
+          </a:xfrm>
+          <a:prstGeom prst="roundRect">
+            <a:avLst>
+              <a:gd fmla="val 16667" name="adj"/>
+            </a:avLst>
+          </a:prstGeom>
+          <a:solidFill>
+            <a:schemeClr val="lt2"/>
+          </a:solidFill>
+          <a:ln cap="flat" cmpd="sng" w="9525">
+            <a:solidFill>
+              <a:schemeClr val="dk2"/>
+            </a:solidFill>
+            <a:prstDash val="solid"/>
+            <a:round/>
+            <a:headEnd len="sm" w="sm" type="none"/>
+            <a:tailEnd len="sm" w="sm" type="none"/>
+          </a:ln>
+        </p:spPr>
+        <p:txBody>
+          <a:bodyPr anchorCtr="0" anchor="ctr" bIns="91425" lIns="91425" spcFirstLastPara="1" rIns="91425" wrap="square" tIns="91425">
+            <a:noAutofit/>
+          </a:bodyPr>
+          <a:lstStyle/>
+          <a:p>
+            <a:pPr indent="0" lvl="0" marL="0" marR="0" rtl="0" algn="ctr">
+              <a:lnSpc>
+                <a:spcPct val="100000"/>
+              </a:lnSpc>
+              <a:spcBef>
+                <a:spcPts val="0"/>
+              </a:spcBef>
+              <a:spcAft>
+                <a:spcPts val="0"/>
+              </a:spcAft>
+              <a:buClr>
+                <a:srgbClr val="000000"/>
+              </a:buClr>
+              <a:buSzPts val="1400"/>
+              <a:buFont typeface="Arial"/>
+              <a:buNone/>
+            </a:pPr>
+            <a:r>
+              <a:rPr b="0" i="0" lang="ja" sz="1200" u="none" cap="none" strike="noStrike">
+                <a:solidFill>
+                  <a:schemeClr val="dk1"/>
+                </a:solidFill>
+                <a:latin typeface="Arial"/>
+                <a:ea typeface="Arial"/>
+                <a:cs typeface="Arial"/>
+                <a:sym typeface="Arial"/>
+              </a:rPr>
+              <a:t>Marketo</a:t>
+            </a:r>
+            <a:endParaRPr b="0" i="0" sz="1200" u="none" cap="none" strike="noStrike">
+              <a:solidFill>
+                <a:srgbClr val="000000"/>
+              </a:solidFill>
+              <a:latin typeface="Arial"/>
+              <a:ea typeface="Arial"/>
+              <a:cs typeface="Arial"/>
+              <a:sym typeface="Arial"/>
+            </a:endParaRPr>
+          </a:p>
+        </p:txBody>
+      </p:sp>
+      <p:sp>
+        <p:nvSpPr>
+          <p:cNvPr id="231" name="Google Shape;231;g7cf6fd3894_0_70"/>
+          <p:cNvSpPr/>
+          <p:nvPr/>
+        </p:nvSpPr>
+        <p:spPr>
+          <a:xfrm>
+            <a:off x="4851053" y="2809598"/>
+            <a:ext cx="1326300" cy="626700"/>
+          </a:xfrm>
+          <a:prstGeom prst="roundRect">
+            <a:avLst>
+              <a:gd fmla="val 16667" name="adj"/>
+            </a:avLst>
+          </a:prstGeom>
+          <a:solidFill>
+            <a:schemeClr val="lt2"/>
+          </a:solidFill>
+          <a:ln cap="flat" cmpd="sng" w="9525">
+            <a:solidFill>
+              <a:schemeClr val="dk2"/>
+            </a:solidFill>
+            <a:prstDash val="solid"/>
+            <a:round/>
+            <a:headEnd len="sm" w="sm" type="none"/>
+            <a:tailEnd len="sm" w="sm" type="none"/>
+          </a:ln>
+        </p:spPr>
+        <p:txBody>
+          <a:bodyPr anchorCtr="0" anchor="ctr" bIns="91425" lIns="91425" spcFirstLastPara="1" rIns="91425" wrap="square" tIns="91425">
+            <a:noAutofit/>
+          </a:bodyPr>
+          <a:lstStyle/>
+          <a:p>
+            <a:pPr indent="0" lvl="0" marL="0" marR="0" rtl="0" algn="ctr">
+              <a:lnSpc>
+                <a:spcPct val="100000"/>
+              </a:lnSpc>
+              <a:spcBef>
+                <a:spcPts val="0"/>
+              </a:spcBef>
+              <a:spcAft>
+                <a:spcPts val="0"/>
+              </a:spcAft>
+              <a:buClr>
+                <a:srgbClr val="000000"/>
+              </a:buClr>
+              <a:buSzPts val="1400"/>
+              <a:buFont typeface="Arial"/>
+              <a:buNone/>
+            </a:pPr>
+            <a:r>
+              <a:rPr b="0" i="0" lang="ja" sz="1200" u="none" cap="none" strike="noStrike">
+                <a:solidFill>
+                  <a:schemeClr val="dk1"/>
+                </a:solidFill>
+                <a:latin typeface="Arial"/>
+                <a:ea typeface="Arial"/>
+                <a:cs typeface="Arial"/>
+                <a:sym typeface="Arial"/>
+              </a:rPr>
+              <a:t>EC2</a:t>
+            </a:r>
+            <a:endParaRPr b="0" i="0" sz="1200" u="none" cap="none" strike="noStrike">
+              <a:solidFill>
+                <a:schemeClr val="dk1"/>
+              </a:solidFill>
+              <a:latin typeface="Arial"/>
+              <a:ea typeface="Arial"/>
+              <a:cs typeface="Arial"/>
+              <a:sym typeface="Arial"/>
+            </a:endParaRPr>
+          </a:p>
+          <a:p>
+            <a:pPr indent="0" lvl="0" marL="0" marR="0" rtl="0" algn="ctr">
+              <a:lnSpc>
+                <a:spcPct val="100000"/>
+              </a:lnSpc>
+              <a:spcBef>
+                <a:spcPts val="0"/>
+              </a:spcBef>
+              <a:spcAft>
+                <a:spcPts val="0"/>
+              </a:spcAft>
+              <a:buClr>
+                <a:srgbClr val="000000"/>
+              </a:buClr>
+              <a:buSzPts val="1400"/>
+              <a:buFont typeface="Arial"/>
+              <a:buNone/>
+            </a:pPr>
+            <a:r>
+              <a:rPr b="0" i="0" lang="ja" sz="1200" u="none" cap="none" strike="noStrike">
+                <a:solidFill>
+                  <a:schemeClr val="dk1"/>
+                </a:solidFill>
+                <a:latin typeface="Arial"/>
+                <a:ea typeface="Arial"/>
+                <a:cs typeface="Arial"/>
+                <a:sym typeface="Arial"/>
+              </a:rPr>
+              <a:t>(AWS)</a:t>
+            </a:r>
+            <a:endParaRPr b="0" i="0" sz="1200" u="none" cap="none" strike="noStrike">
+              <a:solidFill>
+                <a:srgbClr val="000000"/>
+              </a:solidFill>
+              <a:latin typeface="Arial"/>
+              <a:ea typeface="Arial"/>
+              <a:cs typeface="Arial"/>
+              <a:sym typeface="Arial"/>
+            </a:endParaRPr>
+          </a:p>
+        </p:txBody>
+      </p:sp>
+      <p:sp>
+        <p:nvSpPr>
+          <p:cNvPr id="232" name="Google Shape;232;g7cf6fd3894_0_70"/>
+          <p:cNvSpPr/>
+          <p:nvPr/>
+        </p:nvSpPr>
+        <p:spPr>
+          <a:xfrm>
+            <a:off x="5524173" y="2394926"/>
+            <a:ext cx="252000" cy="250800"/>
+          </a:xfrm>
+          <a:prstGeom prst="ellipse">
+            <a:avLst/>
+          </a:prstGeom>
+          <a:solidFill>
+            <a:srgbClr val="9FC5E8"/>
+          </a:solidFill>
+          <a:ln cap="flat" cmpd="sng" w="9525">
+            <a:solidFill>
+              <a:schemeClr val="dk2"/>
+            </a:solidFill>
+            <a:prstDash val="solid"/>
+            <a:round/>
+            <a:headEnd len="sm" w="sm" type="none"/>
+            <a:tailEnd len="sm" w="sm" type="none"/>
+          </a:ln>
+        </p:spPr>
+        <p:txBody>
+          <a:bodyPr anchorCtr="0" anchor="ctr" bIns="91425" lIns="91425" spcFirstLastPara="1" rIns="91425" wrap="square" tIns="91425">
+            <a:noAutofit/>
+          </a:bodyPr>
+          <a:lstStyle/>
+          <a:p>
+            <a:pPr indent="0" lvl="0" marL="0" marR="0" rtl="0" algn="ctr">
+              <a:lnSpc>
+                <a:spcPct val="100000"/>
+              </a:lnSpc>
+              <a:spcBef>
+                <a:spcPts val="0"/>
+              </a:spcBef>
+              <a:spcAft>
+                <a:spcPts val="0"/>
+              </a:spcAft>
+              <a:buClr>
+                <a:srgbClr val="000000"/>
+              </a:buClr>
+              <a:buSzPts val="1400"/>
+              <a:buFont typeface="Arial"/>
+              <a:buNone/>
+            </a:pPr>
+            <a:r>
+              <a:rPr b="0" i="0" lang="ja" sz="800" u="none" cap="none" strike="noStrike">
+                <a:solidFill>
+                  <a:srgbClr val="000000"/>
+                </a:solidFill>
+                <a:latin typeface="Arial"/>
+                <a:ea typeface="Arial"/>
+                <a:cs typeface="Arial"/>
+                <a:sym typeface="Arial"/>
+              </a:rPr>
+              <a:t>3</a:t>
+            </a:r>
+            <a:endParaRPr b="0" i="0" sz="800" u="none" cap="none" strike="noStrike">
+              <a:solidFill>
+                <a:srgbClr val="000000"/>
+              </a:solidFill>
+              <a:latin typeface="Arial"/>
+              <a:ea typeface="Arial"/>
+              <a:cs typeface="Arial"/>
+              <a:sym typeface="Arial"/>
+            </a:endParaRPr>
+          </a:p>
+        </p:txBody>
+      </p:sp>
+      <p:sp>
+        <p:nvSpPr>
+          <p:cNvPr id="233" name="Google Shape;233;g7cf6fd3894_0_70"/>
           <p:cNvSpPr txBox="1"/>
           <p:nvPr/>
         </p:nvSpPr>
         <p:spPr>
           <a:xfrm>
-            <a:off x="2801554" y="2668714"/>
-            <a:ext cx="1030500" cy="375600"/>
+            <a:off x="4458330" y="2297162"/>
+            <a:ext cx="1030500" cy="248751"/>
           </a:xfrm>
           <a:prstGeom prst="rect">
             <a:avLst/>
@@ -32764,7 +29661,7 @@
               <a:buNone/>
             </a:pPr>
             <a:r>
-              <a:rPr b="0" i="0" lang="ja" sz="1100" u="none" cap="none" strike="noStrike">
+              <a:rPr b="0" i="0" lang="ja" sz="700" u="none" cap="none" strike="noStrike">
                 <a:solidFill>
                   <a:schemeClr val="dk1"/>
                 </a:solidFill>
@@ -32775,7 +29672,7 @@
               </a:rPr>
               <a:t>リクエスト</a:t>
             </a:r>
-            <a:endParaRPr b="0" i="0" sz="1400" u="none" cap="none" strike="noStrike">
+            <a:endParaRPr b="0" i="0" sz="700" u="none" cap="none" strike="noStrike">
               <a:solidFill>
                 <a:srgbClr val="000000"/>
               </a:solidFill>
@@ -32789,14 +29686,399 @@
       </p:sp>
       <p:sp>
         <p:nvSpPr>
-          <p:cNvPr id="240" name="Google Shape;240;g7cf6fd3894_0_50"/>
+          <p:cNvPr id="234" name="Google Shape;234;g7cf6fd3894_0_70"/>
+          <p:cNvSpPr/>
+          <p:nvPr/>
+        </p:nvSpPr>
+        <p:spPr>
+          <a:xfrm>
+            <a:off x="2818178" y="2809648"/>
+            <a:ext cx="1149600" cy="626700"/>
+          </a:xfrm>
+          <a:prstGeom prst="roundRect">
+            <a:avLst>
+              <a:gd fmla="val 16667" name="adj"/>
+            </a:avLst>
+          </a:prstGeom>
+          <a:solidFill>
+            <a:schemeClr val="lt2"/>
+          </a:solidFill>
+          <a:ln cap="flat" cmpd="sng" w="9525">
+            <a:solidFill>
+              <a:schemeClr val="dk2"/>
+            </a:solidFill>
+            <a:prstDash val="solid"/>
+            <a:round/>
+            <a:headEnd len="sm" w="sm" type="none"/>
+            <a:tailEnd len="sm" w="sm" type="none"/>
+          </a:ln>
+        </p:spPr>
+        <p:txBody>
+          <a:bodyPr anchorCtr="0" anchor="ctr" bIns="91425" lIns="91425" spcFirstLastPara="1" rIns="91425" wrap="square" tIns="91425">
+            <a:noAutofit/>
+          </a:bodyPr>
+          <a:lstStyle/>
+          <a:p>
+            <a:pPr indent="0" lvl="0" marL="0" marR="0" rtl="0" algn="ctr">
+              <a:lnSpc>
+                <a:spcPct val="100000"/>
+              </a:lnSpc>
+              <a:spcBef>
+                <a:spcPts val="0"/>
+              </a:spcBef>
+              <a:spcAft>
+                <a:spcPts val="0"/>
+              </a:spcAft>
+              <a:buClr>
+                <a:srgbClr val="000000"/>
+              </a:buClr>
+              <a:buSzPts val="1400"/>
+              <a:buFont typeface="Arial"/>
+              <a:buNone/>
+            </a:pPr>
+            <a:r>
+              <a:rPr b="0" i="0" lang="ja" sz="1200" u="none" cap="none" strike="noStrike">
+                <a:solidFill>
+                  <a:schemeClr val="dk1"/>
+                </a:solidFill>
+                <a:latin typeface="Arial"/>
+                <a:ea typeface="Arial"/>
+                <a:cs typeface="Arial"/>
+                <a:sym typeface="Arial"/>
+              </a:rPr>
+              <a:t>RDS</a:t>
+            </a:r>
+            <a:endParaRPr b="0" i="0" sz="1200" u="none" cap="none" strike="noStrike">
+              <a:solidFill>
+                <a:schemeClr val="dk1"/>
+              </a:solidFill>
+              <a:latin typeface="Arial"/>
+              <a:ea typeface="Arial"/>
+              <a:cs typeface="Arial"/>
+              <a:sym typeface="Arial"/>
+            </a:endParaRPr>
+          </a:p>
+          <a:p>
+            <a:pPr indent="0" lvl="0" marL="0" marR="0" rtl="0" algn="ctr">
+              <a:lnSpc>
+                <a:spcPct val="100000"/>
+              </a:lnSpc>
+              <a:spcBef>
+                <a:spcPts val="0"/>
+              </a:spcBef>
+              <a:spcAft>
+                <a:spcPts val="0"/>
+              </a:spcAft>
+              <a:buClr>
+                <a:srgbClr val="000000"/>
+              </a:buClr>
+              <a:buSzPts val="1400"/>
+              <a:buFont typeface="Arial"/>
+              <a:buNone/>
+            </a:pPr>
+            <a:r>
+              <a:rPr b="0" i="0" lang="ja" sz="1200" u="none" cap="none" strike="noStrike">
+                <a:solidFill>
+                  <a:schemeClr val="dk1"/>
+                </a:solidFill>
+                <a:latin typeface="Arial"/>
+                <a:ea typeface="Arial"/>
+                <a:cs typeface="Arial"/>
+                <a:sym typeface="Arial"/>
+              </a:rPr>
+              <a:t>(AWS)</a:t>
+            </a:r>
+            <a:endParaRPr b="0" i="0" sz="1200" u="none" cap="none" strike="noStrike">
+              <a:solidFill>
+                <a:srgbClr val="000000"/>
+              </a:solidFill>
+              <a:latin typeface="Arial"/>
+              <a:ea typeface="Arial"/>
+              <a:cs typeface="Arial"/>
+              <a:sym typeface="Arial"/>
+            </a:endParaRPr>
+          </a:p>
+        </p:txBody>
+      </p:sp>
+      <p:sp>
+        <p:nvSpPr>
+          <p:cNvPr id="235" name="Google Shape;235;g7cf6fd3894_0_70"/>
+          <p:cNvSpPr/>
+          <p:nvPr/>
+        </p:nvSpPr>
+        <p:spPr>
+          <a:xfrm>
+            <a:off x="5073600" y="4028125"/>
+            <a:ext cx="943800" cy="441900"/>
+          </a:xfrm>
+          <a:prstGeom prst="rect">
+            <a:avLst/>
+          </a:prstGeom>
+          <a:noFill/>
+          <a:ln cap="flat" cmpd="sng" w="9525">
+            <a:solidFill>
+              <a:schemeClr val="dk2"/>
+            </a:solidFill>
+            <a:prstDash val="solid"/>
+            <a:round/>
+            <a:headEnd len="sm" w="sm" type="none"/>
+            <a:tailEnd len="sm" w="sm" type="none"/>
+          </a:ln>
+        </p:spPr>
+        <p:txBody>
+          <a:bodyPr anchorCtr="0" anchor="ctr" bIns="91425" lIns="91425" spcFirstLastPara="1" rIns="91425" wrap="square" tIns="91425">
+            <a:noAutofit/>
+          </a:bodyPr>
+          <a:lstStyle/>
+          <a:p>
+            <a:pPr indent="0" lvl="0" marL="0" marR="0" rtl="0" algn="ctr">
+              <a:lnSpc>
+                <a:spcPct val="100000"/>
+              </a:lnSpc>
+              <a:spcBef>
+                <a:spcPts val="0"/>
+              </a:spcBef>
+              <a:spcAft>
+                <a:spcPts val="0"/>
+              </a:spcAft>
+              <a:buClr>
+                <a:srgbClr val="000000"/>
+              </a:buClr>
+              <a:buSzPts val="1200"/>
+              <a:buFont typeface="Arial"/>
+              <a:buNone/>
+            </a:pPr>
+            <a:r>
+              <a:rPr b="0" i="0" lang="ja" sz="900" u="none" cap="none" strike="noStrike">
+                <a:solidFill>
+                  <a:schemeClr val="dk1"/>
+                </a:solidFill>
+                <a:latin typeface="Arial"/>
+                <a:ea typeface="Arial"/>
+                <a:cs typeface="Arial"/>
+                <a:sym typeface="Arial"/>
+              </a:rPr>
+              <a:t>クライアント</a:t>
+            </a:r>
+            <a:endParaRPr b="0" i="0" sz="900" u="none" cap="none" strike="noStrike">
+              <a:solidFill>
+                <a:schemeClr val="dk1"/>
+              </a:solidFill>
+              <a:latin typeface="Arial"/>
+              <a:ea typeface="Arial"/>
+              <a:cs typeface="Arial"/>
+              <a:sym typeface="Arial"/>
+            </a:endParaRPr>
+          </a:p>
+          <a:p>
+            <a:pPr indent="0" lvl="0" marL="0" marR="0" rtl="0" algn="ctr">
+              <a:lnSpc>
+                <a:spcPct val="100000"/>
+              </a:lnSpc>
+              <a:spcBef>
+                <a:spcPts val="0"/>
+              </a:spcBef>
+              <a:spcAft>
+                <a:spcPts val="0"/>
+              </a:spcAft>
+              <a:buClr>
+                <a:srgbClr val="000000"/>
+              </a:buClr>
+              <a:buSzPts val="1200"/>
+              <a:buFont typeface="Arial"/>
+              <a:buNone/>
+            </a:pPr>
+            <a:r>
+              <a:rPr b="0" i="0" lang="ja" sz="900" u="none" cap="none" strike="noStrike">
+                <a:solidFill>
+                  <a:schemeClr val="dk1"/>
+                </a:solidFill>
+                <a:latin typeface="Arial"/>
+                <a:ea typeface="Arial"/>
+                <a:cs typeface="Arial"/>
+                <a:sym typeface="Arial"/>
+              </a:rPr>
+              <a:t>PC</a:t>
+            </a:r>
+            <a:endParaRPr b="0" i="0" sz="900" u="none" cap="none" strike="noStrike">
+              <a:solidFill>
+                <a:schemeClr val="dk1"/>
+              </a:solidFill>
+              <a:latin typeface="Arial"/>
+              <a:ea typeface="Arial"/>
+              <a:cs typeface="Arial"/>
+              <a:sym typeface="Arial"/>
+            </a:endParaRPr>
+          </a:p>
+        </p:txBody>
+      </p:sp>
+      <p:cxnSp>
+        <p:nvCxnSpPr>
+          <p:cNvPr id="236" name="Google Shape;236;g7cf6fd3894_0_70"/>
+          <p:cNvCxnSpPr/>
+          <p:nvPr/>
+        </p:nvCxnSpPr>
+        <p:spPr>
+          <a:xfrm rot="10800000">
+            <a:off x="3967660" y="2970350"/>
+            <a:ext cx="880276" cy="938"/>
+          </a:xfrm>
+          <a:prstGeom prst="straightConnector1">
+            <a:avLst/>
+          </a:prstGeom>
+          <a:noFill/>
+          <a:ln cap="flat" cmpd="sng" w="9525">
+            <a:solidFill>
+              <a:schemeClr val="dk2"/>
+            </a:solidFill>
+            <a:prstDash val="solid"/>
+            <a:round/>
+            <a:headEnd len="sm" w="sm" type="none"/>
+            <a:tailEnd len="med" w="med" type="triangle"/>
+          </a:ln>
+        </p:spPr>
+      </p:cxnSp>
+      <p:cxnSp>
+        <p:nvCxnSpPr>
+          <p:cNvPr id="237" name="Google Shape;237;g7cf6fd3894_0_70"/>
+          <p:cNvCxnSpPr/>
+          <p:nvPr/>
+        </p:nvCxnSpPr>
+        <p:spPr>
+          <a:xfrm flipH="1" rot="10800000">
+            <a:off x="3967660" y="3251665"/>
+            <a:ext cx="883393" cy="9785"/>
+          </a:xfrm>
+          <a:prstGeom prst="straightConnector1">
+            <a:avLst/>
+          </a:prstGeom>
+          <a:noFill/>
+          <a:ln cap="flat" cmpd="sng" w="9525">
+            <a:solidFill>
+              <a:schemeClr val="dk2"/>
+            </a:solidFill>
+            <a:prstDash val="solid"/>
+            <a:round/>
+            <a:headEnd len="sm" w="sm" type="none"/>
+            <a:tailEnd len="med" w="med" type="triangle"/>
+          </a:ln>
+        </p:spPr>
+      </p:cxnSp>
+      <p:cxnSp>
+        <p:nvCxnSpPr>
+          <p:cNvPr id="238" name="Google Shape;238;g7cf6fd3894_0_70"/>
+          <p:cNvCxnSpPr>
+            <a:stCxn id="235" idx="3"/>
+            <a:endCxn id="239" idx="1"/>
+          </p:cNvCxnSpPr>
+          <p:nvPr/>
+        </p:nvCxnSpPr>
+        <p:spPr>
+          <a:xfrm flipH="1" rot="10800000">
+            <a:off x="6017400" y="4241575"/>
+            <a:ext cx="1138500" cy="7500"/>
+          </a:xfrm>
+          <a:prstGeom prst="straightConnector1">
+            <a:avLst/>
+          </a:prstGeom>
+          <a:noFill/>
+          <a:ln cap="flat" cmpd="sng" w="9525">
+            <a:solidFill>
+              <a:schemeClr val="dk2"/>
+            </a:solidFill>
+            <a:prstDash val="solid"/>
+            <a:round/>
+            <a:headEnd len="sm" w="sm" type="none"/>
+            <a:tailEnd len="med" w="med" type="triangle"/>
+          </a:ln>
+        </p:spPr>
+      </p:cxnSp>
+      <p:sp>
+        <p:nvSpPr>
+          <p:cNvPr id="239" name="Google Shape;239;g7cf6fd3894_0_70"/>
+          <p:cNvSpPr/>
+          <p:nvPr/>
+        </p:nvSpPr>
+        <p:spPr>
+          <a:xfrm>
+            <a:off x="7155750" y="3955193"/>
+            <a:ext cx="1271400" cy="572700"/>
+          </a:xfrm>
+          <a:prstGeom prst="roundRect">
+            <a:avLst>
+              <a:gd fmla="val 16667" name="adj"/>
+            </a:avLst>
+          </a:prstGeom>
+          <a:solidFill>
+            <a:schemeClr val="lt2"/>
+          </a:solidFill>
+          <a:ln cap="flat" cmpd="sng" w="9525">
+            <a:solidFill>
+              <a:schemeClr val="dk2"/>
+            </a:solidFill>
+            <a:prstDash val="solid"/>
+            <a:round/>
+            <a:headEnd len="sm" w="sm" type="none"/>
+            <a:tailEnd len="sm" w="sm" type="none"/>
+          </a:ln>
+        </p:spPr>
+        <p:txBody>
+          <a:bodyPr anchorCtr="0" anchor="ctr" bIns="91425" lIns="91425" spcFirstLastPara="1" rIns="91425" wrap="square" tIns="91425">
+            <a:noAutofit/>
+          </a:bodyPr>
+          <a:lstStyle/>
+          <a:p>
+            <a:pPr indent="0" lvl="0" marL="0" marR="0" rtl="0" algn="l">
+              <a:lnSpc>
+                <a:spcPct val="100000"/>
+              </a:lnSpc>
+              <a:spcBef>
+                <a:spcPts val="0"/>
+              </a:spcBef>
+              <a:spcAft>
+                <a:spcPts val="0"/>
+              </a:spcAft>
+              <a:buClr>
+                <a:srgbClr val="000000"/>
+              </a:buClr>
+              <a:buSzPts val="1400"/>
+              <a:buFont typeface="Arial"/>
+              <a:buNone/>
+            </a:pPr>
+            <a:r>
+              <a:rPr b="0" i="0" lang="ja" sz="800" u="none" cap="none" strike="noStrike">
+                <a:solidFill>
+                  <a:schemeClr val="dk1"/>
+                </a:solidFill>
+                <a:latin typeface="Arial"/>
+                <a:ea typeface="Arial"/>
+                <a:cs typeface="Arial"/>
+                <a:sym typeface="Arial"/>
+              </a:rPr>
+              <a:t>\\nfg\dfs\ssd\プライムクロスデータ受渡し用\マルケト配信履歴</a:t>
+            </a:r>
+            <a:endParaRPr b="0" i="0" sz="800" u="none" cap="none" strike="noStrike">
+              <a:solidFill>
+                <a:schemeClr val="dk1"/>
+              </a:solidFill>
+              <a:latin typeface="Arial"/>
+              <a:ea typeface="Arial"/>
+              <a:cs typeface="Arial"/>
+              <a:sym typeface="Arial"/>
+            </a:endParaRPr>
+          </a:p>
+        </p:txBody>
+      </p:sp>
+      <p:sp>
+        <p:nvSpPr>
+          <p:cNvPr id="240" name="Google Shape;240;g7cf6fd3894_0_70"/>
           <p:cNvSpPr txBox="1"/>
           <p:nvPr/>
         </p:nvSpPr>
         <p:spPr>
           <a:xfrm>
-            <a:off x="5190485" y="2671079"/>
-            <a:ext cx="1030500" cy="375600"/>
+            <a:off x="5977547" y="4344925"/>
+            <a:ext cx="1178203" cy="375600"/>
           </a:xfrm>
           <a:prstGeom prst="rect">
             <a:avLst/>
@@ -32825,12 +30107,12 @@
               <a:buClr>
                 <a:srgbClr val="000000"/>
               </a:buClr>
-              <a:buSzPts val="1100"/>
-              <a:buFont typeface="Arial"/>
-              <a:buNone/>
-            </a:pPr>
-            <a:r>
-              <a:rPr b="0" i="0" lang="ja" sz="1100" u="none" cap="none" strike="noStrike">
+              <a:buSzPts val="700"/>
+              <a:buFont typeface="Arial"/>
+              <a:buNone/>
+            </a:pPr>
+            <a:r>
+              <a:rPr b="0" i="0" lang="ja" sz="700" u="none" cap="none" strike="noStrike">
                 <a:solidFill>
                   <a:schemeClr val="dk1"/>
                 </a:solidFill>
@@ -32839,11 +30121,11 @@
                 <a:cs typeface="Arial"/>
                 <a:sym typeface="Arial"/>
               </a:rPr>
-              <a:t>データ取得</a:t>
-            </a:r>
-            <a:endParaRPr b="0" i="0" sz="1400" u="none" cap="none" strike="noStrike">
+              <a:t>野村不動産指定フォルダに手動でデータ格納</a:t>
+            </a:r>
+            <a:endParaRPr b="0" i="0" sz="1200" u="none" cap="none" strike="noStrike">
               <a:solidFill>
-                <a:srgbClr val="000000"/>
+                <a:schemeClr val="dk1"/>
               </a:solidFill>
               <a:latin typeface="Arial"/>
               <a:ea typeface="Arial"/>
@@ -32855,7 +30137,899 @@
       </p:sp>
       <p:sp>
         <p:nvSpPr>
-          <p:cNvPr id="241" name="Google Shape;241;g7cf6fd3894_0_50"/>
+          <p:cNvPr id="241" name="Google Shape;241;g7cf6fd3894_0_70"/>
+          <p:cNvSpPr/>
+          <p:nvPr/>
+        </p:nvSpPr>
+        <p:spPr>
+          <a:xfrm>
+            <a:off x="4311599" y="2852126"/>
+            <a:ext cx="252000" cy="250800"/>
+          </a:xfrm>
+          <a:prstGeom prst="ellipse">
+            <a:avLst/>
+          </a:prstGeom>
+          <a:solidFill>
+            <a:srgbClr val="9FC5E8"/>
+          </a:solidFill>
+          <a:ln cap="flat" cmpd="sng" w="9525">
+            <a:solidFill>
+              <a:schemeClr val="dk2"/>
+            </a:solidFill>
+            <a:prstDash val="solid"/>
+            <a:round/>
+            <a:headEnd len="sm" w="sm" type="none"/>
+            <a:tailEnd len="sm" w="sm" type="none"/>
+          </a:ln>
+        </p:spPr>
+        <p:txBody>
+          <a:bodyPr anchorCtr="0" anchor="ctr" bIns="91425" lIns="91425" spcFirstLastPara="1" rIns="91425" wrap="square" tIns="91425">
+            <a:noAutofit/>
+          </a:bodyPr>
+          <a:lstStyle/>
+          <a:p>
+            <a:pPr indent="0" lvl="0" marL="0" marR="0" rtl="0" algn="ctr">
+              <a:lnSpc>
+                <a:spcPct val="100000"/>
+              </a:lnSpc>
+              <a:spcBef>
+                <a:spcPts val="0"/>
+              </a:spcBef>
+              <a:spcAft>
+                <a:spcPts val="0"/>
+              </a:spcAft>
+              <a:buClr>
+                <a:srgbClr val="000000"/>
+              </a:buClr>
+              <a:buSzPts val="1400"/>
+              <a:buFont typeface="Arial"/>
+              <a:buNone/>
+            </a:pPr>
+            <a:r>
+              <a:rPr b="0" i="0" lang="ja" sz="800" u="none" cap="none" strike="noStrike">
+                <a:solidFill>
+                  <a:srgbClr val="000000"/>
+                </a:solidFill>
+                <a:latin typeface="Arial"/>
+                <a:ea typeface="Arial"/>
+                <a:cs typeface="Arial"/>
+                <a:sym typeface="Arial"/>
+              </a:rPr>
+              <a:t>4</a:t>
+            </a:r>
+            <a:endParaRPr b="0" i="0" sz="800" u="none" cap="none" strike="noStrike">
+              <a:solidFill>
+                <a:srgbClr val="000000"/>
+              </a:solidFill>
+              <a:latin typeface="Arial"/>
+              <a:ea typeface="Arial"/>
+              <a:cs typeface="Arial"/>
+              <a:sym typeface="Arial"/>
+            </a:endParaRPr>
+          </a:p>
+        </p:txBody>
+      </p:sp>
+      <p:cxnSp>
+        <p:nvCxnSpPr>
+          <p:cNvPr id="242" name="Google Shape;242;g7cf6fd3894_0_70"/>
+          <p:cNvCxnSpPr/>
+          <p:nvPr/>
+        </p:nvCxnSpPr>
+        <p:spPr>
+          <a:xfrm rot="10800000">
+            <a:off x="5361124" y="2200425"/>
+            <a:ext cx="0" cy="622801"/>
+          </a:xfrm>
+          <a:prstGeom prst="straightConnector1">
+            <a:avLst/>
+          </a:prstGeom>
+          <a:noFill/>
+          <a:ln cap="flat" cmpd="sng" w="9525">
+            <a:solidFill>
+              <a:schemeClr val="dk2"/>
+            </a:solidFill>
+            <a:prstDash val="solid"/>
+            <a:round/>
+            <a:headEnd len="sm" w="sm" type="none"/>
+            <a:tailEnd len="med" w="med" type="triangle"/>
+          </a:ln>
+        </p:spPr>
+      </p:cxnSp>
+      <p:sp>
+        <p:nvSpPr>
+          <p:cNvPr id="243" name="Google Shape;243;g7cf6fd3894_0_70"/>
+          <p:cNvSpPr/>
+          <p:nvPr/>
+        </p:nvSpPr>
+        <p:spPr>
+          <a:xfrm>
+            <a:off x="5225999" y="2394926"/>
+            <a:ext cx="252000" cy="250800"/>
+          </a:xfrm>
+          <a:prstGeom prst="ellipse">
+            <a:avLst/>
+          </a:prstGeom>
+          <a:solidFill>
+            <a:srgbClr val="9FC5E8"/>
+          </a:solidFill>
+          <a:ln cap="flat" cmpd="sng" w="9525">
+            <a:solidFill>
+              <a:schemeClr val="dk2"/>
+            </a:solidFill>
+            <a:prstDash val="solid"/>
+            <a:round/>
+            <a:headEnd len="sm" w="sm" type="none"/>
+            <a:tailEnd len="sm" w="sm" type="none"/>
+          </a:ln>
+        </p:spPr>
+        <p:txBody>
+          <a:bodyPr anchorCtr="0" anchor="ctr" bIns="91425" lIns="91425" spcFirstLastPara="1" rIns="91425" wrap="square" tIns="91425">
+            <a:noAutofit/>
+          </a:bodyPr>
+          <a:lstStyle/>
+          <a:p>
+            <a:pPr indent="0" lvl="0" marL="0" marR="0" rtl="0" algn="ctr">
+              <a:lnSpc>
+                <a:spcPct val="100000"/>
+              </a:lnSpc>
+              <a:spcBef>
+                <a:spcPts val="0"/>
+              </a:spcBef>
+              <a:spcAft>
+                <a:spcPts val="0"/>
+              </a:spcAft>
+              <a:buClr>
+                <a:srgbClr val="000000"/>
+              </a:buClr>
+              <a:buSzPts val="1400"/>
+              <a:buFont typeface="Arial"/>
+              <a:buNone/>
+            </a:pPr>
+            <a:r>
+              <a:rPr b="0" i="0" lang="ja" sz="800" u="none" cap="none" strike="noStrike">
+                <a:solidFill>
+                  <a:srgbClr val="000000"/>
+                </a:solidFill>
+                <a:latin typeface="Arial"/>
+                <a:ea typeface="Arial"/>
+                <a:cs typeface="Arial"/>
+                <a:sym typeface="Arial"/>
+              </a:rPr>
+              <a:t>2</a:t>
+            </a:r>
+            <a:endParaRPr b="0" i="0" sz="800" u="none" cap="none" strike="noStrike">
+              <a:solidFill>
+                <a:srgbClr val="000000"/>
+              </a:solidFill>
+              <a:latin typeface="Arial"/>
+              <a:ea typeface="Arial"/>
+              <a:cs typeface="Arial"/>
+              <a:sym typeface="Arial"/>
+            </a:endParaRPr>
+          </a:p>
+        </p:txBody>
+      </p:sp>
+      <p:sp>
+        <p:nvSpPr>
+          <p:cNvPr id="244" name="Google Shape;244;g7cf6fd3894_0_70"/>
+          <p:cNvSpPr/>
+          <p:nvPr/>
+        </p:nvSpPr>
+        <p:spPr>
+          <a:xfrm>
+            <a:off x="4311599" y="3133734"/>
+            <a:ext cx="252000" cy="250800"/>
+          </a:xfrm>
+          <a:prstGeom prst="ellipse">
+            <a:avLst/>
+          </a:prstGeom>
+          <a:solidFill>
+            <a:srgbClr val="9FC5E8"/>
+          </a:solidFill>
+          <a:ln cap="flat" cmpd="sng" w="9525">
+            <a:solidFill>
+              <a:schemeClr val="dk2"/>
+            </a:solidFill>
+            <a:prstDash val="solid"/>
+            <a:round/>
+            <a:headEnd len="sm" w="sm" type="none"/>
+            <a:tailEnd len="sm" w="sm" type="none"/>
+          </a:ln>
+        </p:spPr>
+        <p:txBody>
+          <a:bodyPr anchorCtr="0" anchor="ctr" bIns="91425" lIns="91425" spcFirstLastPara="1" rIns="91425" wrap="square" tIns="91425">
+            <a:noAutofit/>
+          </a:bodyPr>
+          <a:lstStyle/>
+          <a:p>
+            <a:pPr indent="0" lvl="0" marL="0" marR="0" rtl="0" algn="ctr">
+              <a:lnSpc>
+                <a:spcPct val="100000"/>
+              </a:lnSpc>
+              <a:spcBef>
+                <a:spcPts val="0"/>
+              </a:spcBef>
+              <a:spcAft>
+                <a:spcPts val="0"/>
+              </a:spcAft>
+              <a:buClr>
+                <a:srgbClr val="000000"/>
+              </a:buClr>
+              <a:buSzPts val="1400"/>
+              <a:buFont typeface="Arial"/>
+              <a:buNone/>
+            </a:pPr>
+            <a:r>
+              <a:rPr b="0" i="0" lang="ja" sz="800" u="none" cap="none" strike="noStrike">
+                <a:solidFill>
+                  <a:srgbClr val="000000"/>
+                </a:solidFill>
+                <a:latin typeface="Arial"/>
+                <a:ea typeface="Arial"/>
+                <a:cs typeface="Arial"/>
+                <a:sym typeface="Arial"/>
+              </a:rPr>
+              <a:t>5</a:t>
+            </a:r>
+            <a:endParaRPr b="0" i="0" sz="800" u="none" cap="none" strike="noStrike">
+              <a:solidFill>
+                <a:srgbClr val="000000"/>
+              </a:solidFill>
+              <a:latin typeface="Arial"/>
+              <a:ea typeface="Arial"/>
+              <a:cs typeface="Arial"/>
+              <a:sym typeface="Arial"/>
+            </a:endParaRPr>
+          </a:p>
+        </p:txBody>
+      </p:sp>
+      <p:sp>
+        <p:nvSpPr>
+          <p:cNvPr id="245" name="Google Shape;245;g7cf6fd3894_0_70"/>
+          <p:cNvSpPr/>
+          <p:nvPr/>
+        </p:nvSpPr>
+        <p:spPr>
+          <a:xfrm>
+            <a:off x="6456722" y="4116143"/>
+            <a:ext cx="252000" cy="250800"/>
+          </a:xfrm>
+          <a:prstGeom prst="ellipse">
+            <a:avLst/>
+          </a:prstGeom>
+          <a:solidFill>
+            <a:srgbClr val="9FC5E8"/>
+          </a:solidFill>
+          <a:ln cap="flat" cmpd="sng" w="9525">
+            <a:solidFill>
+              <a:schemeClr val="dk2"/>
+            </a:solidFill>
+            <a:prstDash val="solid"/>
+            <a:round/>
+            <a:headEnd len="sm" w="sm" type="none"/>
+            <a:tailEnd len="sm" w="sm" type="none"/>
+          </a:ln>
+        </p:spPr>
+        <p:txBody>
+          <a:bodyPr anchorCtr="0" anchor="ctr" bIns="91425" lIns="91425" spcFirstLastPara="1" rIns="91425" wrap="square" tIns="91425">
+            <a:noAutofit/>
+          </a:bodyPr>
+          <a:lstStyle/>
+          <a:p>
+            <a:pPr indent="0" lvl="0" marL="0" marR="0" rtl="0" algn="ctr">
+              <a:lnSpc>
+                <a:spcPct val="100000"/>
+              </a:lnSpc>
+              <a:spcBef>
+                <a:spcPts val="0"/>
+              </a:spcBef>
+              <a:spcAft>
+                <a:spcPts val="0"/>
+              </a:spcAft>
+              <a:buClr>
+                <a:srgbClr val="000000"/>
+              </a:buClr>
+              <a:buSzPts val="1400"/>
+              <a:buFont typeface="Arial"/>
+              <a:buNone/>
+            </a:pPr>
+            <a:r>
+              <a:rPr b="0" i="0" lang="ja" sz="700" u="none" cap="none" strike="noStrike">
+                <a:solidFill>
+                  <a:srgbClr val="000000"/>
+                </a:solidFill>
+                <a:latin typeface="Arial"/>
+                <a:ea typeface="Arial"/>
+                <a:cs typeface="Arial"/>
+                <a:sym typeface="Arial"/>
+              </a:rPr>
+              <a:t>7</a:t>
+            </a:r>
+            <a:endParaRPr b="0" i="0" sz="700" u="none" cap="none" strike="noStrike">
+              <a:solidFill>
+                <a:srgbClr val="000000"/>
+              </a:solidFill>
+              <a:latin typeface="Arial"/>
+              <a:ea typeface="Arial"/>
+              <a:cs typeface="Arial"/>
+              <a:sym typeface="Arial"/>
+            </a:endParaRPr>
+          </a:p>
+        </p:txBody>
+      </p:sp>
+      <p:sp>
+        <p:nvSpPr>
+          <p:cNvPr id="246" name="Google Shape;246;g7cf6fd3894_0_70"/>
+          <p:cNvSpPr txBox="1"/>
+          <p:nvPr/>
+        </p:nvSpPr>
+        <p:spPr>
+          <a:xfrm>
+            <a:off x="5745776" y="2303221"/>
+            <a:ext cx="1141500" cy="248751"/>
+          </a:xfrm>
+          <a:prstGeom prst="rect">
+            <a:avLst/>
+          </a:prstGeom>
+          <a:noFill/>
+          <a:ln>
+            <a:noFill/>
+          </a:ln>
+        </p:spPr>
+        <p:txBody>
+          <a:bodyPr anchorCtr="0" anchor="t" bIns="91425" lIns="91425" spcFirstLastPara="1" rIns="91425" wrap="square" tIns="91425">
+            <a:noAutofit/>
+          </a:bodyPr>
+          <a:lstStyle/>
+          <a:p>
+            <a:pPr indent="0" lvl="0" marL="0" marR="0" rtl="0" algn="l">
+              <a:lnSpc>
+                <a:spcPct val="100000"/>
+              </a:lnSpc>
+              <a:spcBef>
+                <a:spcPts val="0"/>
+              </a:spcBef>
+              <a:spcAft>
+                <a:spcPts val="0"/>
+              </a:spcAft>
+              <a:buClr>
+                <a:srgbClr val="000000"/>
+              </a:buClr>
+              <a:buSzPts val="1100"/>
+              <a:buFont typeface="Arial"/>
+              <a:buNone/>
+            </a:pPr>
+            <a:r>
+              <a:rPr b="0" i="0" lang="ja" sz="700" u="none" cap="none" strike="noStrike">
+                <a:solidFill>
+                  <a:schemeClr val="dk1"/>
+                </a:solidFill>
+                <a:latin typeface="Arial"/>
+                <a:ea typeface="Arial"/>
+                <a:cs typeface="Arial"/>
+                <a:sym typeface="Arial"/>
+              </a:rPr>
+              <a:t>データ取得</a:t>
+            </a:r>
+            <a:endParaRPr b="0" i="0" sz="700" u="none" cap="none" strike="noStrike">
+              <a:solidFill>
+                <a:schemeClr val="dk1"/>
+              </a:solidFill>
+              <a:latin typeface="Arial"/>
+              <a:ea typeface="Arial"/>
+              <a:cs typeface="Arial"/>
+              <a:sym typeface="Arial"/>
+            </a:endParaRPr>
+          </a:p>
+        </p:txBody>
+      </p:sp>
+      <p:sp>
+        <p:nvSpPr>
+          <p:cNvPr id="247" name="Google Shape;247;g7cf6fd3894_0_70"/>
+          <p:cNvSpPr txBox="1"/>
+          <p:nvPr/>
+        </p:nvSpPr>
+        <p:spPr>
+          <a:xfrm>
+            <a:off x="3848600" y="3318001"/>
+            <a:ext cx="1141500" cy="226532"/>
+          </a:xfrm>
+          <a:prstGeom prst="rect">
+            <a:avLst/>
+          </a:prstGeom>
+          <a:noFill/>
+          <a:ln>
+            <a:noFill/>
+          </a:ln>
+        </p:spPr>
+        <p:txBody>
+          <a:bodyPr anchorCtr="0" anchor="t" bIns="91425" lIns="91425" spcFirstLastPara="1" rIns="91425" wrap="square" tIns="91425">
+            <a:noAutofit/>
+          </a:bodyPr>
+          <a:lstStyle/>
+          <a:p>
+            <a:pPr indent="0" lvl="0" marL="0" marR="0" rtl="0" algn="ctr">
+              <a:lnSpc>
+                <a:spcPct val="100000"/>
+              </a:lnSpc>
+              <a:spcBef>
+                <a:spcPts val="0"/>
+              </a:spcBef>
+              <a:spcAft>
+                <a:spcPts val="0"/>
+              </a:spcAft>
+              <a:buClr>
+                <a:srgbClr val="000000"/>
+              </a:buClr>
+              <a:buSzPts val="1100"/>
+              <a:buFont typeface="Arial"/>
+              <a:buNone/>
+            </a:pPr>
+            <a:r>
+              <a:rPr b="0" i="0" lang="ja" sz="700" u="none" cap="none" strike="noStrike">
+                <a:solidFill>
+                  <a:schemeClr val="dk1"/>
+                </a:solidFill>
+                <a:latin typeface="Arial"/>
+                <a:ea typeface="Arial"/>
+                <a:cs typeface="Arial"/>
+                <a:sym typeface="Arial"/>
+              </a:rPr>
+              <a:t>データ取得・Excel変換</a:t>
+            </a:r>
+            <a:endParaRPr b="0" i="0" sz="700" u="none" cap="none" strike="noStrike">
+              <a:solidFill>
+                <a:schemeClr val="dk1"/>
+              </a:solidFill>
+              <a:latin typeface="Arial"/>
+              <a:ea typeface="Arial"/>
+              <a:cs typeface="Arial"/>
+              <a:sym typeface="Arial"/>
+            </a:endParaRPr>
+          </a:p>
+        </p:txBody>
+      </p:sp>
+      <p:sp>
+        <p:nvSpPr>
+          <p:cNvPr id="248" name="Google Shape;248;g7cf6fd3894_0_70"/>
+          <p:cNvSpPr txBox="1"/>
+          <p:nvPr/>
+        </p:nvSpPr>
+        <p:spPr>
+          <a:xfrm>
+            <a:off x="3773574" y="2551972"/>
+            <a:ext cx="1326300" cy="231028"/>
+          </a:xfrm>
+          <a:prstGeom prst="rect">
+            <a:avLst/>
+          </a:prstGeom>
+          <a:noFill/>
+          <a:ln>
+            <a:noFill/>
+          </a:ln>
+        </p:spPr>
+        <p:txBody>
+          <a:bodyPr anchorCtr="0" anchor="t" bIns="91425" lIns="91425" spcFirstLastPara="1" rIns="91425" wrap="square" tIns="91425">
+            <a:noAutofit/>
+          </a:bodyPr>
+          <a:lstStyle/>
+          <a:p>
+            <a:pPr indent="0" lvl="0" marL="0" marR="0" rtl="0" algn="ctr">
+              <a:lnSpc>
+                <a:spcPct val="100000"/>
+              </a:lnSpc>
+              <a:spcBef>
+                <a:spcPts val="0"/>
+              </a:spcBef>
+              <a:spcAft>
+                <a:spcPts val="0"/>
+              </a:spcAft>
+              <a:buClr>
+                <a:schemeClr val="dk1"/>
+              </a:buClr>
+              <a:buSzPts val="600"/>
+              <a:buFont typeface="Arial"/>
+              <a:buNone/>
+            </a:pPr>
+            <a:r>
+              <a:rPr b="0" i="0" lang="ja" sz="700" u="none" cap="none" strike="noStrike">
+                <a:solidFill>
+                  <a:srgbClr val="000000"/>
+                </a:solidFill>
+                <a:latin typeface="Arial"/>
+                <a:ea typeface="Arial"/>
+                <a:cs typeface="Arial"/>
+                <a:sym typeface="Arial"/>
+              </a:rPr>
+              <a:t>取得データ蓄積</a:t>
+            </a:r>
+            <a:endParaRPr b="0" i="0" sz="700" u="none" cap="none" strike="noStrike">
+              <a:solidFill>
+                <a:srgbClr val="000000"/>
+              </a:solidFill>
+              <a:latin typeface="Arial"/>
+              <a:ea typeface="Arial"/>
+              <a:cs typeface="Arial"/>
+              <a:sym typeface="Arial"/>
+            </a:endParaRPr>
+          </a:p>
+        </p:txBody>
+      </p:sp>
+      <p:cxnSp>
+        <p:nvCxnSpPr>
+          <p:cNvPr id="249" name="Google Shape;249;g7cf6fd3894_0_70"/>
+          <p:cNvCxnSpPr/>
+          <p:nvPr/>
+        </p:nvCxnSpPr>
+        <p:spPr>
+          <a:xfrm>
+            <a:off x="5655924" y="3439402"/>
+            <a:ext cx="0" cy="603023"/>
+          </a:xfrm>
+          <a:prstGeom prst="straightConnector1">
+            <a:avLst/>
+          </a:prstGeom>
+          <a:noFill/>
+          <a:ln cap="flat" cmpd="sng" w="9525">
+            <a:solidFill>
+              <a:schemeClr val="dk2"/>
+            </a:solidFill>
+            <a:prstDash val="solid"/>
+            <a:round/>
+            <a:headEnd len="sm" w="sm" type="none"/>
+            <a:tailEnd len="med" w="med" type="triangle"/>
+          </a:ln>
+        </p:spPr>
+      </p:cxnSp>
+      <p:sp>
+        <p:nvSpPr>
+          <p:cNvPr id="250" name="Google Shape;250;g7cf6fd3894_0_70"/>
+          <p:cNvSpPr/>
+          <p:nvPr/>
+        </p:nvSpPr>
+        <p:spPr>
+          <a:xfrm>
+            <a:off x="5530799" y="3614126"/>
+            <a:ext cx="252000" cy="250800"/>
+          </a:xfrm>
+          <a:prstGeom prst="ellipse">
+            <a:avLst/>
+          </a:prstGeom>
+          <a:solidFill>
+            <a:srgbClr val="9FC5E8"/>
+          </a:solidFill>
+          <a:ln cap="flat" cmpd="sng" w="9525">
+            <a:solidFill>
+              <a:schemeClr val="dk2"/>
+            </a:solidFill>
+            <a:prstDash val="solid"/>
+            <a:round/>
+            <a:headEnd len="sm" w="sm" type="none"/>
+            <a:tailEnd len="sm" w="sm" type="none"/>
+          </a:ln>
+        </p:spPr>
+        <p:txBody>
+          <a:bodyPr anchorCtr="0" anchor="ctr" bIns="91425" lIns="91425" spcFirstLastPara="1" rIns="91425" wrap="square" tIns="91425">
+            <a:noAutofit/>
+          </a:bodyPr>
+          <a:lstStyle/>
+          <a:p>
+            <a:pPr indent="0" lvl="0" marL="0" marR="0" rtl="0" algn="ctr">
+              <a:lnSpc>
+                <a:spcPct val="100000"/>
+              </a:lnSpc>
+              <a:spcBef>
+                <a:spcPts val="0"/>
+              </a:spcBef>
+              <a:spcAft>
+                <a:spcPts val="0"/>
+              </a:spcAft>
+              <a:buClr>
+                <a:srgbClr val="000000"/>
+              </a:buClr>
+              <a:buSzPts val="1400"/>
+              <a:buFont typeface="Arial"/>
+              <a:buNone/>
+            </a:pPr>
+            <a:r>
+              <a:rPr b="0" i="0" lang="ja" sz="700" u="none" cap="none" strike="noStrike">
+                <a:solidFill>
+                  <a:srgbClr val="000000"/>
+                </a:solidFill>
+                <a:latin typeface="Arial"/>
+                <a:ea typeface="Arial"/>
+                <a:cs typeface="Arial"/>
+                <a:sym typeface="Arial"/>
+              </a:rPr>
+              <a:t>6</a:t>
+            </a:r>
+            <a:endParaRPr b="0" i="0" sz="700" u="none" cap="none" strike="noStrike">
+              <a:solidFill>
+                <a:srgbClr val="000000"/>
+              </a:solidFill>
+              <a:latin typeface="Arial"/>
+              <a:ea typeface="Arial"/>
+              <a:cs typeface="Arial"/>
+              <a:sym typeface="Arial"/>
+            </a:endParaRPr>
+          </a:p>
+        </p:txBody>
+      </p:sp>
+      <p:sp>
+        <p:nvSpPr>
+          <p:cNvPr id="251" name="Google Shape;251;g7cf6fd3894_0_70"/>
+          <p:cNvSpPr txBox="1"/>
+          <p:nvPr/>
+        </p:nvSpPr>
+        <p:spPr>
+          <a:xfrm>
+            <a:off x="4392032" y="3616175"/>
+            <a:ext cx="847068" cy="262756"/>
+          </a:xfrm>
+          <a:prstGeom prst="rect">
+            <a:avLst/>
+          </a:prstGeom>
+          <a:noFill/>
+          <a:ln>
+            <a:noFill/>
+          </a:ln>
+        </p:spPr>
+        <p:txBody>
+          <a:bodyPr anchorCtr="0" anchor="t" bIns="91425" lIns="91425" spcFirstLastPara="1" rIns="91425" wrap="square" tIns="91425">
+            <a:noAutofit/>
+          </a:bodyPr>
+          <a:lstStyle/>
+          <a:p>
+            <a:pPr indent="0" lvl="0" marL="0" marR="0" rtl="0" algn="ctr">
+              <a:lnSpc>
+                <a:spcPct val="100000"/>
+              </a:lnSpc>
+              <a:spcBef>
+                <a:spcPts val="0"/>
+              </a:spcBef>
+              <a:spcAft>
+                <a:spcPts val="0"/>
+              </a:spcAft>
+              <a:buClr>
+                <a:srgbClr val="000000"/>
+              </a:buClr>
+              <a:buSzPts val="1100"/>
+              <a:buFont typeface="Arial"/>
+              <a:buNone/>
+            </a:pPr>
+            <a:r>
+              <a:rPr b="0" i="0" lang="ja" sz="700" u="none" cap="none" strike="noStrike">
+                <a:solidFill>
+                  <a:schemeClr val="dk1"/>
+                </a:solidFill>
+                <a:latin typeface="Arial"/>
+                <a:ea typeface="Arial"/>
+                <a:cs typeface="Arial"/>
+                <a:sym typeface="Arial"/>
+              </a:rPr>
+              <a:t>画面にアクセス</a:t>
+            </a:r>
+            <a:endParaRPr b="0" i="0" sz="700" u="none" cap="none" strike="noStrike">
+              <a:solidFill>
+                <a:srgbClr val="000000"/>
+              </a:solidFill>
+              <a:latin typeface="Arial"/>
+              <a:ea typeface="Arial"/>
+              <a:cs typeface="Arial"/>
+              <a:sym typeface="Arial"/>
+            </a:endParaRPr>
+          </a:p>
+        </p:txBody>
+      </p:sp>
+      <p:cxnSp>
+        <p:nvCxnSpPr>
+          <p:cNvPr id="252" name="Google Shape;252;g7cf6fd3894_0_70"/>
+          <p:cNvCxnSpPr/>
+          <p:nvPr/>
+        </p:nvCxnSpPr>
+        <p:spPr>
+          <a:xfrm rot="10800000">
+            <a:off x="5360478" y="3431273"/>
+            <a:ext cx="0" cy="603675"/>
+          </a:xfrm>
+          <a:prstGeom prst="straightConnector1">
+            <a:avLst/>
+          </a:prstGeom>
+          <a:noFill/>
+          <a:ln cap="flat" cmpd="sng" w="9525">
+            <a:solidFill>
+              <a:schemeClr val="dk2"/>
+            </a:solidFill>
+            <a:prstDash val="solid"/>
+            <a:round/>
+            <a:headEnd len="sm" w="sm" type="none"/>
+            <a:tailEnd len="med" w="med" type="triangle"/>
+          </a:ln>
+        </p:spPr>
+      </p:cxnSp>
+      <p:sp>
+        <p:nvSpPr>
+          <p:cNvPr id="253" name="Google Shape;253;g7cf6fd3894_0_70"/>
+          <p:cNvSpPr/>
+          <p:nvPr/>
+        </p:nvSpPr>
+        <p:spPr>
+          <a:xfrm>
+            <a:off x="5232625" y="3614126"/>
+            <a:ext cx="252000" cy="250800"/>
+          </a:xfrm>
+          <a:prstGeom prst="ellipse">
+            <a:avLst/>
+          </a:prstGeom>
+          <a:solidFill>
+            <a:srgbClr val="9FC5E8"/>
+          </a:solidFill>
+          <a:ln cap="flat" cmpd="sng" w="9525">
+            <a:solidFill>
+              <a:schemeClr val="dk2"/>
+            </a:solidFill>
+            <a:prstDash val="solid"/>
+            <a:round/>
+            <a:headEnd len="sm" w="sm" type="none"/>
+            <a:tailEnd len="sm" w="sm" type="none"/>
+          </a:ln>
+        </p:spPr>
+        <p:txBody>
+          <a:bodyPr anchorCtr="0" anchor="ctr" bIns="91425" lIns="91425" spcFirstLastPara="1" rIns="91425" wrap="square" tIns="91425">
+            <a:noAutofit/>
+          </a:bodyPr>
+          <a:lstStyle/>
+          <a:p>
+            <a:pPr indent="0" lvl="0" marL="0" marR="0" rtl="0" algn="ctr">
+              <a:lnSpc>
+                <a:spcPct val="100000"/>
+              </a:lnSpc>
+              <a:spcBef>
+                <a:spcPts val="0"/>
+              </a:spcBef>
+              <a:spcAft>
+                <a:spcPts val="0"/>
+              </a:spcAft>
+              <a:buClr>
+                <a:srgbClr val="000000"/>
+              </a:buClr>
+              <a:buSzPts val="1400"/>
+              <a:buFont typeface="Arial"/>
+              <a:buNone/>
+            </a:pPr>
+            <a:r>
+              <a:rPr b="0" i="0" lang="ja" sz="700" u="none" cap="none" strike="noStrike">
+                <a:solidFill>
+                  <a:srgbClr val="000000"/>
+                </a:solidFill>
+                <a:latin typeface="Arial"/>
+                <a:ea typeface="Arial"/>
+                <a:cs typeface="Arial"/>
+                <a:sym typeface="Arial"/>
+              </a:rPr>
+              <a:t>1</a:t>
+            </a:r>
+            <a:endParaRPr b="0" i="0" sz="700" u="none" cap="none" strike="noStrike">
+              <a:solidFill>
+                <a:srgbClr val="000000"/>
+              </a:solidFill>
+              <a:latin typeface="Arial"/>
+              <a:ea typeface="Arial"/>
+              <a:cs typeface="Arial"/>
+              <a:sym typeface="Arial"/>
+            </a:endParaRPr>
+          </a:p>
+        </p:txBody>
+      </p:sp>
+      <p:sp>
+        <p:nvSpPr>
+          <p:cNvPr id="254" name="Google Shape;254;g7cf6fd3894_0_70"/>
+          <p:cNvSpPr txBox="1"/>
+          <p:nvPr/>
+        </p:nvSpPr>
+        <p:spPr>
+          <a:xfrm>
+            <a:off x="5771503" y="3449120"/>
+            <a:ext cx="2213274" cy="375600"/>
+          </a:xfrm>
+          <a:prstGeom prst="rect">
+            <a:avLst/>
+          </a:prstGeom>
+          <a:noFill/>
+          <a:ln>
+            <a:noFill/>
+          </a:ln>
+        </p:spPr>
+        <p:txBody>
+          <a:bodyPr anchorCtr="0" anchor="t" bIns="91425" lIns="91425" spcFirstLastPara="1" rIns="91425" wrap="square" tIns="91425">
+            <a:noAutofit/>
+          </a:bodyPr>
+          <a:lstStyle/>
+          <a:p>
+            <a:pPr indent="0" lvl="0" marL="0" marR="0" rtl="0" algn="ctr">
+              <a:lnSpc>
+                <a:spcPct val="100000"/>
+              </a:lnSpc>
+              <a:spcBef>
+                <a:spcPts val="0"/>
+              </a:spcBef>
+              <a:spcAft>
+                <a:spcPts val="0"/>
+              </a:spcAft>
+              <a:buClr>
+                <a:schemeClr val="dk1"/>
+              </a:buClr>
+              <a:buSzPts val="600"/>
+              <a:buFont typeface="Arial"/>
+              <a:buNone/>
+            </a:pPr>
+            <a:r>
+              <a:rPr b="0" i="0" lang="ja" sz="700" u="none" cap="none" strike="noStrike">
+                <a:solidFill>
+                  <a:schemeClr val="dk1"/>
+                </a:solidFill>
+                <a:latin typeface="Arial"/>
+                <a:ea typeface="Arial"/>
+                <a:cs typeface="Arial"/>
+                <a:sym typeface="Arial"/>
+              </a:rPr>
+              <a:t>クライアントのタイミングでExcelダウンロード</a:t>
+            </a:r>
+            <a:endParaRPr b="0" i="0" sz="700" u="none" cap="none" strike="noStrike">
+              <a:solidFill>
+                <a:schemeClr val="dk1"/>
+              </a:solidFill>
+              <a:latin typeface="Arial"/>
+              <a:ea typeface="Arial"/>
+              <a:cs typeface="Arial"/>
+              <a:sym typeface="Arial"/>
+            </a:endParaRPr>
+          </a:p>
+          <a:p>
+            <a:pPr indent="0" lvl="0" marL="0" marR="0" rtl="0" algn="ctr">
+              <a:lnSpc>
+                <a:spcPct val="100000"/>
+              </a:lnSpc>
+              <a:spcBef>
+                <a:spcPts val="0"/>
+              </a:spcBef>
+              <a:spcAft>
+                <a:spcPts val="0"/>
+              </a:spcAft>
+              <a:buClr>
+                <a:schemeClr val="dk1"/>
+              </a:buClr>
+              <a:buSzPts val="600"/>
+              <a:buFont typeface="Arial"/>
+              <a:buNone/>
+            </a:pPr>
+            <a:r>
+              <a:rPr b="0" i="0" lang="ja" sz="700" u="none" cap="none" strike="noStrike">
+                <a:solidFill>
+                  <a:schemeClr val="dk1"/>
+                </a:solidFill>
+                <a:latin typeface="Arial"/>
+                <a:ea typeface="Arial"/>
+                <a:cs typeface="Arial"/>
+                <a:sym typeface="Arial"/>
+              </a:rPr>
+              <a:t>(ダウンロード後、EC2上にあるExcelを削除)</a:t>
+            </a:r>
+            <a:endParaRPr b="0" i="0" sz="700" u="none" cap="none" strike="noStrike">
+              <a:solidFill>
+                <a:schemeClr val="dk1"/>
+              </a:solidFill>
+              <a:latin typeface="Arial"/>
+              <a:ea typeface="Arial"/>
+              <a:cs typeface="Arial"/>
+              <a:sym typeface="Arial"/>
+            </a:endParaRPr>
+          </a:p>
+        </p:txBody>
+      </p:sp>
+      <p:sp>
+        <p:nvSpPr>
+          <p:cNvPr id="255" name="Google Shape;255;g7cf6fd3894_0_70"/>
           <p:cNvSpPr txBox="1"/>
           <p:nvPr/>
         </p:nvSpPr>
@@ -32905,7 +31079,7 @@
                 <a:cs typeface="Arial"/>
                 <a:sym typeface="Arial"/>
               </a:rPr>
-              <a:t>ツール構築日：2018年2月22日</a:t>
+              <a:t>ツール構築日：2018年9月7日</a:t>
             </a:r>
             <a:endParaRPr b="0" i="0" sz="1000" u="none" cap="none" strike="noStrike">
               <a:solidFill>
@@ -32928,6 +31102,285 @@
 </file>
 
 <file path=ppt/theme/theme1.xml><?xml version="1.0" encoding="utf-8"?>
+<a:theme xmlns:a="http://schemas.openxmlformats.org/drawingml/2006/main" xmlns:r="http://schemas.openxmlformats.org/officeDocument/2006/relationships">
+  <a:themeElements>
+    <a:clrScheme name="Default">
+      <a:dk1>
+        <a:srgbClr val="000000"/>
+      </a:dk1>
+      <a:lt1>
+        <a:srgbClr val="FFFFFF"/>
+      </a:lt1>
+      <a:dk2>
+        <a:srgbClr val="158158"/>
+      </a:dk2>
+      <a:lt2>
+        <a:srgbClr val="F3F3F3"/>
+      </a:lt2>
+      <a:accent1>
+        <a:srgbClr val="058DC7"/>
+      </a:accent1>
+      <a:accent2>
+        <a:srgbClr val="50B432"/>
+      </a:accent2>
+      <a:accent3>
+        <a:srgbClr val="ED561B"/>
+      </a:accent3>
+      <a:accent4>
+        <a:srgbClr val="EDEF00"/>
+      </a:accent4>
+      <a:accent5>
+        <a:srgbClr val="24CBE5"/>
+      </a:accent5>
+      <a:accent6>
+        <a:srgbClr val="64E572"/>
+      </a:accent6>
+      <a:hlink>
+        <a:srgbClr val="2200CC"/>
+      </a:hlink>
+      <a:folHlink>
+        <a:srgbClr val="551A8B"/>
+      </a:folHlink>
+    </a:clrScheme>
+    <a:fontScheme name="Office">
+      <a:majorFont>
+        <a:latin typeface="Arial"/>
+        <a:ea typeface=""/>
+        <a:cs typeface=""/>
+        <a:font script="Jpan" typeface="ＭＳ Ｐゴシック"/>
+        <a:font script="Hang" typeface="맑은 고딕"/>
+        <a:font script="Hans" typeface="宋体"/>
+        <a:font script="Hant" typeface="新細明體"/>
+        <a:font script="Arab" typeface="Times New Roman"/>
+        <a:font script="Hebr" typeface="Times New Roman"/>
+        <a:font script="Thai" typeface="Angsana New"/>
+        <a:font script="Ethi" typeface="Nyala"/>
+        <a:font script="Beng" typeface="Vrinda"/>
+        <a:font script="Gujr" typeface="Shruti"/>
+        <a:font script="Khmr" typeface="MoolBoran"/>
+        <a:font script="Knda" typeface="Tunga"/>
+        <a:font script="Guru" typeface="Raavi"/>
+        <a:font script="Cans" typeface="Euphemia"/>
+        <a:font script="Cher" typeface="Plantagenet Cherokee"/>
+        <a:font script="Yiii" typeface="Microsoft Yi Baiti"/>
+        <a:font script="Tibt" typeface="Microsoft Himalaya"/>
+        <a:font script="Thaa" typeface="MV Boli"/>
+        <a:font script="Deva" typeface="Mangal"/>
+        <a:font script="Telu" typeface="Gautami"/>
+        <a:font script="Taml" typeface="Latha"/>
+        <a:font script="Syrc" typeface="Estrangelo Edessa"/>
+        <a:font script="Orya" typeface="Kalinga"/>
+        <a:font script="Mlym" typeface="Kartika"/>
+        <a:font script="Laoo" typeface="DokChampa"/>
+        <a:font script="Sinh" typeface="Iskoola Pota"/>
+        <a:font script="Mong" typeface="Mongolian Baiti"/>
+        <a:font script="Viet" typeface="Times New Roman"/>
+        <a:font script="Uigh" typeface="Microsoft Uighur"/>
+        <a:font script="Geor" typeface="Sylfaen"/>
+      </a:majorFont>
+      <a:minorFont>
+        <a:latin typeface="Arial"/>
+        <a:ea typeface=""/>
+        <a:cs typeface=""/>
+        <a:font script="Jpan" typeface="ＭＳ Ｐゴシック"/>
+        <a:font script="Hang" typeface="맑은 고딕"/>
+        <a:font script="Hans" typeface="宋体"/>
+        <a:font script="Hant" typeface="新細明體"/>
+        <a:font script="Arab" typeface="Arial"/>
+        <a:font script="Hebr" typeface="Arial"/>
+        <a:font script="Thai" typeface="Cordia New"/>
+        <a:font script="Ethi" typeface="Nyala"/>
+        <a:font script="Beng" typeface="Vrinda"/>
+        <a:font script="Gujr" typeface="Shruti"/>
+        <a:font script="Khmr" typeface="DaunPenh"/>
+        <a:font script="Knda" typeface="Tunga"/>
+        <a:font script="Guru" typeface="Raavi"/>
+        <a:font script="Cans" typeface="Euphemia"/>
+        <a:font script="Cher" typeface="Plantagenet Cherokee"/>
+        <a:font script="Yiii" typeface="Microsoft Yi Baiti"/>
+        <a:font script="Tibt" typeface="Microsoft Himalaya"/>
+        <a:font script="Thaa" typeface="MV Boli"/>
+        <a:font script="Deva" typeface="Mangal"/>
+        <a:font script="Telu" typeface="Gautami"/>
+        <a:font script="Taml" typeface="Latha"/>
+        <a:font script="Syrc" typeface="Estrangelo Edessa"/>
+        <a:font script="Orya" typeface="Kalinga"/>
+        <a:font script="Mlym" typeface="Kartika"/>
+        <a:font script="Laoo" typeface="DokChampa"/>
+        <a:font script="Sinh" typeface="Iskoola Pota"/>
+        <a:font script="Mong" typeface="Mongolian Baiti"/>
+        <a:font script="Viet" typeface="Arial"/>
+        <a:font script="Uigh" typeface="Microsoft Uighur"/>
+        <a:font script="Geor" typeface="Sylfaen"/>
+      </a:minorFont>
+    </a:fontScheme>
+    <a:fmtScheme name="Office">
+      <a:fillStyleLst>
+        <a:solidFill>
+          <a:schemeClr val="phClr"/>
+        </a:solidFill>
+        <a:gradFill rotWithShape="1">
+          <a:gsLst>
+            <a:gs pos="0">
+              <a:schemeClr val="phClr">
+                <a:tint val="50000"/>
+                <a:satMod val="300000"/>
+              </a:schemeClr>
+            </a:gs>
+            <a:gs pos="35000">
+              <a:schemeClr val="phClr">
+                <a:tint val="37000"/>
+                <a:satMod val="300000"/>
+              </a:schemeClr>
+            </a:gs>
+            <a:gs pos="100000">
+              <a:schemeClr val="phClr">
+                <a:tint val="15000"/>
+                <a:satMod val="350000"/>
+              </a:schemeClr>
+            </a:gs>
+          </a:gsLst>
+          <a:lin ang="16200000" scaled="1"/>
+        </a:gradFill>
+        <a:gradFill rotWithShape="1">
+          <a:gsLst>
+            <a:gs pos="0">
+              <a:schemeClr val="phClr">
+                <a:tint val="100000"/>
+                <a:shade val="100000"/>
+                <a:satMod val="130000"/>
+              </a:schemeClr>
+            </a:gs>
+            <a:gs pos="100000">
+              <a:schemeClr val="phClr">
+                <a:tint val="50000"/>
+                <a:shade val="100000"/>
+                <a:satMod val="350000"/>
+              </a:schemeClr>
+            </a:gs>
+          </a:gsLst>
+          <a:lin ang="16200000" scaled="0"/>
+        </a:gradFill>
+      </a:fillStyleLst>
+      <a:lnStyleLst>
+        <a:ln w="9525" cap="flat" cmpd="sng" algn="ctr">
+          <a:solidFill>
+            <a:schemeClr val="phClr">
+              <a:shade val="95000"/>
+              <a:satMod val="105000"/>
+            </a:schemeClr>
+          </a:solidFill>
+          <a:prstDash val="solid"/>
+        </a:ln>
+        <a:ln w="25400" cap="flat" cmpd="sng" algn="ctr">
+          <a:solidFill>
+            <a:schemeClr val="phClr"/>
+          </a:solidFill>
+          <a:prstDash val="solid"/>
+        </a:ln>
+        <a:ln w="38100" cap="flat" cmpd="sng" algn="ctr">
+          <a:solidFill>
+            <a:schemeClr val="phClr"/>
+          </a:solidFill>
+          <a:prstDash val="solid"/>
+        </a:ln>
+      </a:lnStyleLst>
+      <a:effectStyleLst>
+        <a:effectStyle>
+          <a:effectLst>
+            <a:outerShdw blurRad="40000" dist="20000" dir="5400000" rotWithShape="0">
+              <a:srgbClr val="000000">
+                <a:alpha val="38000"/>
+              </a:srgbClr>
+            </a:outerShdw>
+          </a:effectLst>
+        </a:effectStyle>
+        <a:effectStyle>
+          <a:effectLst>
+            <a:outerShdw blurRad="40000" dist="23000" dir="5400000" rotWithShape="0">
+              <a:srgbClr val="000000">
+                <a:alpha val="35000"/>
+              </a:srgbClr>
+            </a:outerShdw>
+          </a:effectLst>
+        </a:effectStyle>
+        <a:effectStyle>
+          <a:effectLst>
+            <a:outerShdw blurRad="40000" dist="23000" dir="5400000" rotWithShape="0">
+              <a:srgbClr val="000000">
+                <a:alpha val="35000"/>
+              </a:srgbClr>
+            </a:outerShdw>
+          </a:effectLst>
+          <a:scene3d>
+            <a:camera prst="orthographicFront">
+              <a:rot lat="0" lon="0" rev="0"/>
+            </a:camera>
+            <a:lightRig rig="threePt" dir="t">
+              <a:rot lat="0" lon="0" rev="1200000"/>
+            </a:lightRig>
+          </a:scene3d>
+          <a:sp3d>
+            <a:bevelT w="63500" h="25400"/>
+          </a:sp3d>
+        </a:effectStyle>
+      </a:effectStyleLst>
+      <a:bgFillStyleLst>
+        <a:solidFill>
+          <a:schemeClr val="phClr"/>
+        </a:solidFill>
+        <a:gradFill rotWithShape="1">
+          <a:gsLst>
+            <a:gs pos="0">
+              <a:schemeClr val="phClr">
+                <a:tint val="40000"/>
+                <a:satMod val="350000"/>
+              </a:schemeClr>
+            </a:gs>
+            <a:gs pos="40000">
+              <a:schemeClr val="phClr">
+                <a:tint val="45000"/>
+                <a:shade val="99000"/>
+                <a:satMod val="350000"/>
+              </a:schemeClr>
+            </a:gs>
+            <a:gs pos="100000">
+              <a:schemeClr val="phClr">
+                <a:shade val="20000"/>
+                <a:satMod val="255000"/>
+              </a:schemeClr>
+            </a:gs>
+          </a:gsLst>
+          <a:path path="circle">
+            <a:fillToRect l="50000" t="-80000" r="50000" b="180000"/>
+          </a:path>
+        </a:gradFill>
+        <a:gradFill rotWithShape="1">
+          <a:gsLst>
+            <a:gs pos="0">
+              <a:schemeClr val="phClr">
+                <a:tint val="80000"/>
+                <a:satMod val="300000"/>
+              </a:schemeClr>
+            </a:gs>
+            <a:gs pos="100000">
+              <a:schemeClr val="phClr">
+                <a:shade val="30000"/>
+                <a:satMod val="200000"/>
+              </a:schemeClr>
+            </a:gs>
+          </a:gsLst>
+          <a:path path="circle">
+            <a:fillToRect l="50000" t="50000" r="50000" b="50000"/>
+          </a:path>
+        </a:gradFill>
+      </a:bgFillStyleLst>
+    </a:fmtScheme>
+  </a:themeElements>
+</a:theme>
+</file>
+
+<file path=ppt/theme/theme2.xml><?xml version="1.0" encoding="utf-8"?>
 <a:theme xmlns:a="http://schemas.openxmlformats.org/drawingml/2006/main" xmlns:r="http://schemas.openxmlformats.org/officeDocument/2006/relationships" name="Simple Light">
   <a:themeElements>
     <a:clrScheme name="Simple Light">
@@ -33204,283 +31657,4 @@
     </a:fmtScheme>
   </a:themeElements>
 </a:theme>
-</file>
-
-<file path=ppt/theme/theme2.xml><?xml version="1.0" encoding="utf-8"?>
-<a:theme xmlns:a="http://schemas.openxmlformats.org/drawingml/2006/main" xmlns:r="http://schemas.openxmlformats.org/officeDocument/2006/relationships">
-  <a:themeElements>
-    <a:clrScheme name="Default">
-      <a:dk1>
-        <a:srgbClr val="000000"/>
-      </a:dk1>
-      <a:lt1>
-        <a:srgbClr val="FFFFFF"/>
-      </a:lt1>
-      <a:dk2>
-        <a:srgbClr val="158158"/>
-      </a:dk2>
-      <a:lt2>
-        <a:srgbClr val="F3F3F3"/>
-      </a:lt2>
-      <a:accent1>
-        <a:srgbClr val="058DC7"/>
-      </a:accent1>
-      <a:accent2>
-        <a:srgbClr val="50B432"/>
-      </a:accent2>
-      <a:accent3>
-        <a:srgbClr val="ED561B"/>
-      </a:accent3>
-      <a:accent4>
-        <a:srgbClr val="EDEF00"/>
-      </a:accent4>
-      <a:accent5>
-        <a:srgbClr val="24CBE5"/>
-      </a:accent5>
-      <a:accent6>
-        <a:srgbClr val="64E572"/>
-      </a:accent6>
-      <a:hlink>
-        <a:srgbClr val="2200CC"/>
-      </a:hlink>
-      <a:folHlink>
-        <a:srgbClr val="551A8B"/>
-      </a:folHlink>
-    </a:clrScheme>
-    <a:fontScheme name="Office">
-      <a:majorFont>
-        <a:latin typeface="Arial"/>
-        <a:ea typeface=""/>
-        <a:cs typeface=""/>
-        <a:font script="Jpan" typeface="ＭＳ Ｐゴシック"/>
-        <a:font script="Hang" typeface="맑은 고딕"/>
-        <a:font script="Hans" typeface="宋体"/>
-        <a:font script="Hant" typeface="新細明體"/>
-        <a:font script="Arab" typeface="Times New Roman"/>
-        <a:font script="Hebr" typeface="Times New Roman"/>
-        <a:font script="Thai" typeface="Angsana New"/>
-        <a:font script="Ethi" typeface="Nyala"/>
-        <a:font script="Beng" typeface="Vrinda"/>
-        <a:font script="Gujr" typeface="Shruti"/>
-        <a:font script="Khmr" typeface="MoolBoran"/>
-        <a:font script="Knda" typeface="Tunga"/>
-        <a:font script="Guru" typeface="Raavi"/>
-        <a:font script="Cans" typeface="Euphemia"/>
-        <a:font script="Cher" typeface="Plantagenet Cherokee"/>
-        <a:font script="Yiii" typeface="Microsoft Yi Baiti"/>
-        <a:font script="Tibt" typeface="Microsoft Himalaya"/>
-        <a:font script="Thaa" typeface="MV Boli"/>
-        <a:font script="Deva" typeface="Mangal"/>
-        <a:font script="Telu" typeface="Gautami"/>
-        <a:font script="Taml" typeface="Latha"/>
-        <a:font script="Syrc" typeface="Estrangelo Edessa"/>
-        <a:font script="Orya" typeface="Kalinga"/>
-        <a:font script="Mlym" typeface="Kartika"/>
-        <a:font script="Laoo" typeface="DokChampa"/>
-        <a:font script="Sinh" typeface="Iskoola Pota"/>
-        <a:font script="Mong" typeface="Mongolian Baiti"/>
-        <a:font script="Viet" typeface="Times New Roman"/>
-        <a:font script="Uigh" typeface="Microsoft Uighur"/>
-        <a:font script="Geor" typeface="Sylfaen"/>
-      </a:majorFont>
-      <a:minorFont>
-        <a:latin typeface="Arial"/>
-        <a:ea typeface=""/>
-        <a:cs typeface=""/>
-        <a:font script="Jpan" typeface="ＭＳ Ｐゴシック"/>
-        <a:font script="Hang" typeface="맑은 고딕"/>
-        <a:font script="Hans" typeface="宋体"/>
-        <a:font script="Hant" typeface="新細明體"/>
-        <a:font script="Arab" typeface="Arial"/>
-        <a:font script="Hebr" typeface="Arial"/>
-        <a:font script="Thai" typeface="Cordia New"/>
-        <a:font script="Ethi" typeface="Nyala"/>
-        <a:font script="Beng" typeface="Vrinda"/>
-        <a:font script="Gujr" typeface="Shruti"/>
-        <a:font script="Khmr" typeface="DaunPenh"/>
-        <a:font script="Knda" typeface="Tunga"/>
-        <a:font script="Guru" typeface="Raavi"/>
-        <a:font script="Cans" typeface="Euphemia"/>
-        <a:font script="Cher" typeface="Plantagenet Cherokee"/>
-        <a:font script="Yiii" typeface="Microsoft Yi Baiti"/>
-        <a:font script="Tibt" typeface="Microsoft Himalaya"/>
-        <a:font script="Thaa" typeface="MV Boli"/>
-        <a:font script="Deva" typeface="Mangal"/>
-        <a:font script="Telu" typeface="Gautami"/>
-        <a:font script="Taml" typeface="Latha"/>
-        <a:font script="Syrc" typeface="Estrangelo Edessa"/>
-        <a:font script="Orya" typeface="Kalinga"/>
-        <a:font script="Mlym" typeface="Kartika"/>
-        <a:font script="Laoo" typeface="DokChampa"/>
-        <a:font script="Sinh" typeface="Iskoola Pota"/>
-        <a:font script="Mong" typeface="Mongolian Baiti"/>
-        <a:font script="Viet" typeface="Arial"/>
-        <a:font script="Uigh" typeface="Microsoft Uighur"/>
-        <a:font script="Geor" typeface="Sylfaen"/>
-      </a:minorFont>
-    </a:fontScheme>
-    <a:fmtScheme name="Office">
-      <a:fillStyleLst>
-        <a:solidFill>
-          <a:schemeClr val="phClr"/>
-        </a:solidFill>
-        <a:gradFill rotWithShape="1">
-          <a:gsLst>
-            <a:gs pos="0">
-              <a:schemeClr val="phClr">
-                <a:tint val="50000"/>
-                <a:satMod val="300000"/>
-              </a:schemeClr>
-            </a:gs>
-            <a:gs pos="35000">
-              <a:schemeClr val="phClr">
-                <a:tint val="37000"/>
-                <a:satMod val="300000"/>
-              </a:schemeClr>
-            </a:gs>
-            <a:gs pos="100000">
-              <a:schemeClr val="phClr">
-                <a:tint val="15000"/>
-                <a:satMod val="350000"/>
-              </a:schemeClr>
-            </a:gs>
-          </a:gsLst>
-          <a:lin ang="16200000" scaled="1"/>
-        </a:gradFill>
-        <a:gradFill rotWithShape="1">
-          <a:gsLst>
-            <a:gs pos="0">
-              <a:schemeClr val="phClr">
-                <a:tint val="100000"/>
-                <a:shade val="100000"/>
-                <a:satMod val="130000"/>
-              </a:schemeClr>
-            </a:gs>
-            <a:gs pos="100000">
-              <a:schemeClr val="phClr">
-                <a:tint val="50000"/>
-                <a:shade val="100000"/>
-                <a:satMod val="350000"/>
-              </a:schemeClr>
-            </a:gs>
-          </a:gsLst>
-          <a:lin ang="16200000" scaled="0"/>
-        </a:gradFill>
-      </a:fillStyleLst>
-      <a:lnStyleLst>
-        <a:ln w="9525" cap="flat" cmpd="sng" algn="ctr">
-          <a:solidFill>
-            <a:schemeClr val="phClr">
-              <a:shade val="95000"/>
-              <a:satMod val="105000"/>
-            </a:schemeClr>
-          </a:solidFill>
-          <a:prstDash val="solid"/>
-        </a:ln>
-        <a:ln w="25400" cap="flat" cmpd="sng" algn="ctr">
-          <a:solidFill>
-            <a:schemeClr val="phClr"/>
-          </a:solidFill>
-          <a:prstDash val="solid"/>
-        </a:ln>
-        <a:ln w="38100" cap="flat" cmpd="sng" algn="ctr">
-          <a:solidFill>
-            <a:schemeClr val="phClr"/>
-          </a:solidFill>
-          <a:prstDash val="solid"/>
-        </a:ln>
-      </a:lnStyleLst>
-      <a:effectStyleLst>
-        <a:effectStyle>
-          <a:effectLst>
-            <a:outerShdw blurRad="40000" dist="20000" dir="5400000" rotWithShape="0">
-              <a:srgbClr val="000000">
-                <a:alpha val="38000"/>
-              </a:srgbClr>
-            </a:outerShdw>
-          </a:effectLst>
-        </a:effectStyle>
-        <a:effectStyle>
-          <a:effectLst>
-            <a:outerShdw blurRad="40000" dist="23000" dir="5400000" rotWithShape="0">
-              <a:srgbClr val="000000">
-                <a:alpha val="35000"/>
-              </a:srgbClr>
-            </a:outerShdw>
-          </a:effectLst>
-        </a:effectStyle>
-        <a:effectStyle>
-          <a:effectLst>
-            <a:outerShdw blurRad="40000" dist="23000" dir="5400000" rotWithShape="0">
-              <a:srgbClr val="000000">
-                <a:alpha val="35000"/>
-              </a:srgbClr>
-            </a:outerShdw>
-          </a:effectLst>
-          <a:scene3d>
-            <a:camera prst="orthographicFront">
-              <a:rot lat="0" lon="0" rev="0"/>
-            </a:camera>
-            <a:lightRig rig="threePt" dir="t">
-              <a:rot lat="0" lon="0" rev="1200000"/>
-            </a:lightRig>
-          </a:scene3d>
-          <a:sp3d>
-            <a:bevelT w="63500" h="25400"/>
-          </a:sp3d>
-        </a:effectStyle>
-      </a:effectStyleLst>
-      <a:bgFillStyleLst>
-        <a:solidFill>
-          <a:schemeClr val="phClr"/>
-        </a:solidFill>
-        <a:gradFill rotWithShape="1">
-          <a:gsLst>
-            <a:gs pos="0">
-              <a:schemeClr val="phClr">
-                <a:tint val="40000"/>
-                <a:satMod val="350000"/>
-              </a:schemeClr>
-            </a:gs>
-            <a:gs pos="40000">
-              <a:schemeClr val="phClr">
-                <a:tint val="45000"/>
-                <a:shade val="99000"/>
-                <a:satMod val="350000"/>
-              </a:schemeClr>
-            </a:gs>
-            <a:gs pos="100000">
-              <a:schemeClr val="phClr">
-                <a:shade val="20000"/>
-                <a:satMod val="255000"/>
-              </a:schemeClr>
-            </a:gs>
-          </a:gsLst>
-          <a:path path="circle">
-            <a:fillToRect l="50000" t="-80000" r="50000" b="180000"/>
-          </a:path>
-        </a:gradFill>
-        <a:gradFill rotWithShape="1">
-          <a:gsLst>
-            <a:gs pos="0">
-              <a:schemeClr val="phClr">
-                <a:tint val="80000"/>
-                <a:satMod val="300000"/>
-              </a:schemeClr>
-            </a:gs>
-            <a:gs pos="100000">
-              <a:schemeClr val="phClr">
-                <a:shade val="30000"/>
-                <a:satMod val="200000"/>
-              </a:schemeClr>
-            </a:gs>
-          </a:gsLst>
-          <a:path path="circle">
-            <a:fillToRect l="50000" t="50000" r="50000" b="50000"/>
-          </a:path>
-        </a:gradFill>
-      </a:bgFillStyleLst>
-    </a:fmtScheme>
-  </a:themeElements>
-</a:theme>
 </file>